--- a/trunk/Apresentação/CINApp - Apresentacao.pptx
+++ b/trunk/Apresentação/CINApp - Apresentacao.pptx
@@ -3,24 +3,23 @@
 <p:presentation xmlns:a="http://schemas.openxmlformats.org/drawingml/2006/main" xmlns:p="http://schemas.openxmlformats.org/presentationml/2006/main" xmlns:r="http://schemas.openxmlformats.org/officeDocument/2006/relationships">
   <p:sldMasterIdLst>
     <p:sldMasterId id="2147483648" r:id="rId2"/>
-    <p:sldMasterId id="2147483661" r:id="rId3"/>
   </p:sldMasterIdLst>
   <p:notesMasterIdLst>
-    <p:notesMasterId r:id="rId4"/>
+    <p:notesMasterId r:id="rId3"/>
   </p:notesMasterIdLst>
   <p:sldIdLst>
-    <p:sldId id="256" r:id="rId5"/>
-    <p:sldId id="257" r:id="rId6"/>
-    <p:sldId id="258" r:id="rId7"/>
-    <p:sldId id="259" r:id="rId8"/>
-    <p:sldId id="260" r:id="rId9"/>
-    <p:sldId id="261" r:id="rId10"/>
-    <p:sldId id="262" r:id="rId11"/>
-    <p:sldId id="263" r:id="rId12"/>
-    <p:sldId id="264" r:id="rId13"/>
-    <p:sldId id="265" r:id="rId14"/>
-    <p:sldId id="266" r:id="rId15"/>
-    <p:sldId id="267" r:id="rId16"/>
+    <p:sldId id="256" r:id="rId4"/>
+    <p:sldId id="257" r:id="rId5"/>
+    <p:sldId id="258" r:id="rId6"/>
+    <p:sldId id="259" r:id="rId7"/>
+    <p:sldId id="260" r:id="rId8"/>
+    <p:sldId id="261" r:id="rId9"/>
+    <p:sldId id="262" r:id="rId10"/>
+    <p:sldId id="263" r:id="rId11"/>
+    <p:sldId id="264" r:id="rId12"/>
+    <p:sldId id="265" r:id="rId13"/>
+    <p:sldId id="266" r:id="rId14"/>
+    <p:sldId id="267" r:id="rId15"/>
   </p:sldIdLst>
   <p:sldSz cx="9144000" cy="6858000"/>
   <p:notesSz cx="6858000" cy="9144000"/>
@@ -46,7 +45,7 @@
       </p:grpSpPr>
       <p:sp>
         <p:nvSpPr>
-          <p:cNvPr id="74" name="PlaceHolder 1"/>
+          <p:cNvPr id="34" name="PlaceHolder 1"/>
           <p:cNvSpPr>
             <a:spLocks noGrp="1"/>
           </p:cNvSpPr>
@@ -76,7 +75,7 @@
       </p:sp>
       <p:sp>
         <p:nvSpPr>
-          <p:cNvPr id="75" name="PlaceHolder 2"/>
+          <p:cNvPr id="35" name="PlaceHolder 2"/>
           <p:cNvSpPr>
             <a:spLocks noGrp="1"/>
           </p:cNvSpPr>
@@ -97,7 +96,7 @@
           <a:bodyPr bIns="0" lIns="0" rIns="0" tIns="0" wrap="none"/>
           <a:p>
             <a:r>
-              <a:rPr lang="pt-BR" sz="1400"/>
+              <a:rPr lang="pt-BR"/>
               <a:t>&lt;header&gt;</a:t>
             </a:r>
             <a:endParaRPr/>
@@ -106,7 +105,7 @@
       </p:sp>
       <p:sp>
         <p:nvSpPr>
-          <p:cNvPr id="76" name="PlaceHolder 3"/>
+          <p:cNvPr id="36" name="PlaceHolder 3"/>
           <p:cNvSpPr>
             <a:spLocks noGrp="1"/>
           </p:cNvSpPr>
@@ -128,7 +127,7 @@
           <a:p>
             <a:pPr algn="r"/>
             <a:r>
-              <a:rPr lang="pt-BR" sz="1400"/>
+              <a:rPr lang="pt-BR"/>
               <a:t>&lt;date/time&gt;</a:t>
             </a:r>
             <a:endParaRPr/>
@@ -137,7 +136,7 @@
       </p:sp>
       <p:sp>
         <p:nvSpPr>
-          <p:cNvPr id="77" name="PlaceHolder 4"/>
+          <p:cNvPr id="37" name="PlaceHolder 4"/>
           <p:cNvSpPr>
             <a:spLocks noGrp="1"/>
           </p:cNvSpPr>
@@ -158,7 +157,7 @@
           <a:bodyPr anchor="b" bIns="0" lIns="0" rIns="0" tIns="0" wrap="none"/>
           <a:p>
             <a:r>
-              <a:rPr lang="pt-BR" sz="1400"/>
+              <a:rPr lang="pt-BR"/>
               <a:t>&lt;footer&gt;</a:t>
             </a:r>
             <a:endParaRPr/>
@@ -167,7 +166,7 @@
       </p:sp>
       <p:sp>
         <p:nvSpPr>
-          <p:cNvPr id="78" name="PlaceHolder 5"/>
+          <p:cNvPr id="38" name="PlaceHolder 5"/>
           <p:cNvSpPr>
             <a:spLocks noGrp="1"/>
           </p:cNvSpPr>
@@ -188,8 +187,8 @@
           <a:bodyPr anchor="b" bIns="0" lIns="0" rIns="0" tIns="0" wrap="none"/>
           <a:p>
             <a:pPr algn="r"/>
-            <a:fld id="{D1F10141-B161-4191-A111-F1C1A1916111}" type="slidenum">
-              <a:rPr lang="pt-BR" sz="1400"/>
+            <a:fld id="{E1912111-4131-41B1-B191-A161C17131D1}" type="slidenum">
+              <a:rPr lang="pt-BR"/>
               <a:t>&lt;number&gt;</a:t>
             </a:fld>
             <a:endParaRPr/>
@@ -221,7 +220,7 @@
       </p:grpSpPr>
       <p:sp>
         <p:nvSpPr>
-          <p:cNvPr id="207" name="PlaceHolder 1"/>
+          <p:cNvPr id="167" name="PlaceHolder 1"/>
           <p:cNvSpPr>
             <a:spLocks noGrp="1"/>
           </p:cNvSpPr>
@@ -247,8 +246,8 @@
       </p:sp>
       <p:sp>
         <p:nvSpPr>
-          <p:cNvPr id="208" name="TextShape 2"/>
-          <p:cNvSpPr txBox="1"/>
+          <p:cNvPr id="168" name="CustomShape 2"/>
+          <p:cNvSpPr/>
           <p:nvPr/>
         </p:nvSpPr>
         <p:spPr>
@@ -263,7 +262,7 @@
         <p:txBody>
           <a:bodyPr bIns="45000" lIns="90000" rIns="90000" tIns="45000"/>
           <a:p>
-            <a:fld id="{D1015171-31B1-4101-A1A1-E121A1313121}" type="slidenum">
+            <a:fld id="{C1213151-01A1-4111-B1C1-71B18101A151}" type="slidenum">
               <a:rPr lang="pt-BR" sz="1400">
                 <a:solidFill>
                   <a:srgbClr val="000000"/>
@@ -301,7 +300,7 @@
       </p:grpSpPr>
       <p:sp>
         <p:nvSpPr>
-          <p:cNvPr id="225" name="PlaceHolder 1"/>
+          <p:cNvPr id="185" name="PlaceHolder 1"/>
           <p:cNvSpPr>
             <a:spLocks noGrp="1"/>
           </p:cNvSpPr>
@@ -327,8 +326,8 @@
       </p:sp>
       <p:sp>
         <p:nvSpPr>
-          <p:cNvPr id="226" name="TextShape 2"/>
-          <p:cNvSpPr txBox="1"/>
+          <p:cNvPr id="186" name="CustomShape 2"/>
+          <p:cNvSpPr/>
           <p:nvPr/>
         </p:nvSpPr>
         <p:spPr>
@@ -343,7 +342,7 @@
         <p:txBody>
           <a:bodyPr bIns="45000" lIns="90000" rIns="90000" tIns="45000"/>
           <a:p>
-            <a:fld id="{4191E181-B1C1-4181-8171-A1814101E141}" type="slidenum">
+            <a:fld id="{71C111E1-91E1-4161-81B1-E14191F131C1}" type="slidenum">
               <a:rPr lang="pt-BR" sz="1400">
                 <a:solidFill>
                   <a:srgbClr val="000000"/>
@@ -381,7 +380,7 @@
       </p:grpSpPr>
       <p:sp>
         <p:nvSpPr>
-          <p:cNvPr id="227" name="PlaceHolder 1"/>
+          <p:cNvPr id="187" name="PlaceHolder 1"/>
           <p:cNvSpPr>
             <a:spLocks noGrp="1"/>
           </p:cNvSpPr>
@@ -407,8 +406,8 @@
       </p:sp>
       <p:sp>
         <p:nvSpPr>
-          <p:cNvPr id="228" name="TextShape 2"/>
-          <p:cNvSpPr txBox="1"/>
+          <p:cNvPr id="188" name="CustomShape 2"/>
+          <p:cNvSpPr/>
           <p:nvPr/>
         </p:nvSpPr>
         <p:spPr>
@@ -423,7 +422,7 @@
         <p:txBody>
           <a:bodyPr bIns="45000" lIns="90000" rIns="90000" tIns="45000"/>
           <a:p>
-            <a:fld id="{7151E141-31F1-4171-A111-1131A1316101}" type="slidenum">
+            <a:fld id="{B1811181-C171-4131-8181-F1006161A161}" type="slidenum">
               <a:rPr lang="pt-BR" sz="1400">
                 <a:solidFill>
                   <a:srgbClr val="000000"/>
@@ -461,7 +460,7 @@
       </p:grpSpPr>
       <p:sp>
         <p:nvSpPr>
-          <p:cNvPr id="229" name="PlaceHolder 1"/>
+          <p:cNvPr id="189" name="PlaceHolder 1"/>
           <p:cNvSpPr>
             <a:spLocks noGrp="1"/>
           </p:cNvSpPr>
@@ -487,8 +486,8 @@
       </p:sp>
       <p:sp>
         <p:nvSpPr>
-          <p:cNvPr id="230" name="TextShape 2"/>
-          <p:cNvSpPr txBox="1"/>
+          <p:cNvPr id="190" name="CustomShape 2"/>
+          <p:cNvSpPr/>
           <p:nvPr/>
         </p:nvSpPr>
         <p:spPr>
@@ -503,7 +502,7 @@
         <p:txBody>
           <a:bodyPr bIns="45000" lIns="90000" rIns="90000" tIns="45000"/>
           <a:p>
-            <a:fld id="{A12111D1-11A1-41F1-A1C1-0151E1E19191}" type="slidenum">
+            <a:fld id="{112121E1-11A1-41D1-9101-0151A18161E1}" type="slidenum">
               <a:rPr lang="pt-BR" sz="1400">
                 <a:solidFill>
                   <a:srgbClr val="000000"/>
@@ -541,7 +540,7 @@
       </p:grpSpPr>
       <p:sp>
         <p:nvSpPr>
-          <p:cNvPr id="209" name="PlaceHolder 1"/>
+          <p:cNvPr id="169" name="PlaceHolder 1"/>
           <p:cNvSpPr>
             <a:spLocks noGrp="1"/>
           </p:cNvSpPr>
@@ -567,8 +566,8 @@
       </p:sp>
       <p:sp>
         <p:nvSpPr>
-          <p:cNvPr id="210" name="TextShape 2"/>
-          <p:cNvSpPr txBox="1"/>
+          <p:cNvPr id="170" name="CustomShape 2"/>
+          <p:cNvSpPr/>
           <p:nvPr/>
         </p:nvSpPr>
         <p:spPr>
@@ -583,7 +582,7 @@
         <p:txBody>
           <a:bodyPr bIns="45000" lIns="90000" rIns="90000" tIns="45000"/>
           <a:p>
-            <a:fld id="{A1F17131-1121-4181-B121-5121D1E12171}" type="slidenum">
+            <a:fld id="{911141D1-F1D1-41F1-9151-617191B10171}" type="slidenum">
               <a:rPr lang="pt-BR" sz="1400">
                 <a:solidFill>
                   <a:srgbClr val="000000"/>
@@ -621,7 +620,7 @@
       </p:grpSpPr>
       <p:sp>
         <p:nvSpPr>
-          <p:cNvPr id="211" name="PlaceHolder 1"/>
+          <p:cNvPr id="171" name="PlaceHolder 1"/>
           <p:cNvSpPr>
             <a:spLocks noGrp="1"/>
           </p:cNvSpPr>
@@ -647,8 +646,8 @@
       </p:sp>
       <p:sp>
         <p:nvSpPr>
-          <p:cNvPr id="212" name="TextShape 2"/>
-          <p:cNvSpPr txBox="1"/>
+          <p:cNvPr id="172" name="CustomShape 2"/>
+          <p:cNvSpPr/>
           <p:nvPr/>
         </p:nvSpPr>
         <p:spPr>
@@ -663,7 +662,7 @@
         <p:txBody>
           <a:bodyPr bIns="45000" lIns="90000" rIns="90000" tIns="45000"/>
           <a:p>
-            <a:fld id="{D1019151-D1B1-4161-B161-A181B181C1B1}" type="slidenum">
+            <a:fld id="{A1C19151-71C1-4131-8171-414131F151F1}" type="slidenum">
               <a:rPr lang="pt-BR" sz="1400">
                 <a:solidFill>
                   <a:srgbClr val="000000"/>
@@ -701,7 +700,7 @@
       </p:grpSpPr>
       <p:sp>
         <p:nvSpPr>
-          <p:cNvPr id="213" name="PlaceHolder 1"/>
+          <p:cNvPr id="173" name="PlaceHolder 1"/>
           <p:cNvSpPr>
             <a:spLocks noGrp="1"/>
           </p:cNvSpPr>
@@ -727,8 +726,8 @@
       </p:sp>
       <p:sp>
         <p:nvSpPr>
-          <p:cNvPr id="214" name="TextShape 2"/>
-          <p:cNvSpPr txBox="1"/>
+          <p:cNvPr id="174" name="CustomShape 2"/>
+          <p:cNvSpPr/>
           <p:nvPr/>
         </p:nvSpPr>
         <p:spPr>
@@ -743,7 +742,7 @@
         <p:txBody>
           <a:bodyPr bIns="45000" lIns="90000" rIns="90000" tIns="45000"/>
           <a:p>
-            <a:fld id="{C1019111-A161-4111-B191-D1C141C191E1}" type="slidenum">
+            <a:fld id="{111181F1-D1D1-4191-A141-E1016101B111}" type="slidenum">
               <a:rPr lang="pt-BR" sz="1400">
                 <a:solidFill>
                   <a:srgbClr val="000000"/>
@@ -781,7 +780,7 @@
       </p:grpSpPr>
       <p:sp>
         <p:nvSpPr>
-          <p:cNvPr id="215" name="PlaceHolder 1"/>
+          <p:cNvPr id="175" name="PlaceHolder 1"/>
           <p:cNvSpPr>
             <a:spLocks noGrp="1"/>
           </p:cNvSpPr>
@@ -807,8 +806,8 @@
       </p:sp>
       <p:sp>
         <p:nvSpPr>
-          <p:cNvPr id="216" name="TextShape 2"/>
-          <p:cNvSpPr txBox="1"/>
+          <p:cNvPr id="176" name="CustomShape 2"/>
+          <p:cNvSpPr/>
           <p:nvPr/>
         </p:nvSpPr>
         <p:spPr>
@@ -823,7 +822,7 @@
         <p:txBody>
           <a:bodyPr bIns="45000" lIns="90000" rIns="90000" tIns="45000"/>
           <a:p>
-            <a:fld id="{E161D1E1-B151-4151-B151-717111C191D1}" type="slidenum">
+            <a:fld id="{71A141F1-1151-4171-8171-3171D1A1A1F1}" type="slidenum">
               <a:rPr lang="pt-BR" sz="1400">
                 <a:solidFill>
                   <a:srgbClr val="000000"/>
@@ -861,7 +860,7 @@
       </p:grpSpPr>
       <p:sp>
         <p:nvSpPr>
-          <p:cNvPr id="217" name="PlaceHolder 1"/>
+          <p:cNvPr id="177" name="PlaceHolder 1"/>
           <p:cNvSpPr>
             <a:spLocks noGrp="1"/>
           </p:cNvSpPr>
@@ -887,8 +886,8 @@
       </p:sp>
       <p:sp>
         <p:nvSpPr>
-          <p:cNvPr id="218" name="TextShape 2"/>
-          <p:cNvSpPr txBox="1"/>
+          <p:cNvPr id="178" name="CustomShape 2"/>
+          <p:cNvSpPr/>
           <p:nvPr/>
         </p:nvSpPr>
         <p:spPr>
@@ -903,7 +902,7 @@
         <p:txBody>
           <a:bodyPr bIns="45000" lIns="90000" rIns="90000" tIns="45000"/>
           <a:p>
-            <a:fld id="{71D171D1-E131-41C1-B161-4151D171E151}" type="slidenum">
+            <a:fld id="{9181D1F1-01F1-4161-8100-3161E101A181}" type="slidenum">
               <a:rPr lang="pt-BR" sz="1400">
                 <a:solidFill>
                   <a:srgbClr val="000000"/>
@@ -941,7 +940,7 @@
       </p:grpSpPr>
       <p:sp>
         <p:nvSpPr>
-          <p:cNvPr id="219" name="PlaceHolder 1"/>
+          <p:cNvPr id="179" name="PlaceHolder 1"/>
           <p:cNvSpPr>
             <a:spLocks noGrp="1"/>
           </p:cNvSpPr>
@@ -967,8 +966,8 @@
       </p:sp>
       <p:sp>
         <p:nvSpPr>
-          <p:cNvPr id="220" name="TextShape 2"/>
-          <p:cNvSpPr txBox="1"/>
+          <p:cNvPr id="180" name="CustomShape 2"/>
+          <p:cNvSpPr/>
           <p:nvPr/>
         </p:nvSpPr>
         <p:spPr>
@@ -983,7 +982,7 @@
         <p:txBody>
           <a:bodyPr bIns="45000" lIns="90000" rIns="90000" tIns="45000"/>
           <a:p>
-            <a:fld id="{E1312101-5191-41C1-B1C1-0111D1A1F1B1}" type="slidenum">
+            <a:fld id="{51F100A1-4151-4151-9101-8151F1E101F1}" type="slidenum">
               <a:rPr lang="pt-BR" sz="1400">
                 <a:solidFill>
                   <a:srgbClr val="000000"/>
@@ -1021,7 +1020,7 @@
       </p:grpSpPr>
       <p:sp>
         <p:nvSpPr>
-          <p:cNvPr id="221" name="PlaceHolder 1"/>
+          <p:cNvPr id="181" name="PlaceHolder 1"/>
           <p:cNvSpPr>
             <a:spLocks noGrp="1"/>
           </p:cNvSpPr>
@@ -1047,8 +1046,8 @@
       </p:sp>
       <p:sp>
         <p:nvSpPr>
-          <p:cNvPr id="222" name="TextShape 2"/>
-          <p:cNvSpPr txBox="1"/>
+          <p:cNvPr id="182" name="CustomShape 2"/>
+          <p:cNvSpPr/>
           <p:nvPr/>
         </p:nvSpPr>
         <p:spPr>
@@ -1063,7 +1062,7 @@
         <p:txBody>
           <a:bodyPr bIns="45000" lIns="90000" rIns="90000" tIns="45000"/>
           <a:p>
-            <a:fld id="{B1018151-0121-4161-9161-7100C1319171}" type="slidenum">
+            <a:fld id="{117181D1-B171-4101-A161-61D161718131}" type="slidenum">
               <a:rPr lang="pt-BR" sz="1400">
                 <a:solidFill>
                   <a:srgbClr val="000000"/>
@@ -1101,7 +1100,7 @@
       </p:grpSpPr>
       <p:sp>
         <p:nvSpPr>
-          <p:cNvPr id="223" name="PlaceHolder 1"/>
+          <p:cNvPr id="183" name="PlaceHolder 1"/>
           <p:cNvSpPr>
             <a:spLocks noGrp="1"/>
           </p:cNvSpPr>
@@ -1127,8 +1126,8 @@
       </p:sp>
       <p:sp>
         <p:nvSpPr>
-          <p:cNvPr id="224" name="TextShape 2"/>
-          <p:cNvSpPr txBox="1"/>
+          <p:cNvPr id="184" name="CustomShape 2"/>
+          <p:cNvSpPr/>
           <p:nvPr/>
         </p:nvSpPr>
         <p:spPr>
@@ -1143,7 +1142,7 @@
         <p:txBody>
           <a:bodyPr bIns="45000" lIns="90000" rIns="90000" tIns="45000"/>
           <a:p>
-            <a:fld id="{51C1D100-3111-4151-B1D1-A100A1818181}" type="slidenum">
+            <a:fld id="{A1A18101-7171-41E1-8101-6171A1411161}" type="slidenum">
               <a:rPr lang="pt-BR" sz="1400">
                 <a:solidFill>
                   <a:srgbClr val="000000"/>
@@ -1203,7 +1202,7 @@
       </p:grpSpPr>
       <p:sp>
         <p:nvSpPr>
-          <p:cNvPr id="26" name="PlaceHolder 1"/>
+          <p:cNvPr id="23" name="PlaceHolder 1"/>
           <p:cNvSpPr>
             <a:spLocks noGrp="1"/>
           </p:cNvSpPr>
@@ -1213,8 +1212,8 @@
         </p:nvSpPr>
         <p:spPr>
           <a:xfrm>
-            <a:off x="685800" y="2130480"/>
-            <a:ext cx="7772040" cy="1469880"/>
+            <a:off x="457200" y="273600"/>
+            <a:ext cx="8229240" cy="1145160"/>
           </a:xfrm>
           <a:prstGeom prst="rect">
             <a:avLst/>
@@ -1223,13 +1222,14 @@
         <p:txBody>
           <a:bodyPr anchor="ctr" bIns="0" lIns="0" rIns="0" tIns="0" wrap="none"/>
           <a:p>
+            <a:pPr algn="ctr"/>
             <a:endParaRPr/>
           </a:p>
         </p:txBody>
       </p:sp>
       <p:sp>
         <p:nvSpPr>
-          <p:cNvPr id="27" name="PlaceHolder 2"/>
+          <p:cNvPr id="24" name="PlaceHolder 2"/>
           <p:cNvSpPr>
             <a:spLocks noGrp="1"/>
           </p:cNvSpPr>
@@ -1240,7 +1240,7 @@
         <p:spPr>
           <a:xfrm>
             <a:off x="457200" y="1604520"/>
-            <a:ext cx="8229240" cy="1896840"/>
+            <a:ext cx="8046360" cy="1896480"/>
           </a:xfrm>
           <a:prstGeom prst="rect">
             <a:avLst/>
@@ -1255,7 +1255,7 @@
       </p:sp>
       <p:sp>
         <p:nvSpPr>
-          <p:cNvPr id="28" name="PlaceHolder 3"/>
+          <p:cNvPr id="25" name="PlaceHolder 3"/>
           <p:cNvSpPr>
             <a:spLocks noGrp="1"/>
           </p:cNvSpPr>
@@ -1265,8 +1265,8 @@
         </p:nvSpPr>
         <p:spPr>
           <a:xfrm>
-            <a:off x="457200" y="3681720"/>
-            <a:ext cx="8229240" cy="1896840"/>
+            <a:off x="457200" y="3681360"/>
+            <a:ext cx="8046360" cy="1896480"/>
           </a:xfrm>
           <a:prstGeom prst="rect">
             <a:avLst/>
@@ -1303,7 +1303,7 @@
       </p:grpSpPr>
       <p:sp>
         <p:nvSpPr>
-          <p:cNvPr id="29" name="PlaceHolder 1"/>
+          <p:cNvPr id="26" name="PlaceHolder 1"/>
           <p:cNvSpPr>
             <a:spLocks noGrp="1"/>
           </p:cNvSpPr>
@@ -1313,8 +1313,8 @@
         </p:nvSpPr>
         <p:spPr>
           <a:xfrm>
-            <a:off x="685800" y="2130480"/>
-            <a:ext cx="7772040" cy="1469880"/>
+            <a:off x="457200" y="273600"/>
+            <a:ext cx="8229240" cy="1145160"/>
           </a:xfrm>
           <a:prstGeom prst="rect">
             <a:avLst/>
@@ -1323,13 +1323,14 @@
         <p:txBody>
           <a:bodyPr anchor="ctr" bIns="0" lIns="0" rIns="0" tIns="0" wrap="none"/>
           <a:p>
+            <a:pPr algn="ctr"/>
             <a:endParaRPr/>
           </a:p>
         </p:txBody>
       </p:sp>
       <p:sp>
         <p:nvSpPr>
-          <p:cNvPr id="30" name="PlaceHolder 2"/>
+          <p:cNvPr id="27" name="PlaceHolder 2"/>
           <p:cNvSpPr>
             <a:spLocks noGrp="1"/>
           </p:cNvSpPr>
@@ -1340,7 +1341,7 @@
         <p:spPr>
           <a:xfrm>
             <a:off x="457200" y="1604520"/>
-            <a:ext cx="4015440" cy="1896840"/>
+            <a:ext cx="3926160" cy="1896480"/>
           </a:xfrm>
           <a:prstGeom prst="rect">
             <a:avLst/>
@@ -1355,7 +1356,7 @@
       </p:sp>
       <p:sp>
         <p:nvSpPr>
-          <p:cNvPr id="31" name="PlaceHolder 3"/>
+          <p:cNvPr id="28" name="PlaceHolder 3"/>
           <p:cNvSpPr>
             <a:spLocks noGrp="1"/>
           </p:cNvSpPr>
@@ -1365,8 +1366,8 @@
         </p:nvSpPr>
         <p:spPr>
           <a:xfrm>
-            <a:off x="4673520" y="1604520"/>
-            <a:ext cx="4015440" cy="1896840"/>
+            <a:off x="4579920" y="1604520"/>
+            <a:ext cx="3926160" cy="1896480"/>
           </a:xfrm>
           <a:prstGeom prst="rect">
             <a:avLst/>
@@ -1381,7 +1382,7 @@
       </p:sp>
       <p:sp>
         <p:nvSpPr>
-          <p:cNvPr id="32" name="PlaceHolder 4"/>
+          <p:cNvPr id="29" name="PlaceHolder 4"/>
           <p:cNvSpPr>
             <a:spLocks noGrp="1"/>
           </p:cNvSpPr>
@@ -1391,8 +1392,8 @@
         </p:nvSpPr>
         <p:spPr>
           <a:xfrm>
-            <a:off x="4673520" y="3681720"/>
-            <a:ext cx="4015440" cy="1896840"/>
+            <a:off x="4579920" y="3681360"/>
+            <a:ext cx="3926160" cy="1896480"/>
           </a:xfrm>
           <a:prstGeom prst="rect">
             <a:avLst/>
@@ -1407,7 +1408,7 @@
       </p:sp>
       <p:sp>
         <p:nvSpPr>
-          <p:cNvPr id="33" name="PlaceHolder 5"/>
+          <p:cNvPr id="30" name="PlaceHolder 5"/>
           <p:cNvSpPr>
             <a:spLocks noGrp="1"/>
           </p:cNvSpPr>
@@ -1417,8 +1418,8 @@
         </p:nvSpPr>
         <p:spPr>
           <a:xfrm>
-            <a:off x="457200" y="3681720"/>
-            <a:ext cx="4015440" cy="1896840"/>
+            <a:off x="457200" y="3681360"/>
+            <a:ext cx="3926160" cy="1896480"/>
           </a:xfrm>
           <a:prstGeom prst="rect">
             <a:avLst/>
@@ -1455,7 +1456,7 @@
       </p:grpSpPr>
       <p:sp>
         <p:nvSpPr>
-          <p:cNvPr id="34" name="PlaceHolder 1"/>
+          <p:cNvPr id="31" name="PlaceHolder 1"/>
           <p:cNvSpPr>
             <a:spLocks noGrp="1"/>
           </p:cNvSpPr>
@@ -1465,156 +1466,8 @@
         </p:nvSpPr>
         <p:spPr>
           <a:xfrm>
-            <a:off x="685800" y="2130480"/>
-            <a:ext cx="7772040" cy="1469880"/>
-          </a:xfrm>
-          <a:prstGeom prst="rect">
-            <a:avLst/>
-          </a:prstGeom>
-        </p:spPr>
-        <p:txBody>
-          <a:bodyPr anchor="ctr" bIns="0" lIns="0" rIns="0" tIns="0" wrap="none"/>
-          <a:p>
-            <a:endParaRPr/>
-          </a:p>
-        </p:txBody>
-      </p:sp>
-      <p:sp>
-        <p:nvSpPr>
-          <p:cNvPr id="35" name="PlaceHolder 2"/>
-          <p:cNvSpPr>
-            <a:spLocks noGrp="1"/>
-          </p:cNvSpPr>
-          <p:nvPr>
-            <p:ph type="body"/>
-          </p:nvPr>
-        </p:nvSpPr>
-        <p:spPr>
-          <a:xfrm>
-            <a:off x="457200" y="1604520"/>
-            <a:ext cx="4015440" cy="1896840"/>
-          </a:xfrm>
-          <a:prstGeom prst="rect">
-            <a:avLst/>
-          </a:prstGeom>
-        </p:spPr>
-        <p:txBody>
-          <a:bodyPr bIns="0" lIns="0" rIns="0" tIns="0" wrap="none"/>
-          <a:p>
-            <a:endParaRPr/>
-          </a:p>
-        </p:txBody>
-      </p:sp>
-      <p:sp>
-        <p:nvSpPr>
-          <p:cNvPr id="36" name="PlaceHolder 3"/>
-          <p:cNvSpPr>
-            <a:spLocks noGrp="1"/>
-          </p:cNvSpPr>
-          <p:nvPr>
-            <p:ph type="body"/>
-          </p:nvPr>
-        </p:nvSpPr>
-        <p:spPr>
-          <a:xfrm>
-            <a:off x="4673520" y="1604520"/>
-            <a:ext cx="4015440" cy="1896840"/>
-          </a:xfrm>
-          <a:prstGeom prst="rect">
-            <a:avLst/>
-          </a:prstGeom>
-        </p:spPr>
-        <p:txBody>
-          <a:bodyPr bIns="0" lIns="0" rIns="0" tIns="0" wrap="none"/>
-          <a:p>
-            <a:endParaRPr/>
-          </a:p>
-        </p:txBody>
-      </p:sp>
-    </p:spTree>
-  </p:cSld>
-</p:sldLayout>
-</file>
-
-<file path=ppt/slideLayouts/slideLayout13.xml><?xml version="1.0" encoding="utf-8"?>
-<p:sldLayout xmlns:a="http://schemas.openxmlformats.org/drawingml/2006/main" xmlns:p="http://schemas.openxmlformats.org/presentationml/2006/main" xmlns:r="http://schemas.openxmlformats.org/officeDocument/2006/relationships" preserve="1" type="blank">
-  <p:cSld name="Blank Slide">
-    <p:spTree>
-      <p:nvGrpSpPr>
-        <p:cNvPr id="1" name=""/>
-        <p:cNvGrpSpPr/>
-        <p:nvPr/>
-      </p:nvGrpSpPr>
-      <p:grpSpPr>
-        <a:xfrm>
-          <a:off x="0" y="0"/>
-          <a:ext cx="0" cy="0"/>
-          <a:chOff x="0" y="0"/>
-          <a:chExt cx="0" cy="0"/>
-        </a:xfrm>
-      </p:grpSpPr>
-    </p:spTree>
-  </p:cSld>
-</p:sldLayout>
-</file>
-
-<file path=ppt/slideLayouts/slideLayout14.xml><?xml version="1.0" encoding="utf-8"?>
-<p:sldLayout xmlns:a="http://schemas.openxmlformats.org/drawingml/2006/main" xmlns:p="http://schemas.openxmlformats.org/presentationml/2006/main" xmlns:r="http://schemas.openxmlformats.org/officeDocument/2006/relationships" preserve="1" type="tx">
-  <p:cSld name="Title Slide">
-    <p:spTree>
-      <p:nvGrpSpPr>
-        <p:cNvPr id="1" name=""/>
-        <p:cNvGrpSpPr/>
-        <p:nvPr/>
-      </p:nvGrpSpPr>
-      <p:grpSpPr>
-        <a:xfrm>
-          <a:off x="0" y="0"/>
-          <a:ext cx="0" cy="0"/>
-          <a:chOff x="0" y="0"/>
-          <a:chExt cx="0" cy="0"/>
-        </a:xfrm>
-      </p:grpSpPr>
-      <p:sp>
-        <p:nvSpPr>
-          <p:cNvPr id="42" name="PlaceHolder 1"/>
-          <p:cNvSpPr>
-            <a:spLocks noGrp="1"/>
-          </p:cNvSpPr>
-          <p:nvPr>
-            <p:ph type="title"/>
-          </p:nvPr>
-        </p:nvSpPr>
-        <p:spPr>
-          <a:xfrm>
-            <a:off x="685800" y="2130480"/>
-            <a:ext cx="7772040" cy="1469880"/>
-          </a:xfrm>
-          <a:prstGeom prst="rect">
-            <a:avLst/>
-          </a:prstGeom>
-        </p:spPr>
-        <p:txBody>
-          <a:bodyPr anchor="ctr" bIns="0" lIns="0" rIns="0" tIns="0" wrap="none"/>
-          <a:p>
-            <a:endParaRPr/>
-          </a:p>
-        </p:txBody>
-      </p:sp>
-      <p:sp>
-        <p:nvSpPr>
-          <p:cNvPr id="43" name="PlaceHolder 2"/>
-          <p:cNvSpPr>
-            <a:spLocks noGrp="1"/>
-          </p:cNvSpPr>
-          <p:nvPr>
-            <p:ph type="subTitle"/>
-          </p:nvPr>
-        </p:nvSpPr>
-        <p:spPr>
-          <a:xfrm>
-            <a:off x="457200" y="1604520"/>
-            <a:ext cx="8229240" cy="3977640"/>
+            <a:off x="457200" y="273600"/>
+            <a:ext cx="8229240" cy="1145160"/>
           </a:xfrm>
           <a:prstGeom prst="rect">
             <a:avLst/>
@@ -1628,57 +1481,9 @@
           </a:p>
         </p:txBody>
       </p:sp>
-    </p:spTree>
-  </p:cSld>
-</p:sldLayout>
-</file>
-
-<file path=ppt/slideLayouts/slideLayout15.xml><?xml version="1.0" encoding="utf-8"?>
-<p:sldLayout xmlns:a="http://schemas.openxmlformats.org/drawingml/2006/main" xmlns:p="http://schemas.openxmlformats.org/presentationml/2006/main" xmlns:r="http://schemas.openxmlformats.org/officeDocument/2006/relationships" preserve="1" type="obj">
-  <p:cSld name="Title, Content">
-    <p:spTree>
-      <p:nvGrpSpPr>
-        <p:cNvPr id="1" name=""/>
-        <p:cNvGrpSpPr/>
-        <p:nvPr/>
-      </p:nvGrpSpPr>
-      <p:grpSpPr>
-        <a:xfrm>
-          <a:off x="0" y="0"/>
-          <a:ext cx="0" cy="0"/>
-          <a:chOff x="0" y="0"/>
-          <a:chExt cx="0" cy="0"/>
-        </a:xfrm>
-      </p:grpSpPr>
-      <p:sp>
-        <p:nvSpPr>
-          <p:cNvPr id="44" name="PlaceHolder 1"/>
-          <p:cNvSpPr>
-            <a:spLocks noGrp="1"/>
-          </p:cNvSpPr>
-          <p:nvPr>
-            <p:ph type="title"/>
-          </p:nvPr>
-        </p:nvSpPr>
-        <p:spPr>
-          <a:xfrm>
-            <a:off x="685800" y="2130480"/>
-            <a:ext cx="7772040" cy="1469880"/>
-          </a:xfrm>
-          <a:prstGeom prst="rect">
-            <a:avLst/>
-          </a:prstGeom>
-        </p:spPr>
-        <p:txBody>
-          <a:bodyPr anchor="ctr" bIns="0" lIns="0" rIns="0" tIns="0" wrap="none"/>
-          <a:p>
-            <a:endParaRPr/>
-          </a:p>
-        </p:txBody>
-      </p:sp>
-      <p:sp>
-        <p:nvSpPr>
-          <p:cNvPr id="45" name="PlaceHolder 2"/>
+      <p:sp>
+        <p:nvSpPr>
+          <p:cNvPr id="32" name="PlaceHolder 2"/>
           <p:cNvSpPr>
             <a:spLocks noGrp="1"/>
           </p:cNvSpPr>
@@ -1689,7 +1494,7 @@
         <p:spPr>
           <a:xfrm>
             <a:off x="457200" y="1604520"/>
-            <a:ext cx="8229240" cy="3977280"/>
+            <a:ext cx="3926160" cy="1896480"/>
           </a:xfrm>
           <a:prstGeom prst="rect">
             <a:avLst/>
@@ -1702,57 +1507,9 @@
           </a:p>
         </p:txBody>
       </p:sp>
-    </p:spTree>
-  </p:cSld>
-</p:sldLayout>
-</file>
-
-<file path=ppt/slideLayouts/slideLayout16.xml><?xml version="1.0" encoding="utf-8"?>
-<p:sldLayout xmlns:a="http://schemas.openxmlformats.org/drawingml/2006/main" xmlns:p="http://schemas.openxmlformats.org/presentationml/2006/main" xmlns:r="http://schemas.openxmlformats.org/officeDocument/2006/relationships" preserve="1" type="twoObj">
-  <p:cSld name="Title, 2 Content">
-    <p:spTree>
-      <p:nvGrpSpPr>
-        <p:cNvPr id="1" name=""/>
-        <p:cNvGrpSpPr/>
-        <p:nvPr/>
-      </p:nvGrpSpPr>
-      <p:grpSpPr>
-        <a:xfrm>
-          <a:off x="0" y="0"/>
-          <a:ext cx="0" cy="0"/>
-          <a:chOff x="0" y="0"/>
-          <a:chExt cx="0" cy="0"/>
-        </a:xfrm>
-      </p:grpSpPr>
-      <p:sp>
-        <p:nvSpPr>
-          <p:cNvPr id="46" name="PlaceHolder 1"/>
-          <p:cNvSpPr>
-            <a:spLocks noGrp="1"/>
-          </p:cNvSpPr>
-          <p:nvPr>
-            <p:ph type="title"/>
-          </p:nvPr>
-        </p:nvSpPr>
-        <p:spPr>
-          <a:xfrm>
-            <a:off x="685800" y="2130480"/>
-            <a:ext cx="7772040" cy="1469880"/>
-          </a:xfrm>
-          <a:prstGeom prst="rect">
-            <a:avLst/>
-          </a:prstGeom>
-        </p:spPr>
-        <p:txBody>
-          <a:bodyPr anchor="ctr" bIns="0" lIns="0" rIns="0" tIns="0" wrap="none"/>
-          <a:p>
-            <a:endParaRPr/>
-          </a:p>
-        </p:txBody>
-      </p:sp>
-      <p:sp>
-        <p:nvSpPr>
-          <p:cNvPr id="47" name="PlaceHolder 2"/>
+      <p:sp>
+        <p:nvSpPr>
+          <p:cNvPr id="33" name="PlaceHolder 3"/>
           <p:cNvSpPr>
             <a:spLocks noGrp="1"/>
           </p:cNvSpPr>
@@ -1762,257 +1519,8 @@
         </p:nvSpPr>
         <p:spPr>
           <a:xfrm>
-            <a:off x="457200" y="1604520"/>
-            <a:ext cx="4015440" cy="3977280"/>
-          </a:xfrm>
-          <a:prstGeom prst="rect">
-            <a:avLst/>
-          </a:prstGeom>
-        </p:spPr>
-        <p:txBody>
-          <a:bodyPr bIns="0" lIns="0" rIns="0" tIns="0" wrap="none"/>
-          <a:p>
-            <a:endParaRPr/>
-          </a:p>
-        </p:txBody>
-      </p:sp>
-      <p:sp>
-        <p:nvSpPr>
-          <p:cNvPr id="48" name="PlaceHolder 3"/>
-          <p:cNvSpPr>
-            <a:spLocks noGrp="1"/>
-          </p:cNvSpPr>
-          <p:nvPr>
-            <p:ph type="body"/>
-          </p:nvPr>
-        </p:nvSpPr>
-        <p:spPr>
-          <a:xfrm>
-            <a:off x="4673520" y="1604520"/>
-            <a:ext cx="4015440" cy="3977280"/>
-          </a:xfrm>
-          <a:prstGeom prst="rect">
-            <a:avLst/>
-          </a:prstGeom>
-        </p:spPr>
-        <p:txBody>
-          <a:bodyPr bIns="0" lIns="0" rIns="0" tIns="0" wrap="none"/>
-          <a:p>
-            <a:endParaRPr/>
-          </a:p>
-        </p:txBody>
-      </p:sp>
-    </p:spTree>
-  </p:cSld>
-</p:sldLayout>
-</file>
-
-<file path=ppt/slideLayouts/slideLayout17.xml><?xml version="1.0" encoding="utf-8"?>
-<p:sldLayout xmlns:a="http://schemas.openxmlformats.org/drawingml/2006/main" xmlns:p="http://schemas.openxmlformats.org/presentationml/2006/main" xmlns:r="http://schemas.openxmlformats.org/officeDocument/2006/relationships" preserve="1" type="titleOnly">
-  <p:cSld name="Title Only">
-    <p:spTree>
-      <p:nvGrpSpPr>
-        <p:cNvPr id="1" name=""/>
-        <p:cNvGrpSpPr/>
-        <p:nvPr/>
-      </p:nvGrpSpPr>
-      <p:grpSpPr>
-        <a:xfrm>
-          <a:off x="0" y="0"/>
-          <a:ext cx="0" cy="0"/>
-          <a:chOff x="0" y="0"/>
-          <a:chExt cx="0" cy="0"/>
-        </a:xfrm>
-      </p:grpSpPr>
-      <p:sp>
-        <p:nvSpPr>
-          <p:cNvPr id="49" name="PlaceHolder 1"/>
-          <p:cNvSpPr>
-            <a:spLocks noGrp="1"/>
-          </p:cNvSpPr>
-          <p:nvPr>
-            <p:ph type="title"/>
-          </p:nvPr>
-        </p:nvSpPr>
-        <p:spPr>
-          <a:xfrm>
-            <a:off x="685800" y="2130480"/>
-            <a:ext cx="7772040" cy="1469880"/>
-          </a:xfrm>
-          <a:prstGeom prst="rect">
-            <a:avLst/>
-          </a:prstGeom>
-        </p:spPr>
-        <p:txBody>
-          <a:bodyPr anchor="ctr" bIns="0" lIns="0" rIns="0" tIns="0" wrap="none"/>
-          <a:p>
-            <a:endParaRPr/>
-          </a:p>
-        </p:txBody>
-      </p:sp>
-    </p:spTree>
-  </p:cSld>
-</p:sldLayout>
-</file>
-
-<file path=ppt/slideLayouts/slideLayout18.xml><?xml version="1.0" encoding="utf-8"?>
-<p:sldLayout xmlns:a="http://schemas.openxmlformats.org/drawingml/2006/main" xmlns:p="http://schemas.openxmlformats.org/presentationml/2006/main" xmlns:r="http://schemas.openxmlformats.org/officeDocument/2006/relationships" preserve="1" type="objOnly">
-  <p:cSld name="Centered Text">
-    <p:spTree>
-      <p:nvGrpSpPr>
-        <p:cNvPr id="1" name=""/>
-        <p:cNvGrpSpPr/>
-        <p:nvPr/>
-      </p:nvGrpSpPr>
-      <p:grpSpPr>
-        <a:xfrm>
-          <a:off x="0" y="0"/>
-          <a:ext cx="0" cy="0"/>
-          <a:chOff x="0" y="0"/>
-          <a:chExt cx="0" cy="0"/>
-        </a:xfrm>
-      </p:grpSpPr>
-      <p:sp>
-        <p:nvSpPr>
-          <p:cNvPr id="50" name="PlaceHolder 1"/>
-          <p:cNvSpPr>
-            <a:spLocks noGrp="1"/>
-          </p:cNvSpPr>
-          <p:nvPr>
-            <p:ph type="subTitle"/>
-          </p:nvPr>
-        </p:nvSpPr>
-        <p:spPr>
-          <a:xfrm>
-            <a:off x="685800" y="2130480"/>
-            <a:ext cx="7772040" cy="3451320"/>
-          </a:xfrm>
-          <a:prstGeom prst="rect">
-            <a:avLst/>
-          </a:prstGeom>
-        </p:spPr>
-        <p:txBody>
-          <a:bodyPr anchor="ctr" bIns="0" lIns="0" rIns="0" tIns="0" wrap="none"/>
-          <a:p>
-            <a:pPr algn="ctr"/>
-            <a:endParaRPr/>
-          </a:p>
-        </p:txBody>
-      </p:sp>
-    </p:spTree>
-  </p:cSld>
-</p:sldLayout>
-</file>
-
-<file path=ppt/slideLayouts/slideLayout19.xml><?xml version="1.0" encoding="utf-8"?>
-<p:sldLayout xmlns:a="http://schemas.openxmlformats.org/drawingml/2006/main" xmlns:p="http://schemas.openxmlformats.org/presentationml/2006/main" xmlns:r="http://schemas.openxmlformats.org/officeDocument/2006/relationships" preserve="1" type="twoObjAndObj">
-  <p:cSld name="Title, 2 Content and Content">
-    <p:spTree>
-      <p:nvGrpSpPr>
-        <p:cNvPr id="1" name=""/>
-        <p:cNvGrpSpPr/>
-        <p:nvPr/>
-      </p:nvGrpSpPr>
-      <p:grpSpPr>
-        <a:xfrm>
-          <a:off x="0" y="0"/>
-          <a:ext cx="0" cy="0"/>
-          <a:chOff x="0" y="0"/>
-          <a:chExt cx="0" cy="0"/>
-        </a:xfrm>
-      </p:grpSpPr>
-      <p:sp>
-        <p:nvSpPr>
-          <p:cNvPr id="51" name="PlaceHolder 1"/>
-          <p:cNvSpPr>
-            <a:spLocks noGrp="1"/>
-          </p:cNvSpPr>
-          <p:nvPr>
-            <p:ph type="title"/>
-          </p:nvPr>
-        </p:nvSpPr>
-        <p:spPr>
-          <a:xfrm>
-            <a:off x="685800" y="2130480"/>
-            <a:ext cx="7772040" cy="1469880"/>
-          </a:xfrm>
-          <a:prstGeom prst="rect">
-            <a:avLst/>
-          </a:prstGeom>
-        </p:spPr>
-        <p:txBody>
-          <a:bodyPr anchor="ctr" bIns="0" lIns="0" rIns="0" tIns="0" wrap="none"/>
-          <a:p>
-            <a:endParaRPr/>
-          </a:p>
-        </p:txBody>
-      </p:sp>
-      <p:sp>
-        <p:nvSpPr>
-          <p:cNvPr id="52" name="PlaceHolder 2"/>
-          <p:cNvSpPr>
-            <a:spLocks noGrp="1"/>
-          </p:cNvSpPr>
-          <p:nvPr>
-            <p:ph type="body"/>
-          </p:nvPr>
-        </p:nvSpPr>
-        <p:spPr>
-          <a:xfrm>
-            <a:off x="457200" y="1604520"/>
-            <a:ext cx="4015440" cy="1896840"/>
-          </a:xfrm>
-          <a:prstGeom prst="rect">
-            <a:avLst/>
-          </a:prstGeom>
-        </p:spPr>
-        <p:txBody>
-          <a:bodyPr bIns="0" lIns="0" rIns="0" tIns="0" wrap="none"/>
-          <a:p>
-            <a:endParaRPr/>
-          </a:p>
-        </p:txBody>
-      </p:sp>
-      <p:sp>
-        <p:nvSpPr>
-          <p:cNvPr id="53" name="PlaceHolder 3"/>
-          <p:cNvSpPr>
-            <a:spLocks noGrp="1"/>
-          </p:cNvSpPr>
-          <p:nvPr>
-            <p:ph type="body"/>
-          </p:nvPr>
-        </p:nvSpPr>
-        <p:spPr>
-          <a:xfrm>
-            <a:off x="457200" y="3681720"/>
-            <a:ext cx="4015440" cy="1896840"/>
-          </a:xfrm>
-          <a:prstGeom prst="rect">
-            <a:avLst/>
-          </a:prstGeom>
-        </p:spPr>
-        <p:txBody>
-          <a:bodyPr bIns="0" lIns="0" rIns="0" tIns="0" wrap="none"/>
-          <a:p>
-            <a:endParaRPr/>
-          </a:p>
-        </p:txBody>
-      </p:sp>
-      <p:sp>
-        <p:nvSpPr>
-          <p:cNvPr id="54" name="PlaceHolder 4"/>
-          <p:cNvSpPr>
-            <a:spLocks noGrp="1"/>
-          </p:cNvSpPr>
-          <p:nvPr>
-            <p:ph type="body"/>
-          </p:nvPr>
-        </p:nvSpPr>
-        <p:spPr>
-          <a:xfrm>
-            <a:off x="4673520" y="1604520"/>
-            <a:ext cx="4015440" cy="3977280"/>
+            <a:off x="4579920" y="1604520"/>
+            <a:ext cx="3926160" cy="1896480"/>
           </a:xfrm>
           <a:prstGeom prst="rect">
             <a:avLst/>
@@ -2049,7 +1557,7 @@
       </p:grpSpPr>
       <p:sp>
         <p:nvSpPr>
-          <p:cNvPr id="5" name="PlaceHolder 1"/>
+          <p:cNvPr id="2" name="PlaceHolder 1"/>
           <p:cNvSpPr>
             <a:spLocks noGrp="1"/>
           </p:cNvSpPr>
@@ -2059,34 +1567,8 @@
         </p:nvSpPr>
         <p:spPr>
           <a:xfrm>
-            <a:off x="685800" y="2130480"/>
-            <a:ext cx="7772040" cy="1469880"/>
-          </a:xfrm>
-          <a:prstGeom prst="rect">
-            <a:avLst/>
-          </a:prstGeom>
-        </p:spPr>
-        <p:txBody>
-          <a:bodyPr anchor="ctr" bIns="0" lIns="0" rIns="0" tIns="0" wrap="none"/>
-          <a:p>
-            <a:endParaRPr/>
-          </a:p>
-        </p:txBody>
-      </p:sp>
-      <p:sp>
-        <p:nvSpPr>
-          <p:cNvPr id="6" name="PlaceHolder 2"/>
-          <p:cNvSpPr>
-            <a:spLocks noGrp="1"/>
-          </p:cNvSpPr>
-          <p:nvPr>
-            <p:ph type="subTitle"/>
-          </p:nvPr>
-        </p:nvSpPr>
-        <p:spPr>
-          <a:xfrm>
-            <a:off x="457200" y="1604520"/>
-            <a:ext cx="8229240" cy="3977640"/>
+            <a:off x="457200" y="273600"/>
+            <a:ext cx="8229240" cy="1145160"/>
           </a:xfrm>
           <a:prstGeom prst="rect">
             <a:avLst/>
@@ -2100,42 +1582,20 @@
           </a:p>
         </p:txBody>
       </p:sp>
-    </p:spTree>
-  </p:cSld>
-</p:sldLayout>
-</file>
-
-<file path=ppt/slideLayouts/slideLayout20.xml><?xml version="1.0" encoding="utf-8"?>
-<p:sldLayout xmlns:a="http://schemas.openxmlformats.org/drawingml/2006/main" xmlns:p="http://schemas.openxmlformats.org/presentationml/2006/main" xmlns:r="http://schemas.openxmlformats.org/officeDocument/2006/relationships" preserve="1" type="objAndTwoObj">
-  <p:cSld name="Title Content and 2 Content">
-    <p:spTree>
-      <p:nvGrpSpPr>
-        <p:cNvPr id="1" name=""/>
-        <p:cNvGrpSpPr/>
-        <p:nvPr/>
-      </p:nvGrpSpPr>
-      <p:grpSpPr>
-        <a:xfrm>
-          <a:off x="0" y="0"/>
-          <a:ext cx="0" cy="0"/>
-          <a:chOff x="0" y="0"/>
-          <a:chExt cx="0" cy="0"/>
-        </a:xfrm>
-      </p:grpSpPr>
-      <p:sp>
-        <p:nvSpPr>
-          <p:cNvPr id="55" name="PlaceHolder 1"/>
+      <p:sp>
+        <p:nvSpPr>
+          <p:cNvPr id="3" name="PlaceHolder 2"/>
           <p:cNvSpPr>
             <a:spLocks noGrp="1"/>
           </p:cNvSpPr>
           <p:nvPr>
-            <p:ph type="title"/>
+            <p:ph type="subTitle"/>
           </p:nvPr>
         </p:nvSpPr>
         <p:spPr>
           <a:xfrm>
-            <a:off x="685800" y="2130480"/>
-            <a:ext cx="7772040" cy="1469880"/>
+            <a:off x="457200" y="1604520"/>
+            <a:ext cx="8046360" cy="3977280"/>
           </a:xfrm>
           <a:prstGeom prst="rect">
             <a:avLst/>
@@ -2144,562 +1604,7 @@
         <p:txBody>
           <a:bodyPr anchor="ctr" bIns="0" lIns="0" rIns="0" tIns="0" wrap="none"/>
           <a:p>
-            <a:endParaRPr/>
-          </a:p>
-        </p:txBody>
-      </p:sp>
-      <p:sp>
-        <p:nvSpPr>
-          <p:cNvPr id="56" name="PlaceHolder 2"/>
-          <p:cNvSpPr>
-            <a:spLocks noGrp="1"/>
-          </p:cNvSpPr>
-          <p:nvPr>
-            <p:ph type="body"/>
-          </p:nvPr>
-        </p:nvSpPr>
-        <p:spPr>
-          <a:xfrm>
-            <a:off x="457200" y="1604520"/>
-            <a:ext cx="4015440" cy="3977280"/>
-          </a:xfrm>
-          <a:prstGeom prst="rect">
-            <a:avLst/>
-          </a:prstGeom>
-        </p:spPr>
-        <p:txBody>
-          <a:bodyPr bIns="0" lIns="0" rIns="0" tIns="0" wrap="none"/>
-          <a:p>
-            <a:endParaRPr/>
-          </a:p>
-        </p:txBody>
-      </p:sp>
-      <p:sp>
-        <p:nvSpPr>
-          <p:cNvPr id="57" name="PlaceHolder 3"/>
-          <p:cNvSpPr>
-            <a:spLocks noGrp="1"/>
-          </p:cNvSpPr>
-          <p:nvPr>
-            <p:ph type="body"/>
-          </p:nvPr>
-        </p:nvSpPr>
-        <p:spPr>
-          <a:xfrm>
-            <a:off x="4673520" y="1604520"/>
-            <a:ext cx="4015440" cy="1896840"/>
-          </a:xfrm>
-          <a:prstGeom prst="rect">
-            <a:avLst/>
-          </a:prstGeom>
-        </p:spPr>
-        <p:txBody>
-          <a:bodyPr bIns="0" lIns="0" rIns="0" tIns="0" wrap="none"/>
-          <a:p>
-            <a:endParaRPr/>
-          </a:p>
-        </p:txBody>
-      </p:sp>
-      <p:sp>
-        <p:nvSpPr>
-          <p:cNvPr id="58" name="PlaceHolder 4"/>
-          <p:cNvSpPr>
-            <a:spLocks noGrp="1"/>
-          </p:cNvSpPr>
-          <p:nvPr>
-            <p:ph type="body"/>
-          </p:nvPr>
-        </p:nvSpPr>
-        <p:spPr>
-          <a:xfrm>
-            <a:off x="4673520" y="3681720"/>
-            <a:ext cx="4015440" cy="1896840"/>
-          </a:xfrm>
-          <a:prstGeom prst="rect">
-            <a:avLst/>
-          </a:prstGeom>
-        </p:spPr>
-        <p:txBody>
-          <a:bodyPr bIns="0" lIns="0" rIns="0" tIns="0" wrap="none"/>
-          <a:p>
-            <a:endParaRPr/>
-          </a:p>
-        </p:txBody>
-      </p:sp>
-    </p:spTree>
-  </p:cSld>
-</p:sldLayout>
-</file>
-
-<file path=ppt/slideLayouts/slideLayout21.xml><?xml version="1.0" encoding="utf-8"?>
-<p:sldLayout xmlns:a="http://schemas.openxmlformats.org/drawingml/2006/main" xmlns:p="http://schemas.openxmlformats.org/presentationml/2006/main" xmlns:r="http://schemas.openxmlformats.org/officeDocument/2006/relationships" preserve="1" type="twoObjOverTx">
-  <p:cSld name="Title, 2 Content over Content">
-    <p:spTree>
-      <p:nvGrpSpPr>
-        <p:cNvPr id="1" name=""/>
-        <p:cNvGrpSpPr/>
-        <p:nvPr/>
-      </p:nvGrpSpPr>
-      <p:grpSpPr>
-        <a:xfrm>
-          <a:off x="0" y="0"/>
-          <a:ext cx="0" cy="0"/>
-          <a:chOff x="0" y="0"/>
-          <a:chExt cx="0" cy="0"/>
-        </a:xfrm>
-      </p:grpSpPr>
-      <p:sp>
-        <p:nvSpPr>
-          <p:cNvPr id="59" name="PlaceHolder 1"/>
-          <p:cNvSpPr>
-            <a:spLocks noGrp="1"/>
-          </p:cNvSpPr>
-          <p:nvPr>
-            <p:ph type="title"/>
-          </p:nvPr>
-        </p:nvSpPr>
-        <p:spPr>
-          <a:xfrm>
-            <a:off x="685800" y="2130480"/>
-            <a:ext cx="7772040" cy="1469880"/>
-          </a:xfrm>
-          <a:prstGeom prst="rect">
-            <a:avLst/>
-          </a:prstGeom>
-        </p:spPr>
-        <p:txBody>
-          <a:bodyPr anchor="ctr" bIns="0" lIns="0" rIns="0" tIns="0" wrap="none"/>
-          <a:p>
-            <a:endParaRPr/>
-          </a:p>
-        </p:txBody>
-      </p:sp>
-      <p:sp>
-        <p:nvSpPr>
-          <p:cNvPr id="60" name="PlaceHolder 2"/>
-          <p:cNvSpPr>
-            <a:spLocks noGrp="1"/>
-          </p:cNvSpPr>
-          <p:nvPr>
-            <p:ph type="body"/>
-          </p:nvPr>
-        </p:nvSpPr>
-        <p:spPr>
-          <a:xfrm>
-            <a:off x="457200" y="1604520"/>
-            <a:ext cx="4015440" cy="1896840"/>
-          </a:xfrm>
-          <a:prstGeom prst="rect">
-            <a:avLst/>
-          </a:prstGeom>
-        </p:spPr>
-        <p:txBody>
-          <a:bodyPr bIns="0" lIns="0" rIns="0" tIns="0" wrap="none"/>
-          <a:p>
-            <a:endParaRPr/>
-          </a:p>
-        </p:txBody>
-      </p:sp>
-      <p:sp>
-        <p:nvSpPr>
-          <p:cNvPr id="61" name="PlaceHolder 3"/>
-          <p:cNvSpPr>
-            <a:spLocks noGrp="1"/>
-          </p:cNvSpPr>
-          <p:nvPr>
-            <p:ph type="body"/>
-          </p:nvPr>
-        </p:nvSpPr>
-        <p:spPr>
-          <a:xfrm>
-            <a:off x="4673520" y="1604520"/>
-            <a:ext cx="4015440" cy="1896840"/>
-          </a:xfrm>
-          <a:prstGeom prst="rect">
-            <a:avLst/>
-          </a:prstGeom>
-        </p:spPr>
-        <p:txBody>
-          <a:bodyPr bIns="0" lIns="0" rIns="0" tIns="0" wrap="none"/>
-          <a:p>
-            <a:endParaRPr/>
-          </a:p>
-        </p:txBody>
-      </p:sp>
-      <p:sp>
-        <p:nvSpPr>
-          <p:cNvPr id="62" name="PlaceHolder 4"/>
-          <p:cNvSpPr>
-            <a:spLocks noGrp="1"/>
-          </p:cNvSpPr>
-          <p:nvPr>
-            <p:ph type="body"/>
-          </p:nvPr>
-        </p:nvSpPr>
-        <p:spPr>
-          <a:xfrm>
-            <a:off x="457200" y="3681720"/>
-            <a:ext cx="8228520" cy="1896840"/>
-          </a:xfrm>
-          <a:prstGeom prst="rect">
-            <a:avLst/>
-          </a:prstGeom>
-        </p:spPr>
-        <p:txBody>
-          <a:bodyPr bIns="0" lIns="0" rIns="0" tIns="0" wrap="none"/>
-          <a:p>
-            <a:endParaRPr/>
-          </a:p>
-        </p:txBody>
-      </p:sp>
-    </p:spTree>
-  </p:cSld>
-</p:sldLayout>
-</file>
-
-<file path=ppt/slideLayouts/slideLayout22.xml><?xml version="1.0" encoding="utf-8"?>
-<p:sldLayout xmlns:a="http://schemas.openxmlformats.org/drawingml/2006/main" xmlns:p="http://schemas.openxmlformats.org/presentationml/2006/main" xmlns:r="http://schemas.openxmlformats.org/officeDocument/2006/relationships" preserve="1" type="objOverTx">
-  <p:cSld name="Title, Content over Content">
-    <p:spTree>
-      <p:nvGrpSpPr>
-        <p:cNvPr id="1" name=""/>
-        <p:cNvGrpSpPr/>
-        <p:nvPr/>
-      </p:nvGrpSpPr>
-      <p:grpSpPr>
-        <a:xfrm>
-          <a:off x="0" y="0"/>
-          <a:ext cx="0" cy="0"/>
-          <a:chOff x="0" y="0"/>
-          <a:chExt cx="0" cy="0"/>
-        </a:xfrm>
-      </p:grpSpPr>
-      <p:sp>
-        <p:nvSpPr>
-          <p:cNvPr id="63" name="PlaceHolder 1"/>
-          <p:cNvSpPr>
-            <a:spLocks noGrp="1"/>
-          </p:cNvSpPr>
-          <p:nvPr>
-            <p:ph type="title"/>
-          </p:nvPr>
-        </p:nvSpPr>
-        <p:spPr>
-          <a:xfrm>
-            <a:off x="685800" y="2130480"/>
-            <a:ext cx="7772040" cy="1469880"/>
-          </a:xfrm>
-          <a:prstGeom prst="rect">
-            <a:avLst/>
-          </a:prstGeom>
-        </p:spPr>
-        <p:txBody>
-          <a:bodyPr anchor="ctr" bIns="0" lIns="0" rIns="0" tIns="0" wrap="none"/>
-          <a:p>
-            <a:endParaRPr/>
-          </a:p>
-        </p:txBody>
-      </p:sp>
-      <p:sp>
-        <p:nvSpPr>
-          <p:cNvPr id="64" name="PlaceHolder 2"/>
-          <p:cNvSpPr>
-            <a:spLocks noGrp="1"/>
-          </p:cNvSpPr>
-          <p:nvPr>
-            <p:ph type="body"/>
-          </p:nvPr>
-        </p:nvSpPr>
-        <p:spPr>
-          <a:xfrm>
-            <a:off x="457200" y="1604520"/>
-            <a:ext cx="8229240" cy="1896840"/>
-          </a:xfrm>
-          <a:prstGeom prst="rect">
-            <a:avLst/>
-          </a:prstGeom>
-        </p:spPr>
-        <p:txBody>
-          <a:bodyPr bIns="0" lIns="0" rIns="0" tIns="0" wrap="none"/>
-          <a:p>
-            <a:endParaRPr/>
-          </a:p>
-        </p:txBody>
-      </p:sp>
-      <p:sp>
-        <p:nvSpPr>
-          <p:cNvPr id="65" name="PlaceHolder 3"/>
-          <p:cNvSpPr>
-            <a:spLocks noGrp="1"/>
-          </p:cNvSpPr>
-          <p:nvPr>
-            <p:ph type="body"/>
-          </p:nvPr>
-        </p:nvSpPr>
-        <p:spPr>
-          <a:xfrm>
-            <a:off x="457200" y="3681720"/>
-            <a:ext cx="8229240" cy="1896840"/>
-          </a:xfrm>
-          <a:prstGeom prst="rect">
-            <a:avLst/>
-          </a:prstGeom>
-        </p:spPr>
-        <p:txBody>
-          <a:bodyPr bIns="0" lIns="0" rIns="0" tIns="0" wrap="none"/>
-          <a:p>
-            <a:endParaRPr/>
-          </a:p>
-        </p:txBody>
-      </p:sp>
-    </p:spTree>
-  </p:cSld>
-</p:sldLayout>
-</file>
-
-<file path=ppt/slideLayouts/slideLayout23.xml><?xml version="1.0" encoding="utf-8"?>
-<p:sldLayout xmlns:a="http://schemas.openxmlformats.org/drawingml/2006/main" xmlns:p="http://schemas.openxmlformats.org/presentationml/2006/main" xmlns:r="http://schemas.openxmlformats.org/officeDocument/2006/relationships" preserve="1" type="fourObj">
-  <p:cSld name="Title, 4 Content">
-    <p:spTree>
-      <p:nvGrpSpPr>
-        <p:cNvPr id="1" name=""/>
-        <p:cNvGrpSpPr/>
-        <p:nvPr/>
-      </p:nvGrpSpPr>
-      <p:grpSpPr>
-        <a:xfrm>
-          <a:off x="0" y="0"/>
-          <a:ext cx="0" cy="0"/>
-          <a:chOff x="0" y="0"/>
-          <a:chExt cx="0" cy="0"/>
-        </a:xfrm>
-      </p:grpSpPr>
-      <p:sp>
-        <p:nvSpPr>
-          <p:cNvPr id="66" name="PlaceHolder 1"/>
-          <p:cNvSpPr>
-            <a:spLocks noGrp="1"/>
-          </p:cNvSpPr>
-          <p:nvPr>
-            <p:ph type="title"/>
-          </p:nvPr>
-        </p:nvSpPr>
-        <p:spPr>
-          <a:xfrm>
-            <a:off x="685800" y="2130480"/>
-            <a:ext cx="7772040" cy="1469880"/>
-          </a:xfrm>
-          <a:prstGeom prst="rect">
-            <a:avLst/>
-          </a:prstGeom>
-        </p:spPr>
-        <p:txBody>
-          <a:bodyPr anchor="ctr" bIns="0" lIns="0" rIns="0" tIns="0" wrap="none"/>
-          <a:p>
-            <a:endParaRPr/>
-          </a:p>
-        </p:txBody>
-      </p:sp>
-      <p:sp>
-        <p:nvSpPr>
-          <p:cNvPr id="67" name="PlaceHolder 2"/>
-          <p:cNvSpPr>
-            <a:spLocks noGrp="1"/>
-          </p:cNvSpPr>
-          <p:nvPr>
-            <p:ph type="body"/>
-          </p:nvPr>
-        </p:nvSpPr>
-        <p:spPr>
-          <a:xfrm>
-            <a:off x="457200" y="1604520"/>
-            <a:ext cx="4015440" cy="1896840"/>
-          </a:xfrm>
-          <a:prstGeom prst="rect">
-            <a:avLst/>
-          </a:prstGeom>
-        </p:spPr>
-        <p:txBody>
-          <a:bodyPr bIns="0" lIns="0" rIns="0" tIns="0" wrap="none"/>
-          <a:p>
-            <a:endParaRPr/>
-          </a:p>
-        </p:txBody>
-      </p:sp>
-      <p:sp>
-        <p:nvSpPr>
-          <p:cNvPr id="68" name="PlaceHolder 3"/>
-          <p:cNvSpPr>
-            <a:spLocks noGrp="1"/>
-          </p:cNvSpPr>
-          <p:nvPr>
-            <p:ph type="body"/>
-          </p:nvPr>
-        </p:nvSpPr>
-        <p:spPr>
-          <a:xfrm>
-            <a:off x="4673520" y="1604520"/>
-            <a:ext cx="4015440" cy="1896840"/>
-          </a:xfrm>
-          <a:prstGeom prst="rect">
-            <a:avLst/>
-          </a:prstGeom>
-        </p:spPr>
-        <p:txBody>
-          <a:bodyPr bIns="0" lIns="0" rIns="0" tIns="0" wrap="none"/>
-          <a:p>
-            <a:endParaRPr/>
-          </a:p>
-        </p:txBody>
-      </p:sp>
-      <p:sp>
-        <p:nvSpPr>
-          <p:cNvPr id="69" name="PlaceHolder 4"/>
-          <p:cNvSpPr>
-            <a:spLocks noGrp="1"/>
-          </p:cNvSpPr>
-          <p:nvPr>
-            <p:ph type="body"/>
-          </p:nvPr>
-        </p:nvSpPr>
-        <p:spPr>
-          <a:xfrm>
-            <a:off x="4673520" y="3681720"/>
-            <a:ext cx="4015440" cy="1896840"/>
-          </a:xfrm>
-          <a:prstGeom prst="rect">
-            <a:avLst/>
-          </a:prstGeom>
-        </p:spPr>
-        <p:txBody>
-          <a:bodyPr bIns="0" lIns="0" rIns="0" tIns="0" wrap="none"/>
-          <a:p>
-            <a:endParaRPr/>
-          </a:p>
-        </p:txBody>
-      </p:sp>
-      <p:sp>
-        <p:nvSpPr>
-          <p:cNvPr id="70" name="PlaceHolder 5"/>
-          <p:cNvSpPr>
-            <a:spLocks noGrp="1"/>
-          </p:cNvSpPr>
-          <p:nvPr>
-            <p:ph type="body"/>
-          </p:nvPr>
-        </p:nvSpPr>
-        <p:spPr>
-          <a:xfrm>
-            <a:off x="457200" y="3681720"/>
-            <a:ext cx="4015440" cy="1896840"/>
-          </a:xfrm>
-          <a:prstGeom prst="rect">
-            <a:avLst/>
-          </a:prstGeom>
-        </p:spPr>
-        <p:txBody>
-          <a:bodyPr bIns="0" lIns="0" rIns="0" tIns="0" wrap="none"/>
-          <a:p>
-            <a:endParaRPr/>
-          </a:p>
-        </p:txBody>
-      </p:sp>
-    </p:spTree>
-  </p:cSld>
-</p:sldLayout>
-</file>
-
-<file path=ppt/slideLayouts/slideLayout24.xml><?xml version="1.0" encoding="utf-8"?>
-<p:sldLayout xmlns:a="http://schemas.openxmlformats.org/drawingml/2006/main" xmlns:p="http://schemas.openxmlformats.org/presentationml/2006/main" xmlns:r="http://schemas.openxmlformats.org/officeDocument/2006/relationships" preserve="1" type="blank">
-  <p:cSld name="Title, 6 Content">
-    <p:spTree>
-      <p:nvGrpSpPr>
-        <p:cNvPr id="1" name=""/>
-        <p:cNvGrpSpPr/>
-        <p:nvPr/>
-      </p:nvGrpSpPr>
-      <p:grpSpPr>
-        <a:xfrm>
-          <a:off x="0" y="0"/>
-          <a:ext cx="0" cy="0"/>
-          <a:chOff x="0" y="0"/>
-          <a:chExt cx="0" cy="0"/>
-        </a:xfrm>
-      </p:grpSpPr>
-      <p:sp>
-        <p:nvSpPr>
-          <p:cNvPr id="71" name="PlaceHolder 1"/>
-          <p:cNvSpPr>
-            <a:spLocks noGrp="1"/>
-          </p:cNvSpPr>
-          <p:nvPr>
-            <p:ph type="title"/>
-          </p:nvPr>
-        </p:nvSpPr>
-        <p:spPr>
-          <a:xfrm>
-            <a:off x="685800" y="2130480"/>
-            <a:ext cx="7772040" cy="1469880"/>
-          </a:xfrm>
-          <a:prstGeom prst="rect">
-            <a:avLst/>
-          </a:prstGeom>
-        </p:spPr>
-        <p:txBody>
-          <a:bodyPr anchor="ctr" bIns="0" lIns="0" rIns="0" tIns="0" wrap="none"/>
-          <a:p>
-            <a:endParaRPr/>
-          </a:p>
-        </p:txBody>
-      </p:sp>
-      <p:sp>
-        <p:nvSpPr>
-          <p:cNvPr id="72" name="PlaceHolder 2"/>
-          <p:cNvSpPr>
-            <a:spLocks noGrp="1"/>
-          </p:cNvSpPr>
-          <p:nvPr>
-            <p:ph type="body"/>
-          </p:nvPr>
-        </p:nvSpPr>
-        <p:spPr>
-          <a:xfrm>
-            <a:off x="457200" y="1604520"/>
-            <a:ext cx="4015440" cy="1896840"/>
-          </a:xfrm>
-          <a:prstGeom prst="rect">
-            <a:avLst/>
-          </a:prstGeom>
-        </p:spPr>
-        <p:txBody>
-          <a:bodyPr bIns="0" lIns="0" rIns="0" tIns="0" wrap="none"/>
-          <a:p>
-            <a:endParaRPr/>
-          </a:p>
-        </p:txBody>
-      </p:sp>
-      <p:sp>
-        <p:nvSpPr>
-          <p:cNvPr id="73" name="PlaceHolder 3"/>
-          <p:cNvSpPr>
-            <a:spLocks noGrp="1"/>
-          </p:cNvSpPr>
-          <p:nvPr>
-            <p:ph type="body"/>
-          </p:nvPr>
-        </p:nvSpPr>
-        <p:spPr>
-          <a:xfrm>
-            <a:off x="4673520" y="1604520"/>
-            <a:ext cx="4015440" cy="1896840"/>
-          </a:xfrm>
-          <a:prstGeom prst="rect">
-            <a:avLst/>
-          </a:prstGeom>
-        </p:spPr>
-        <p:txBody>
-          <a:bodyPr bIns="0" lIns="0" rIns="0" tIns="0" wrap="none"/>
-          <a:p>
+            <a:pPr algn="ctr"/>
             <a:endParaRPr/>
           </a:p>
         </p:txBody>
@@ -2728,7 +1633,7 @@
       </p:grpSpPr>
       <p:sp>
         <p:nvSpPr>
-          <p:cNvPr id="7" name="PlaceHolder 1"/>
+          <p:cNvPr id="4" name="PlaceHolder 1"/>
           <p:cNvSpPr>
             <a:spLocks noGrp="1"/>
           </p:cNvSpPr>
@@ -2738,8 +1643,8 @@
         </p:nvSpPr>
         <p:spPr>
           <a:xfrm>
-            <a:off x="685800" y="2130480"/>
-            <a:ext cx="7772040" cy="1469880"/>
+            <a:off x="457200" y="273600"/>
+            <a:ext cx="8229240" cy="1145160"/>
           </a:xfrm>
           <a:prstGeom prst="rect">
             <a:avLst/>
@@ -2748,13 +1653,14 @@
         <p:txBody>
           <a:bodyPr anchor="ctr" bIns="0" lIns="0" rIns="0" tIns="0" wrap="none"/>
           <a:p>
+            <a:pPr algn="ctr"/>
             <a:endParaRPr/>
           </a:p>
         </p:txBody>
       </p:sp>
       <p:sp>
         <p:nvSpPr>
-          <p:cNvPr id="8" name="PlaceHolder 2"/>
+          <p:cNvPr id="5" name="PlaceHolder 2"/>
           <p:cNvSpPr>
             <a:spLocks noGrp="1"/>
           </p:cNvSpPr>
@@ -2765,7 +1671,7 @@
         <p:spPr>
           <a:xfrm>
             <a:off x="457200" y="1604520"/>
-            <a:ext cx="8229240" cy="3977280"/>
+            <a:ext cx="8046360" cy="3976920"/>
           </a:xfrm>
           <a:prstGeom prst="rect">
             <a:avLst/>
@@ -2802,7 +1708,7 @@
       </p:grpSpPr>
       <p:sp>
         <p:nvSpPr>
-          <p:cNvPr id="9" name="PlaceHolder 1"/>
+          <p:cNvPr id="6" name="PlaceHolder 1"/>
           <p:cNvSpPr>
             <a:spLocks noGrp="1"/>
           </p:cNvSpPr>
@@ -2812,8 +1718,8 @@
         </p:nvSpPr>
         <p:spPr>
           <a:xfrm>
-            <a:off x="685800" y="2130480"/>
-            <a:ext cx="7772040" cy="1469880"/>
+            <a:off x="457200" y="273600"/>
+            <a:ext cx="8229240" cy="1145160"/>
           </a:xfrm>
           <a:prstGeom prst="rect">
             <a:avLst/>
@@ -2822,13 +1728,14 @@
         <p:txBody>
           <a:bodyPr anchor="ctr" bIns="0" lIns="0" rIns="0" tIns="0" wrap="none"/>
           <a:p>
+            <a:pPr algn="ctr"/>
             <a:endParaRPr/>
           </a:p>
         </p:txBody>
       </p:sp>
       <p:sp>
         <p:nvSpPr>
-          <p:cNvPr id="10" name="PlaceHolder 2"/>
+          <p:cNvPr id="7" name="PlaceHolder 2"/>
           <p:cNvSpPr>
             <a:spLocks noGrp="1"/>
           </p:cNvSpPr>
@@ -2839,7 +1746,7 @@
         <p:spPr>
           <a:xfrm>
             <a:off x="457200" y="1604520"/>
-            <a:ext cx="4015440" cy="3977280"/>
+            <a:ext cx="3926160" cy="3976920"/>
           </a:xfrm>
           <a:prstGeom prst="rect">
             <a:avLst/>
@@ -2854,7 +1761,7 @@
       </p:sp>
       <p:sp>
         <p:nvSpPr>
-          <p:cNvPr id="11" name="PlaceHolder 3"/>
+          <p:cNvPr id="8" name="PlaceHolder 3"/>
           <p:cNvSpPr>
             <a:spLocks noGrp="1"/>
           </p:cNvSpPr>
@@ -2864,8 +1771,8 @@
         </p:nvSpPr>
         <p:spPr>
           <a:xfrm>
-            <a:off x="4673520" y="1604520"/>
-            <a:ext cx="4015440" cy="3977280"/>
+            <a:off x="4579920" y="1604520"/>
+            <a:ext cx="3926160" cy="3976920"/>
           </a:xfrm>
           <a:prstGeom prst="rect">
             <a:avLst/>
@@ -2902,7 +1809,7 @@
       </p:grpSpPr>
       <p:sp>
         <p:nvSpPr>
-          <p:cNvPr id="12" name="PlaceHolder 1"/>
+          <p:cNvPr id="9" name="PlaceHolder 1"/>
           <p:cNvSpPr>
             <a:spLocks noGrp="1"/>
           </p:cNvSpPr>
@@ -2912,8 +1819,8 @@
         </p:nvSpPr>
         <p:spPr>
           <a:xfrm>
-            <a:off x="685800" y="2130480"/>
-            <a:ext cx="7772040" cy="1469880"/>
+            <a:off x="457200" y="273600"/>
+            <a:ext cx="8229240" cy="1145160"/>
           </a:xfrm>
           <a:prstGeom prst="rect">
             <a:avLst/>
@@ -2922,6 +1829,7 @@
         <p:txBody>
           <a:bodyPr anchor="ctr" bIns="0" lIns="0" rIns="0" tIns="0" wrap="none"/>
           <a:p>
+            <a:pPr algn="ctr"/>
             <a:endParaRPr/>
           </a:p>
         </p:txBody>
@@ -2950,7 +1858,7 @@
       </p:grpSpPr>
       <p:sp>
         <p:nvSpPr>
-          <p:cNvPr id="13" name="PlaceHolder 1"/>
+          <p:cNvPr id="10" name="PlaceHolder 1"/>
           <p:cNvSpPr>
             <a:spLocks noGrp="1"/>
           </p:cNvSpPr>
@@ -2960,8 +1868,8 @@
         </p:nvSpPr>
         <p:spPr>
           <a:xfrm>
-            <a:off x="685800" y="2130480"/>
-            <a:ext cx="7772040" cy="3451320"/>
+            <a:off x="457200" y="273600"/>
+            <a:ext cx="8229240" cy="5307840"/>
           </a:xfrm>
           <a:prstGeom prst="rect">
             <a:avLst/>
@@ -2999,7 +1907,7 @@
       </p:grpSpPr>
       <p:sp>
         <p:nvSpPr>
-          <p:cNvPr id="14" name="PlaceHolder 1"/>
+          <p:cNvPr id="11" name="PlaceHolder 1"/>
           <p:cNvSpPr>
             <a:spLocks noGrp="1"/>
           </p:cNvSpPr>
@@ -3009,8 +1917,8 @@
         </p:nvSpPr>
         <p:spPr>
           <a:xfrm>
-            <a:off x="685800" y="2130480"/>
-            <a:ext cx="7772040" cy="1469880"/>
+            <a:off x="457200" y="273600"/>
+            <a:ext cx="8229240" cy="1145160"/>
           </a:xfrm>
           <a:prstGeom prst="rect">
             <a:avLst/>
@@ -3019,13 +1927,14 @@
         <p:txBody>
           <a:bodyPr anchor="ctr" bIns="0" lIns="0" rIns="0" tIns="0" wrap="none"/>
           <a:p>
+            <a:pPr algn="ctr"/>
             <a:endParaRPr/>
           </a:p>
         </p:txBody>
       </p:sp>
       <p:sp>
         <p:nvSpPr>
-          <p:cNvPr id="15" name="PlaceHolder 2"/>
+          <p:cNvPr id="12" name="PlaceHolder 2"/>
           <p:cNvSpPr>
             <a:spLocks noGrp="1"/>
           </p:cNvSpPr>
@@ -3036,7 +1945,7 @@
         <p:spPr>
           <a:xfrm>
             <a:off x="457200" y="1604520"/>
-            <a:ext cx="4015440" cy="1896840"/>
+            <a:ext cx="3926160" cy="1896480"/>
           </a:xfrm>
           <a:prstGeom prst="rect">
             <a:avLst/>
@@ -3051,7 +1960,7 @@
       </p:sp>
       <p:sp>
         <p:nvSpPr>
-          <p:cNvPr id="16" name="PlaceHolder 3"/>
+          <p:cNvPr id="13" name="PlaceHolder 3"/>
           <p:cNvSpPr>
             <a:spLocks noGrp="1"/>
           </p:cNvSpPr>
@@ -3061,8 +1970,8 @@
         </p:nvSpPr>
         <p:spPr>
           <a:xfrm>
-            <a:off x="457200" y="3681720"/>
-            <a:ext cx="4015440" cy="1896840"/>
+            <a:off x="457200" y="3681360"/>
+            <a:ext cx="3926160" cy="1896480"/>
           </a:xfrm>
           <a:prstGeom prst="rect">
             <a:avLst/>
@@ -3077,7 +1986,7 @@
       </p:sp>
       <p:sp>
         <p:nvSpPr>
-          <p:cNvPr id="17" name="PlaceHolder 4"/>
+          <p:cNvPr id="14" name="PlaceHolder 4"/>
           <p:cNvSpPr>
             <a:spLocks noGrp="1"/>
           </p:cNvSpPr>
@@ -3087,8 +1996,8 @@
         </p:nvSpPr>
         <p:spPr>
           <a:xfrm>
-            <a:off x="4673520" y="1604520"/>
-            <a:ext cx="4015440" cy="3977280"/>
+            <a:off x="4579920" y="1604520"/>
+            <a:ext cx="3926160" cy="3976920"/>
           </a:xfrm>
           <a:prstGeom prst="rect">
             <a:avLst/>
@@ -3125,7 +2034,7 @@
       </p:grpSpPr>
       <p:sp>
         <p:nvSpPr>
-          <p:cNvPr id="18" name="PlaceHolder 1"/>
+          <p:cNvPr id="15" name="PlaceHolder 1"/>
           <p:cNvSpPr>
             <a:spLocks noGrp="1"/>
           </p:cNvSpPr>
@@ -3135,8 +2044,8 @@
         </p:nvSpPr>
         <p:spPr>
           <a:xfrm>
-            <a:off x="685800" y="2130480"/>
-            <a:ext cx="7772040" cy="1469880"/>
+            <a:off x="457200" y="273600"/>
+            <a:ext cx="8229240" cy="1145160"/>
           </a:xfrm>
           <a:prstGeom prst="rect">
             <a:avLst/>
@@ -3145,13 +2054,14 @@
         <p:txBody>
           <a:bodyPr anchor="ctr" bIns="0" lIns="0" rIns="0" tIns="0" wrap="none"/>
           <a:p>
+            <a:pPr algn="ctr"/>
             <a:endParaRPr/>
           </a:p>
         </p:txBody>
       </p:sp>
       <p:sp>
         <p:nvSpPr>
-          <p:cNvPr id="19" name="PlaceHolder 2"/>
+          <p:cNvPr id="16" name="PlaceHolder 2"/>
           <p:cNvSpPr>
             <a:spLocks noGrp="1"/>
           </p:cNvSpPr>
@@ -3162,7 +2072,7 @@
         <p:spPr>
           <a:xfrm>
             <a:off x="457200" y="1604520"/>
-            <a:ext cx="4015440" cy="3977280"/>
+            <a:ext cx="3926160" cy="3976920"/>
           </a:xfrm>
           <a:prstGeom prst="rect">
             <a:avLst/>
@@ -3177,7 +2087,7 @@
       </p:sp>
       <p:sp>
         <p:nvSpPr>
-          <p:cNvPr id="20" name="PlaceHolder 3"/>
+          <p:cNvPr id="17" name="PlaceHolder 3"/>
           <p:cNvSpPr>
             <a:spLocks noGrp="1"/>
           </p:cNvSpPr>
@@ -3187,8 +2097,8 @@
         </p:nvSpPr>
         <p:spPr>
           <a:xfrm>
-            <a:off x="4673520" y="1604520"/>
-            <a:ext cx="4015440" cy="1896840"/>
+            <a:off x="4579920" y="1604520"/>
+            <a:ext cx="3926160" cy="1896480"/>
           </a:xfrm>
           <a:prstGeom prst="rect">
             <a:avLst/>
@@ -3203,7 +2113,7 @@
       </p:sp>
       <p:sp>
         <p:nvSpPr>
-          <p:cNvPr id="21" name="PlaceHolder 4"/>
+          <p:cNvPr id="18" name="PlaceHolder 4"/>
           <p:cNvSpPr>
             <a:spLocks noGrp="1"/>
           </p:cNvSpPr>
@@ -3213,8 +2123,8 @@
         </p:nvSpPr>
         <p:spPr>
           <a:xfrm>
-            <a:off x="4673520" y="3681720"/>
-            <a:ext cx="4015440" cy="1896840"/>
+            <a:off x="4579920" y="3681360"/>
+            <a:ext cx="3926160" cy="1896480"/>
           </a:xfrm>
           <a:prstGeom prst="rect">
             <a:avLst/>
@@ -3251,7 +2161,7 @@
       </p:grpSpPr>
       <p:sp>
         <p:nvSpPr>
-          <p:cNvPr id="22" name="PlaceHolder 1"/>
+          <p:cNvPr id="19" name="PlaceHolder 1"/>
           <p:cNvSpPr>
             <a:spLocks noGrp="1"/>
           </p:cNvSpPr>
@@ -3261,8 +2171,8 @@
         </p:nvSpPr>
         <p:spPr>
           <a:xfrm>
-            <a:off x="685800" y="2130480"/>
-            <a:ext cx="7772040" cy="1469880"/>
+            <a:off x="457200" y="273600"/>
+            <a:ext cx="8229240" cy="1145160"/>
           </a:xfrm>
           <a:prstGeom prst="rect">
             <a:avLst/>
@@ -3271,13 +2181,14 @@
         <p:txBody>
           <a:bodyPr anchor="ctr" bIns="0" lIns="0" rIns="0" tIns="0" wrap="none"/>
           <a:p>
+            <a:pPr algn="ctr"/>
             <a:endParaRPr/>
           </a:p>
         </p:txBody>
       </p:sp>
       <p:sp>
         <p:nvSpPr>
-          <p:cNvPr id="23" name="PlaceHolder 2"/>
+          <p:cNvPr id="20" name="PlaceHolder 2"/>
           <p:cNvSpPr>
             <a:spLocks noGrp="1"/>
           </p:cNvSpPr>
@@ -3288,7 +2199,7 @@
         <p:spPr>
           <a:xfrm>
             <a:off x="457200" y="1604520"/>
-            <a:ext cx="4015440" cy="1896840"/>
+            <a:ext cx="3926160" cy="1896480"/>
           </a:xfrm>
           <a:prstGeom prst="rect">
             <a:avLst/>
@@ -3303,7 +2214,7 @@
       </p:sp>
       <p:sp>
         <p:nvSpPr>
-          <p:cNvPr id="24" name="PlaceHolder 3"/>
+          <p:cNvPr id="21" name="PlaceHolder 3"/>
           <p:cNvSpPr>
             <a:spLocks noGrp="1"/>
           </p:cNvSpPr>
@@ -3313,8 +2224,8 @@
         </p:nvSpPr>
         <p:spPr>
           <a:xfrm>
-            <a:off x="4673520" y="1604520"/>
-            <a:ext cx="4015440" cy="1896840"/>
+            <a:off x="4579920" y="1604520"/>
+            <a:ext cx="3926160" cy="1896480"/>
           </a:xfrm>
           <a:prstGeom prst="rect">
             <a:avLst/>
@@ -3329,7 +2240,7 @@
       </p:sp>
       <p:sp>
         <p:nvSpPr>
-          <p:cNvPr id="25" name="PlaceHolder 4"/>
+          <p:cNvPr id="22" name="PlaceHolder 4"/>
           <p:cNvSpPr>
             <a:spLocks noGrp="1"/>
           </p:cNvSpPr>
@@ -3339,8 +2250,8 @@
         </p:nvSpPr>
         <p:spPr>
           <a:xfrm>
-            <a:off x="457200" y="3681720"/>
-            <a:ext cx="8228520" cy="1896840"/>
+            <a:off x="457200" y="3681360"/>
+            <a:ext cx="8045640" cy="1896480"/>
           </a:xfrm>
           <a:prstGeom prst="rect">
             <a:avLst/>
@@ -3387,25 +2298,20 @@
         </p:nvSpPr>
         <p:spPr>
           <a:xfrm>
-            <a:off x="685800" y="2130480"/>
-            <a:ext cx="7772040" cy="1469520"/>
+            <a:off x="457200" y="273600"/>
+            <a:ext cx="8229240" cy="1144800"/>
           </a:xfrm>
           <a:prstGeom prst="rect">
             <a:avLst/>
           </a:prstGeom>
         </p:spPr>
         <p:txBody>
-          <a:bodyPr anchor="ctr"/>
+          <a:bodyPr anchor="ctr" bIns="0" lIns="0" rIns="0" tIns="0" wrap="none"/>
           <a:p>
             <a:pPr algn="ctr"/>
             <a:r>
-              <a:rPr lang="pt-BR" sz="4400">
-                <a:solidFill>
-                  <a:srgbClr val="8b8b8b"/>
-                </a:solidFill>
-                <a:latin typeface="Calibri"/>
-              </a:rPr>
-              <a:t>Clique para editar o formato do texto do títuloClique para editar o estilo do título mestre</a:t>
+              <a:rPr lang="pt-BR"/>
+              <a:t>Click to edit the title text format</a:t>
             </a:r>
             <a:endParaRPr/>
           </a:p>
@@ -3414,102 +2320,6 @@
       <p:sp>
         <p:nvSpPr>
           <p:cNvPr id="1" name="PlaceHolder 2"/>
-          <p:cNvSpPr>
-            <a:spLocks noGrp="1"/>
-          </p:cNvSpPr>
-          <p:nvPr>
-            <p:ph type="dt"/>
-          </p:nvPr>
-        </p:nvSpPr>
-        <p:spPr>
-          <a:xfrm>
-            <a:off x="457200" y="6356520"/>
-            <a:ext cx="2133360" cy="364680"/>
-          </a:xfrm>
-          <a:prstGeom prst="rect">
-            <a:avLst/>
-          </a:prstGeom>
-        </p:spPr>
-        <p:txBody>
-          <a:bodyPr anchor="ctr"/>
-          <a:p>
-            <a:r>
-              <a:rPr lang="pt-BR" sz="1200">
-                <a:solidFill>
-                  <a:srgbClr val="8b8b8b"/>
-                </a:solidFill>
-                <a:latin typeface="Calibri"/>
-              </a:rPr>
-              <a:t>30/11/14</a:t>
-            </a:r>
-            <a:endParaRPr/>
-          </a:p>
-        </p:txBody>
-      </p:sp>
-      <p:sp>
-        <p:nvSpPr>
-          <p:cNvPr id="2" name="PlaceHolder 3"/>
-          <p:cNvSpPr>
-            <a:spLocks noGrp="1"/>
-          </p:cNvSpPr>
-          <p:nvPr>
-            <p:ph type="ftr"/>
-          </p:nvPr>
-        </p:nvSpPr>
-        <p:spPr>
-          <a:xfrm>
-            <a:off x="3124080" y="6356520"/>
-            <a:ext cx="2895120" cy="364680"/>
-          </a:xfrm>
-          <a:prstGeom prst="rect">
-            <a:avLst/>
-          </a:prstGeom>
-        </p:spPr>
-        <p:txBody>
-          <a:bodyPr anchor="ctr"/>
-          <a:p>
-            <a:endParaRPr/>
-          </a:p>
-        </p:txBody>
-      </p:sp>
-      <p:sp>
-        <p:nvSpPr>
-          <p:cNvPr id="3" name="PlaceHolder 4"/>
-          <p:cNvSpPr>
-            <a:spLocks noGrp="1"/>
-          </p:cNvSpPr>
-          <p:nvPr>
-            <p:ph type="sldNum"/>
-          </p:nvPr>
-        </p:nvSpPr>
-        <p:spPr>
-          <a:xfrm>
-            <a:off x="6553080" y="6356520"/>
-            <a:ext cx="2133360" cy="364680"/>
-          </a:xfrm>
-          <a:prstGeom prst="rect">
-            <a:avLst/>
-          </a:prstGeom>
-        </p:spPr>
-        <p:txBody>
-          <a:bodyPr anchor="ctr"/>
-          <a:p>
-            <a:fld id="{F1410181-A171-4151-91A1-D14161719131}" type="slidenum">
-              <a:rPr lang="pt-BR" sz="1200">
-                <a:solidFill>
-                  <a:srgbClr val="8b8b8b"/>
-                </a:solidFill>
-                <a:latin typeface="Calibri"/>
-              </a:rPr>
-              <a:t>&lt;number&gt;</a:t>
-            </a:fld>
-            <a:endParaRPr/>
-          </a:p>
-        </p:txBody>
-      </p:sp>
-      <p:sp>
-        <p:nvSpPr>
-          <p:cNvPr id="4" name="PlaceHolder 5"/>
           <p:cNvSpPr>
             <a:spLocks noGrp="1"/>
           </p:cNvSpPr>
@@ -3520,7 +2330,7 @@
         <p:spPr>
           <a:xfrm>
             <a:off x="457200" y="1604520"/>
-            <a:ext cx="8229240" cy="3977280"/>
+            <a:ext cx="8046360" cy="3976920"/>
           </a:xfrm>
           <a:prstGeom prst="rect">
             <a:avLst/>
@@ -3542,9 +2352,9 @@
           </a:p>
           <a:p>
             <a:pPr lvl="1">
-              <a:buSzPct val="45000"/>
+              <a:buSzPct val="75000"/>
               <a:buFont typeface="StarSymbol"/>
-              <a:buChar char=""/>
+              <a:buChar char=""/>
             </a:pPr>
             <a:r>
               <a:rPr lang="pt-BR"/>
@@ -3554,9 +2364,9 @@
           </a:p>
           <a:p>
             <a:pPr lvl="2">
-              <a:buSzPct val="75000"/>
+              <a:buSzPct val="45000"/>
               <a:buFont typeface="StarSymbol"/>
-              <a:buChar char=""/>
+              <a:buChar char=""/>
             </a:pPr>
             <a:r>
               <a:rPr lang="pt-BR"/>
@@ -3566,9 +2376,9 @@
           </a:p>
           <a:p>
             <a:pPr lvl="3">
-              <a:buSzPct val="45000"/>
+              <a:buSzPct val="75000"/>
               <a:buFont typeface="StarSymbol"/>
-              <a:buChar char=""/>
+              <a:buChar char=""/>
             </a:pPr>
             <a:r>
               <a:rPr lang="pt-BR"/>
@@ -3578,9 +2388,9 @@
           </a:p>
           <a:p>
             <a:pPr lvl="4">
-              <a:buSzPct val="75000"/>
+              <a:buSzPct val="45000"/>
               <a:buFont typeface="StarSymbol"/>
-              <a:buChar char=""/>
+              <a:buChar char=""/>
             </a:pPr>
             <a:r>
               <a:rPr lang="pt-BR"/>
@@ -3634,276 +2444,6 @@
 </p:sldMaster>
 </file>
 
-<file path=ppt/slideMasters/slideMaster2.xml><?xml version="1.0" encoding="utf-8"?>
-<p:sldMaster xmlns:a="http://schemas.openxmlformats.org/drawingml/2006/main" xmlns:p="http://schemas.openxmlformats.org/presentationml/2006/main" xmlns:r="http://schemas.openxmlformats.org/officeDocument/2006/relationships">
-  <p:cSld>
-    <p:spTree>
-      <p:nvGrpSpPr>
-        <p:cNvPr id="1" name=""/>
-        <p:cNvGrpSpPr/>
-        <p:nvPr/>
-      </p:nvGrpSpPr>
-      <p:grpSpPr>
-        <a:xfrm>
-          <a:off x="0" y="0"/>
-          <a:ext cx="0" cy="0"/>
-          <a:chOff x="0" y="0"/>
-          <a:chExt cx="0" cy="0"/>
-        </a:xfrm>
-      </p:grpSpPr>
-      <p:sp>
-        <p:nvSpPr>
-          <p:cNvPr id="37" name="PlaceHolder 1"/>
-          <p:cNvSpPr>
-            <a:spLocks noGrp="1"/>
-          </p:cNvSpPr>
-          <p:nvPr>
-            <p:ph type="dt"/>
-          </p:nvPr>
-        </p:nvSpPr>
-        <p:spPr>
-          <a:xfrm>
-            <a:off x="457200" y="6356520"/>
-            <a:ext cx="2133360" cy="364680"/>
-          </a:xfrm>
-          <a:prstGeom prst="rect">
-            <a:avLst/>
-          </a:prstGeom>
-        </p:spPr>
-        <p:txBody>
-          <a:bodyPr anchor="ctr"/>
-          <a:p>
-            <a:r>
-              <a:rPr lang="pt-BR" sz="1200">
-                <a:solidFill>
-                  <a:srgbClr val="8b8b8b"/>
-                </a:solidFill>
-                <a:latin typeface="Calibri"/>
-              </a:rPr>
-              <a:t>30/11/14</a:t>
-            </a:r>
-            <a:endParaRPr/>
-          </a:p>
-        </p:txBody>
-      </p:sp>
-      <p:sp>
-        <p:nvSpPr>
-          <p:cNvPr id="38" name="PlaceHolder 2"/>
-          <p:cNvSpPr>
-            <a:spLocks noGrp="1"/>
-          </p:cNvSpPr>
-          <p:nvPr>
-            <p:ph type="ftr"/>
-          </p:nvPr>
-        </p:nvSpPr>
-        <p:spPr>
-          <a:xfrm>
-            <a:off x="3124080" y="6356520"/>
-            <a:ext cx="2895120" cy="364680"/>
-          </a:xfrm>
-          <a:prstGeom prst="rect">
-            <a:avLst/>
-          </a:prstGeom>
-        </p:spPr>
-        <p:txBody>
-          <a:bodyPr anchor="ctr"/>
-          <a:p>
-            <a:endParaRPr/>
-          </a:p>
-        </p:txBody>
-      </p:sp>
-      <p:sp>
-        <p:nvSpPr>
-          <p:cNvPr id="39" name="PlaceHolder 3"/>
-          <p:cNvSpPr>
-            <a:spLocks noGrp="1"/>
-          </p:cNvSpPr>
-          <p:nvPr>
-            <p:ph type="sldNum"/>
-          </p:nvPr>
-        </p:nvSpPr>
-        <p:spPr>
-          <a:xfrm>
-            <a:off x="6553080" y="6356520"/>
-            <a:ext cx="2133360" cy="364680"/>
-          </a:xfrm>
-          <a:prstGeom prst="rect">
-            <a:avLst/>
-          </a:prstGeom>
-        </p:spPr>
-        <p:txBody>
-          <a:bodyPr anchor="ctr"/>
-          <a:p>
-            <a:fld id="{8151D101-81E1-4171-81F1-E1D1814131E1}" type="slidenum">
-              <a:rPr lang="pt-BR" sz="1200">
-                <a:solidFill>
-                  <a:srgbClr val="8b8b8b"/>
-                </a:solidFill>
-                <a:latin typeface="Calibri"/>
-              </a:rPr>
-              <a:t>&lt;number&gt;</a:t>
-            </a:fld>
-            <a:endParaRPr/>
-          </a:p>
-        </p:txBody>
-      </p:sp>
-      <p:sp>
-        <p:nvSpPr>
-          <p:cNvPr id="40" name="PlaceHolder 4"/>
-          <p:cNvSpPr>
-            <a:spLocks noGrp="1"/>
-          </p:cNvSpPr>
-          <p:nvPr>
-            <p:ph type="title"/>
-          </p:nvPr>
-        </p:nvSpPr>
-        <p:spPr>
-          <a:xfrm>
-            <a:off x="457200" y="273600"/>
-            <a:ext cx="8229240" cy="1144800"/>
-          </a:xfrm>
-          <a:prstGeom prst="rect">
-            <a:avLst/>
-          </a:prstGeom>
-        </p:spPr>
-        <p:txBody>
-          <a:bodyPr anchor="ctr" bIns="0" lIns="0" rIns="0" tIns="0" wrap="none"/>
-          <a:p>
-            <a:r>
-              <a:rPr lang="pt-BR"/>
-              <a:t>Click to edit the title text format</a:t>
-            </a:r>
-            <a:endParaRPr/>
-          </a:p>
-        </p:txBody>
-      </p:sp>
-      <p:sp>
-        <p:nvSpPr>
-          <p:cNvPr id="41" name="PlaceHolder 5"/>
-          <p:cNvSpPr>
-            <a:spLocks noGrp="1"/>
-          </p:cNvSpPr>
-          <p:nvPr>
-            <p:ph type="body"/>
-          </p:nvPr>
-        </p:nvSpPr>
-        <p:spPr>
-          <a:xfrm>
-            <a:off x="457200" y="1604520"/>
-            <a:ext cx="8229240" cy="3977280"/>
-          </a:xfrm>
-          <a:prstGeom prst="rect">
-            <a:avLst/>
-          </a:prstGeom>
-        </p:spPr>
-        <p:txBody>
-          <a:bodyPr bIns="0" lIns="0" rIns="0" tIns="0" wrap="none"/>
-          <a:p>
-            <a:pPr>
-              <a:buSzPct val="45000"/>
-              <a:buFont typeface="StarSymbol"/>
-              <a:buChar char=""/>
-            </a:pPr>
-            <a:r>
-              <a:rPr lang="pt-BR"/>
-              <a:t>Click to edit the outline text format</a:t>
-            </a:r>
-            <a:endParaRPr/>
-          </a:p>
-          <a:p>
-            <a:pPr lvl="1">
-              <a:buSzPct val="45000"/>
-              <a:buFont typeface="StarSymbol"/>
-              <a:buChar char=""/>
-            </a:pPr>
-            <a:r>
-              <a:rPr lang="pt-BR"/>
-              <a:t>Second Outline Level</a:t>
-            </a:r>
-            <a:endParaRPr/>
-          </a:p>
-          <a:p>
-            <a:pPr lvl="2">
-              <a:buSzPct val="75000"/>
-              <a:buFont typeface="StarSymbol"/>
-              <a:buChar char=""/>
-            </a:pPr>
-            <a:r>
-              <a:rPr lang="pt-BR"/>
-              <a:t>Third Outline Level</a:t>
-            </a:r>
-            <a:endParaRPr/>
-          </a:p>
-          <a:p>
-            <a:pPr lvl="3">
-              <a:buSzPct val="45000"/>
-              <a:buFont typeface="StarSymbol"/>
-              <a:buChar char=""/>
-            </a:pPr>
-            <a:r>
-              <a:rPr lang="pt-BR"/>
-              <a:t>Fourth Outline Level</a:t>
-            </a:r>
-            <a:endParaRPr/>
-          </a:p>
-          <a:p>
-            <a:pPr lvl="4">
-              <a:buSzPct val="75000"/>
-              <a:buFont typeface="StarSymbol"/>
-              <a:buChar char=""/>
-            </a:pPr>
-            <a:r>
-              <a:rPr lang="pt-BR"/>
-              <a:t>Fifth Outline Level</a:t>
-            </a:r>
-            <a:endParaRPr/>
-          </a:p>
-          <a:p>
-            <a:pPr lvl="5">
-              <a:buSzPct val="45000"/>
-              <a:buFont typeface="StarSymbol"/>
-              <a:buChar char=""/>
-            </a:pPr>
-            <a:r>
-              <a:rPr lang="pt-BR"/>
-              <a:t>Sixth Outline Level</a:t>
-            </a:r>
-            <a:endParaRPr/>
-          </a:p>
-          <a:p>
-            <a:pPr lvl="6">
-              <a:buSzPct val="45000"/>
-              <a:buFont typeface="StarSymbol"/>
-              <a:buChar char=""/>
-            </a:pPr>
-            <a:r>
-              <a:rPr lang="pt-BR"/>
-              <a:t>Seventh Outline Level</a:t>
-            </a:r>
-            <a:endParaRPr/>
-          </a:p>
-        </p:txBody>
-      </p:sp>
-    </p:spTree>
-  </p:cSld>
-  <p:clrMap accent1="accent1" accent2="accent2" accent3="accent3" accent4="accent4" accent5="accent5" accent6="accent6" bg1="lt1" bg2="lt2" folHlink="folHlink" hlink="hlink" tx1="dk1" tx2="dk2"/>
-  <p:sldLayoutIdLst>
-    <p:sldLayoutId id="2147483662" r:id="rId2"/>
-    <p:sldLayoutId id="2147483663" r:id="rId3"/>
-    <p:sldLayoutId id="2147483664" r:id="rId4"/>
-    <p:sldLayoutId id="2147483665" r:id="rId5"/>
-    <p:sldLayoutId id="2147483666" r:id="rId6"/>
-    <p:sldLayoutId id="2147483667" r:id="rId7"/>
-    <p:sldLayoutId id="2147483668" r:id="rId8"/>
-    <p:sldLayoutId id="2147483669" r:id="rId9"/>
-    <p:sldLayoutId id="2147483670" r:id="rId10"/>
-    <p:sldLayoutId id="2147483671" r:id="rId11"/>
-    <p:sldLayoutId id="2147483672" r:id="rId12"/>
-    <p:sldLayoutId id="2147483673" r:id="rId13"/>
-  </p:sldLayoutIdLst>
-</p:sldMaster>
-</file>
-
 <file path=ppt/slides/slide1.xml><?xml version="1.0" encoding="utf-8"?>
 <p:sld xmlns:a="http://schemas.openxmlformats.org/drawingml/2006/main" xmlns:p="http://schemas.openxmlformats.org/presentationml/2006/main" xmlns:r="http://schemas.openxmlformats.org/officeDocument/2006/relationships">
   <p:cSld>
@@ -3923,7 +2463,7 @@
       </p:grpSpPr>
       <p:pic>
         <p:nvPicPr>
-          <p:cNvPr descr="" id="79" name=""/>
+          <p:cNvPr descr="" id="39" name=""/>
           <p:cNvPicPr/>
           <p:nvPr/>
         </p:nvPicPr>
@@ -3935,8 +2475,8 @@
         </p:blipFill>
         <p:spPr>
           <a:xfrm>
-            <a:off x="6480" y="0"/>
-            <a:ext cx="9137520" cy="6857640"/>
+            <a:off x="0" y="0"/>
+            <a:ext cx="9135360" cy="6855480"/>
           </a:xfrm>
           <a:prstGeom prst="rect">
             <a:avLst/>
@@ -3945,45 +2485,43 @@
       </p:pic>
       <p:sp>
         <p:nvSpPr>
-          <p:cNvPr id="80" name="TextShape 1"/>
-          <p:cNvSpPr txBox="1"/>
+          <p:cNvPr id="40" name="CustomShape 1"/>
+          <p:cNvSpPr/>
           <p:nvPr/>
         </p:nvSpPr>
         <p:spPr>
           <a:xfrm>
             <a:off x="0" y="0"/>
-            <a:ext cx="9143640" cy="1628280"/>
+            <a:ext cx="9141480" cy="1626120"/>
+          </a:xfrm>
+          <a:prstGeom prst="rect">
+            <a:avLst/>
+          </a:prstGeom>
+        </p:spPr>
+      </p:sp>
+      <p:sp>
+        <p:nvSpPr>
+          <p:cNvPr id="41" name="CustomShape 2"/>
+          <p:cNvSpPr/>
+          <p:nvPr/>
+        </p:nvSpPr>
+        <p:spPr>
+          <a:xfrm>
+            <a:off x="1879560" y="2520000"/>
+            <a:ext cx="6398280" cy="2855520"/>
           </a:xfrm>
           <a:prstGeom prst="rect">
             <a:avLst/>
           </a:prstGeom>
         </p:spPr>
         <p:txBody>
-          <a:bodyPr anchor="ctr"/>
+          <a:bodyPr anchor="ctr" bIns="45000" lIns="90000" rIns="90000" tIns="45000"/>
           <a:p>
-            <a:endParaRPr/>
-          </a:p>
-        </p:txBody>
-      </p:sp>
-      <p:sp>
-        <p:nvSpPr>
-          <p:cNvPr id="81" name="TextShape 2"/>
-          <p:cNvSpPr txBox="1"/>
-          <p:nvPr/>
-        </p:nvSpPr>
-        <p:spPr>
-          <a:xfrm>
-            <a:off x="1879560" y="2520000"/>
-            <a:ext cx="6400440" cy="2857680"/>
-          </a:xfrm>
-          <a:prstGeom prst="rect">
-            <a:avLst/>
-          </a:prstGeom>
-        </p:spPr>
-        <p:txBody>
-          <a:bodyPr anchor="ctr"/>
-          <a:p>
-            <a:pPr algn="ctr"/>
+            <a:pPr algn="ctr">
+              <a:lnSpc>
+                <a:spcPct val="100000"/>
+              </a:lnSpc>
+            </a:pPr>
             <a:r>
               <a:rPr lang="pt-BR">
                 <a:solidFill>
@@ -3996,7 +2534,11 @@
             <a:endParaRPr/>
           </a:p>
           <a:p>
-            <a:pPr algn="ctr"/>
+            <a:pPr algn="ctr">
+              <a:lnSpc>
+                <a:spcPct val="100000"/>
+              </a:lnSpc>
+            </a:pPr>
             <a:r>
               <a:rPr lang="pt-BR">
                 <a:solidFill>
@@ -4012,14 +2554,14 @@
       </p:sp>
       <p:sp>
         <p:nvSpPr>
-          <p:cNvPr id="82" name="CustomShape 3"/>
+          <p:cNvPr id="42" name="CustomShape 3"/>
           <p:cNvSpPr/>
           <p:nvPr/>
         </p:nvSpPr>
         <p:spPr>
           <a:xfrm>
             <a:off x="474840" y="188640"/>
-            <a:ext cx="8193600" cy="1233000"/>
+            <a:ext cx="8191440" cy="1230840"/>
           </a:xfrm>
           <a:prstGeom prst="rect">
             <a:avLst/>
@@ -4028,25 +2570,25 @@
       </p:sp>
       <p:graphicFrame>
         <p:nvGraphicFramePr>
-          <p:cNvPr id="83" name="Table 4"/>
+          <p:cNvPr id="43" name="Table 4"/>
           <p:cNvGraphicFramePr/>
           <p:nvPr/>
         </p:nvGraphicFramePr>
         <p:xfrm>
           <a:off x="1984680" y="5636880"/>
-          <a:ext cx="2695320" cy="359640"/>
+          <a:ext cx="3127320" cy="560880"/>
         </p:xfrm>
         <a:graphic>
           <a:graphicData uri="http://schemas.openxmlformats.org/drawingml/2006/table">
             <a:tbl>
               <a:tblPr/>
               <a:tblGrid>
-                <a:gridCol w="2695680"/>
+                <a:gridCol w="3127320"/>
               </a:tblGrid>
-              <a:tr h="360000">
-                <a:tc>
-                  <a:txBody>
-                    <a:bodyPr wrap="none"/>
+              <a:tr h="357480">
+                <a:tc>
+                  <a:txBody>
+                    <a:bodyPr bIns="36000" lIns="36000" rIns="36000" tIns="36000" wrap="none"/>
                     <a:p>
                       <a:pPr>
                         <a:lnSpc>
@@ -4058,6 +2600,7 @@
                           <a:solidFill>
                             <a:srgbClr val="000000"/>
                           </a:solidFill>
+                          <a:latin typeface="Times New Roman"/>
                         </a:rPr>
                         <a:t>Ricardo França Rodrigues</a:t>
                       </a:r>
@@ -4073,6 +2616,35 @@
       </p:graphicFrame>
     </p:spTree>
   </p:cSld>
+  <p:timing>
+    <p:tnLst>
+      <p:par>
+        <p:cTn dur="indefinite" id="1" nodeType="tmRoot" restart="never">
+          <p:childTnLst>
+            <p:seq>
+              <p:cTn id="2" nodeType="mainSeq">
+                <p:childTnLst/>
+              </p:cTn>
+              <p:prevCondLst>
+                <p:cond delay="0" evt="onPrev">
+                  <p:tgtEl>
+                    <p:sldTgt/>
+                  </p:tgtEl>
+                </p:cond>
+              </p:prevCondLst>
+              <p:nextCondLst>
+                <p:cond delay="0" evt="onNext">
+                  <p:tgtEl>
+                    <p:sldTgt/>
+                  </p:tgtEl>
+                </p:cond>
+              </p:nextCondLst>
+            </p:seq>
+          </p:childTnLst>
+        </p:cTn>
+      </p:par>
+    </p:tnLst>
+  </p:timing>
 </p:sld>
 </file>
 
@@ -4095,7 +2667,7 @@
       </p:grpSpPr>
       <p:pic>
         <p:nvPicPr>
-          <p:cNvPr descr="" id="177" name=""/>
+          <p:cNvPr descr="" id="137" name=""/>
           <p:cNvPicPr/>
           <p:nvPr/>
         </p:nvPicPr>
@@ -4108,7 +2680,7 @@
         <p:spPr>
           <a:xfrm>
             <a:off x="6480" y="0"/>
-            <a:ext cx="9137520" cy="6857640"/>
+            <a:ext cx="9135360" cy="6855480"/>
           </a:xfrm>
           <a:prstGeom prst="rect">
             <a:avLst/>
@@ -4117,59 +2689,46 @@
       </p:pic>
       <p:sp>
         <p:nvSpPr>
-          <p:cNvPr id="178" name="TextShape 1"/>
-          <p:cNvSpPr txBox="1"/>
+          <p:cNvPr id="138" name="CustomShape 1"/>
+          <p:cNvSpPr/>
           <p:nvPr/>
         </p:nvSpPr>
         <p:spPr>
           <a:xfrm>
             <a:off x="0" y="0"/>
-            <a:ext cx="9143640" cy="1628280"/>
-          </a:xfrm>
-          <a:prstGeom prst="rect">
-            <a:avLst/>
-          </a:prstGeom>
-        </p:spPr>
-        <p:txBody>
-          <a:bodyPr anchor="ctr"/>
-          <a:p>
-            <a:endParaRPr/>
-          </a:p>
-        </p:txBody>
-      </p:sp>
-      <p:sp>
-        <p:nvSpPr>
-          <p:cNvPr id="179" name="TextShape 2"/>
-          <p:cNvSpPr txBox="1"/>
+            <a:ext cx="9141480" cy="1626120"/>
+          </a:xfrm>
+          <a:prstGeom prst="rect">
+            <a:avLst/>
+          </a:prstGeom>
+        </p:spPr>
+      </p:sp>
+      <p:sp>
+        <p:nvSpPr>
+          <p:cNvPr id="139" name="CustomShape 2"/>
+          <p:cNvSpPr/>
           <p:nvPr/>
         </p:nvSpPr>
         <p:spPr>
           <a:xfrm>
             <a:off x="1879560" y="2520000"/>
-            <a:ext cx="6400440" cy="2857680"/>
-          </a:xfrm>
-          <a:prstGeom prst="rect">
-            <a:avLst/>
-          </a:prstGeom>
-        </p:spPr>
-        <p:txBody>
-          <a:bodyPr anchor="ctr"/>
-          <a:p>
-            <a:pPr algn="ctr"/>
-            <a:endParaRPr/>
-          </a:p>
-        </p:txBody>
-      </p:sp>
-      <p:sp>
-        <p:nvSpPr>
-          <p:cNvPr id="180" name="CustomShape 3"/>
+            <a:ext cx="6398280" cy="2855520"/>
+          </a:xfrm>
+          <a:prstGeom prst="rect">
+            <a:avLst/>
+          </a:prstGeom>
+        </p:spPr>
+      </p:sp>
+      <p:sp>
+        <p:nvSpPr>
+          <p:cNvPr id="140" name="CustomShape 3"/>
           <p:cNvSpPr/>
           <p:nvPr/>
         </p:nvSpPr>
         <p:spPr>
           <a:xfrm>
             <a:off x="474840" y="188640"/>
-            <a:ext cx="8193600" cy="1233000"/>
+            <a:ext cx="8191440" cy="1230840"/>
           </a:xfrm>
           <a:prstGeom prst="rect">
             <a:avLst/>
@@ -4178,20 +2737,20 @@
       </p:sp>
       <p:graphicFrame>
         <p:nvGraphicFramePr>
-          <p:cNvPr id="181" name="Table 4"/>
+          <p:cNvPr id="141" name="Table 4"/>
           <p:cNvGraphicFramePr/>
           <p:nvPr/>
         </p:nvGraphicFramePr>
         <p:xfrm>
           <a:off x="-9720" y="3460320"/>
-          <a:ext cx="1762920" cy="3103560"/>
+          <a:ext cx="1760760" cy="3101400"/>
         </p:xfrm>
         <a:graphic>
           <a:graphicData uri="http://schemas.openxmlformats.org/drawingml/2006/table">
             <a:tbl>
               <a:tblPr/>
               <a:tblGrid>
-                <a:gridCol w="1763280"/>
+                <a:gridCol w="1760760"/>
               </a:tblGrid>
               <a:tr h="497880">
                 <a:tc>
@@ -4293,7 +2852,7 @@
                   <a:tcPr/>
                 </a:tc>
               </a:tr>
-              <a:tr h="497160">
+              <a:tr h="494640">
                 <a:tc>
                   <a:txBody>
                     <a:bodyPr wrap="none"/>
@@ -4319,22 +2878,22 @@
       </p:graphicFrame>
       <p:graphicFrame>
         <p:nvGraphicFramePr>
-          <p:cNvPr id="182" name="Table 5"/>
+          <p:cNvPr id="142" name="Table 5"/>
           <p:cNvGraphicFramePr/>
           <p:nvPr/>
         </p:nvGraphicFramePr>
         <p:xfrm>
           <a:off x="1872360" y="1839600"/>
-          <a:ext cx="6441480" cy="365760"/>
+          <a:ext cx="6439320" cy="363600"/>
         </p:xfrm>
         <a:graphic>
           <a:graphicData uri="http://schemas.openxmlformats.org/drawingml/2006/table">
             <a:tbl>
               <a:tblPr/>
               <a:tblGrid>
-                <a:gridCol w="6441840"/>
+                <a:gridCol w="6439320"/>
               </a:tblGrid>
-              <a:tr h="365760">
+              <a:tr h="363600">
                 <a:tc>
                   <a:txBody>
                     <a:bodyPr wrap="none"/>
@@ -4365,22 +2924,22 @@
       </p:graphicFrame>
       <p:graphicFrame>
         <p:nvGraphicFramePr>
-          <p:cNvPr id="183" name="Table 6"/>
+          <p:cNvPr id="143" name="Table 6"/>
           <p:cNvGraphicFramePr/>
           <p:nvPr/>
         </p:nvGraphicFramePr>
         <p:xfrm>
           <a:off x="-4680" y="2922840"/>
-          <a:ext cx="3244680" cy="365760"/>
+          <a:ext cx="3242520" cy="363600"/>
         </p:xfrm>
         <a:graphic>
           <a:graphicData uri="http://schemas.openxmlformats.org/drawingml/2006/table">
             <a:tbl>
               <a:tblPr/>
               <a:tblGrid>
-                <a:gridCol w="3245040"/>
+                <a:gridCol w="3242520"/>
               </a:tblGrid>
-              <a:tr h="365760">
+              <a:tr h="363600">
                 <a:tc>
                   <a:txBody>
                     <a:bodyPr wrap="none"/>
@@ -4411,22 +2970,22 @@
       </p:graphicFrame>
       <p:graphicFrame>
         <p:nvGraphicFramePr>
-          <p:cNvPr id="184" name="Table 7"/>
+          <p:cNvPr id="144" name="Table 7"/>
           <p:cNvGraphicFramePr/>
           <p:nvPr/>
         </p:nvGraphicFramePr>
         <p:xfrm>
           <a:off x="1782360" y="5270760"/>
-          <a:ext cx="2897280" cy="431280"/>
+          <a:ext cx="2895120" cy="429120"/>
         </p:xfrm>
         <a:graphic>
           <a:graphicData uri="http://schemas.openxmlformats.org/drawingml/2006/table">
             <a:tbl>
               <a:tblPr/>
               <a:tblGrid>
-                <a:gridCol w="2897640"/>
+                <a:gridCol w="2895120"/>
               </a:tblGrid>
-              <a:tr h="431640">
+              <a:tr h="429120">
                 <a:tc>
                   <a:txBody>
                     <a:bodyPr wrap="none"/>
@@ -4457,22 +3016,22 @@
       </p:graphicFrame>
       <p:graphicFrame>
         <p:nvGraphicFramePr>
-          <p:cNvPr id="185" name="Table 8"/>
+          <p:cNvPr id="145" name="Table 8"/>
           <p:cNvGraphicFramePr/>
           <p:nvPr/>
         </p:nvGraphicFramePr>
         <p:xfrm>
           <a:off x="5277960" y="3485880"/>
-          <a:ext cx="2094840" cy="431280"/>
+          <a:ext cx="2092680" cy="429120"/>
         </p:xfrm>
         <a:graphic>
           <a:graphicData uri="http://schemas.openxmlformats.org/drawingml/2006/table">
             <a:tbl>
               <a:tblPr/>
               <a:tblGrid>
-                <a:gridCol w="2095200"/>
+                <a:gridCol w="2092680"/>
               </a:tblGrid>
-              <a:tr h="431640">
+              <a:tr h="429120">
                 <a:tc>
                   <a:txBody>
                     <a:bodyPr wrap="none"/>
@@ -4503,22 +3062,22 @@
       </p:graphicFrame>
       <p:graphicFrame>
         <p:nvGraphicFramePr>
-          <p:cNvPr id="186" name="Table 9"/>
+          <p:cNvPr id="146" name="Table 9"/>
           <p:cNvGraphicFramePr/>
           <p:nvPr/>
         </p:nvGraphicFramePr>
         <p:xfrm>
           <a:off x="1668960" y="3485520"/>
-          <a:ext cx="1747800" cy="431280"/>
+          <a:ext cx="1745640" cy="429120"/>
         </p:xfrm>
         <a:graphic>
           <a:graphicData uri="http://schemas.openxmlformats.org/drawingml/2006/table">
             <a:tbl>
               <a:tblPr/>
               <a:tblGrid>
-                <a:gridCol w="1748160"/>
+                <a:gridCol w="1745640"/>
               </a:tblGrid>
-              <a:tr h="431640">
+              <a:tr h="429120">
                 <a:tc>
                   <a:txBody>
                     <a:bodyPr wrap="none"/>
@@ -4549,22 +3108,22 @@
       </p:graphicFrame>
       <p:graphicFrame>
         <p:nvGraphicFramePr>
-          <p:cNvPr id="187" name="Table 10"/>
+          <p:cNvPr id="147" name="Table 10"/>
           <p:cNvGraphicFramePr/>
           <p:nvPr/>
         </p:nvGraphicFramePr>
         <p:xfrm>
           <a:off x="5164200" y="5268600"/>
-          <a:ext cx="3044520" cy="431280"/>
+          <a:ext cx="3042360" cy="429120"/>
         </p:xfrm>
         <a:graphic>
           <a:graphicData uri="http://schemas.openxmlformats.org/drawingml/2006/table">
             <a:tbl>
               <a:tblPr/>
               <a:tblGrid>
-                <a:gridCol w="3044880"/>
+                <a:gridCol w="3042360"/>
               </a:tblGrid>
-              <a:tr h="431640">
+              <a:tr h="429120">
                 <a:tc>
                   <a:txBody>
                     <a:bodyPr wrap="none"/>
@@ -4595,7 +3154,7 @@
       </p:graphicFrame>
       <p:pic>
         <p:nvPicPr>
-          <p:cNvPr descr="" id="188" name=""/>
+          <p:cNvPr descr="" id="148" name=""/>
           <p:cNvPicPr/>
           <p:nvPr/>
         </p:nvPicPr>
@@ -4608,7 +3167,7 @@
         <p:spPr>
           <a:xfrm>
             <a:off x="1980000" y="4033080"/>
-            <a:ext cx="1717920" cy="826920"/>
+            <a:ext cx="1715760" cy="824760"/>
           </a:xfrm>
           <a:prstGeom prst="rect">
             <a:avLst/>
@@ -4617,7 +3176,7 @@
       </p:pic>
       <p:pic>
         <p:nvPicPr>
-          <p:cNvPr descr="" id="189" name=""/>
+          <p:cNvPr descr="" id="149" name=""/>
           <p:cNvPicPr/>
           <p:nvPr/>
         </p:nvPicPr>
@@ -4630,7 +3189,7 @@
         <p:spPr>
           <a:xfrm>
             <a:off x="5400000" y="3850920"/>
-            <a:ext cx="1440000" cy="1369080"/>
+            <a:ext cx="1437840" cy="1366920"/>
           </a:xfrm>
           <a:prstGeom prst="rect">
             <a:avLst/>
@@ -4639,7 +3198,7 @@
       </p:pic>
       <p:pic>
         <p:nvPicPr>
-          <p:cNvPr descr="" id="190" name=""/>
+          <p:cNvPr descr="" id="150" name=""/>
           <p:cNvPicPr/>
           <p:nvPr/>
         </p:nvPicPr>
@@ -4652,7 +3211,7 @@
         <p:spPr>
           <a:xfrm>
             <a:off x="5400000" y="5629680"/>
-            <a:ext cx="1485720" cy="1228320"/>
+            <a:ext cx="1483560" cy="1226160"/>
           </a:xfrm>
           <a:prstGeom prst="rect">
             <a:avLst/>
@@ -4661,6 +3220,35 @@
       </p:pic>
     </p:spTree>
   </p:cSld>
+  <p:timing>
+    <p:tnLst>
+      <p:par>
+        <p:cTn dur="indefinite" id="19" nodeType="tmRoot" restart="never">
+          <p:childTnLst>
+            <p:seq>
+              <p:cTn id="20" nodeType="mainSeq">
+                <p:childTnLst/>
+              </p:cTn>
+              <p:prevCondLst>
+                <p:cond delay="0" evt="onPrev">
+                  <p:tgtEl>
+                    <p:sldTgt/>
+                  </p:tgtEl>
+                </p:cond>
+              </p:prevCondLst>
+              <p:nextCondLst>
+                <p:cond delay="0" evt="onNext">
+                  <p:tgtEl>
+                    <p:sldTgt/>
+                  </p:tgtEl>
+                </p:cond>
+              </p:nextCondLst>
+            </p:seq>
+          </p:childTnLst>
+        </p:cTn>
+      </p:par>
+    </p:tnLst>
+  </p:timing>
 </p:sld>
 </file>
 
@@ -4683,7 +3271,7 @@
       </p:grpSpPr>
       <p:pic>
         <p:nvPicPr>
-          <p:cNvPr descr="" id="191" name=""/>
+          <p:cNvPr descr="" id="151" name=""/>
           <p:cNvPicPr/>
           <p:nvPr/>
         </p:nvPicPr>
@@ -4696,7 +3284,7 @@
         <p:spPr>
           <a:xfrm>
             <a:off x="6480" y="0"/>
-            <a:ext cx="9137520" cy="6857640"/>
+            <a:ext cx="9135360" cy="6855480"/>
           </a:xfrm>
           <a:prstGeom prst="rect">
             <a:avLst/>
@@ -4705,59 +3293,46 @@
       </p:pic>
       <p:sp>
         <p:nvSpPr>
-          <p:cNvPr id="192" name="TextShape 1"/>
-          <p:cNvSpPr txBox="1"/>
+          <p:cNvPr id="152" name="CustomShape 1"/>
+          <p:cNvSpPr/>
           <p:nvPr/>
         </p:nvSpPr>
         <p:spPr>
           <a:xfrm>
             <a:off x="0" y="0"/>
-            <a:ext cx="9143640" cy="1628280"/>
-          </a:xfrm>
-          <a:prstGeom prst="rect">
-            <a:avLst/>
-          </a:prstGeom>
-        </p:spPr>
-        <p:txBody>
-          <a:bodyPr anchor="ctr"/>
-          <a:p>
-            <a:endParaRPr/>
-          </a:p>
-        </p:txBody>
-      </p:sp>
-      <p:sp>
-        <p:nvSpPr>
-          <p:cNvPr id="193" name="TextShape 2"/>
-          <p:cNvSpPr txBox="1"/>
+            <a:ext cx="9141480" cy="1626120"/>
+          </a:xfrm>
+          <a:prstGeom prst="rect">
+            <a:avLst/>
+          </a:prstGeom>
+        </p:spPr>
+      </p:sp>
+      <p:sp>
+        <p:nvSpPr>
+          <p:cNvPr id="153" name="CustomShape 2"/>
+          <p:cNvSpPr/>
           <p:nvPr/>
         </p:nvSpPr>
         <p:spPr>
           <a:xfrm>
             <a:off x="1879560" y="2520000"/>
-            <a:ext cx="6400440" cy="2857680"/>
-          </a:xfrm>
-          <a:prstGeom prst="rect">
-            <a:avLst/>
-          </a:prstGeom>
-        </p:spPr>
-        <p:txBody>
-          <a:bodyPr anchor="ctr"/>
-          <a:p>
-            <a:pPr algn="ctr"/>
-            <a:endParaRPr/>
-          </a:p>
-        </p:txBody>
-      </p:sp>
-      <p:sp>
-        <p:nvSpPr>
-          <p:cNvPr id="194" name="CustomShape 3"/>
+            <a:ext cx="6398280" cy="2855520"/>
+          </a:xfrm>
+          <a:prstGeom prst="rect">
+            <a:avLst/>
+          </a:prstGeom>
+        </p:spPr>
+      </p:sp>
+      <p:sp>
+        <p:nvSpPr>
+          <p:cNvPr id="154" name="CustomShape 3"/>
           <p:cNvSpPr/>
           <p:nvPr/>
         </p:nvSpPr>
         <p:spPr>
           <a:xfrm>
             <a:off x="474840" y="188640"/>
-            <a:ext cx="8193600" cy="1233000"/>
+            <a:ext cx="8191440" cy="1230840"/>
           </a:xfrm>
           <a:prstGeom prst="rect">
             <a:avLst/>
@@ -4766,22 +3341,22 @@
       </p:sp>
       <p:graphicFrame>
         <p:nvGraphicFramePr>
-          <p:cNvPr id="195" name="Table 4"/>
+          <p:cNvPr id="155" name="Table 4"/>
           <p:cNvGraphicFramePr/>
           <p:nvPr/>
         </p:nvGraphicFramePr>
         <p:xfrm>
           <a:off x="-5040" y="2922840"/>
-          <a:ext cx="1984680" cy="365760"/>
+          <a:ext cx="1982520" cy="363600"/>
         </p:xfrm>
         <a:graphic>
           <a:graphicData uri="http://schemas.openxmlformats.org/drawingml/2006/table">
             <a:tbl>
               <a:tblPr/>
               <a:tblGrid>
-                <a:gridCol w="1985040"/>
+                <a:gridCol w="1982520"/>
               </a:tblGrid>
-              <a:tr h="365760">
+              <a:tr h="363600">
                 <a:tc>
                   <a:txBody>
                     <a:bodyPr wrap="none"/>
@@ -4812,20 +3387,20 @@
       </p:graphicFrame>
       <p:graphicFrame>
         <p:nvGraphicFramePr>
-          <p:cNvPr id="196" name="Table 5"/>
+          <p:cNvPr id="156" name="Table 5"/>
           <p:cNvGraphicFramePr/>
           <p:nvPr/>
         </p:nvGraphicFramePr>
         <p:xfrm>
           <a:off x="-9720" y="3460320"/>
-          <a:ext cx="1762920" cy="3103560"/>
+          <a:ext cx="1760760" cy="3101400"/>
         </p:xfrm>
         <a:graphic>
           <a:graphicData uri="http://schemas.openxmlformats.org/drawingml/2006/table">
             <a:tbl>
               <a:tblPr/>
               <a:tblGrid>
-                <a:gridCol w="1763280"/>
+                <a:gridCol w="1760760"/>
               </a:tblGrid>
               <a:tr h="497880">
                 <a:tc>
@@ -4927,7 +3502,7 @@
                   <a:tcPr/>
                 </a:tc>
               </a:tr>
-              <a:tr h="497160">
+              <a:tr h="494640">
                 <a:tc>
                   <a:txBody>
                     <a:bodyPr wrap="none"/>
@@ -4953,22 +3528,22 @@
       </p:graphicFrame>
       <p:graphicFrame>
         <p:nvGraphicFramePr>
-          <p:cNvPr id="197" name="Table 6"/>
+          <p:cNvPr id="157" name="Table 6"/>
           <p:cNvGraphicFramePr/>
           <p:nvPr/>
         </p:nvGraphicFramePr>
         <p:xfrm>
           <a:off x="1872360" y="1839600"/>
-          <a:ext cx="6441480" cy="365760"/>
+          <a:ext cx="6439320" cy="363600"/>
         </p:xfrm>
         <a:graphic>
           <a:graphicData uri="http://schemas.openxmlformats.org/drawingml/2006/table">
             <a:tbl>
               <a:tblPr/>
               <a:tblGrid>
-                <a:gridCol w="6441840"/>
+                <a:gridCol w="6439320"/>
               </a:tblGrid>
-              <a:tr h="365760">
+              <a:tr h="363600">
                 <a:tc>
                   <a:txBody>
                     <a:bodyPr wrap="none"/>
@@ -4999,7 +3574,7 @@
       </p:graphicFrame>
       <p:pic>
         <p:nvPicPr>
-          <p:cNvPr descr="" id="198" name=""/>
+          <p:cNvPr descr="" id="158" name=""/>
           <p:cNvPicPr/>
           <p:nvPr/>
         </p:nvPicPr>
@@ -5012,7 +3587,7 @@
         <p:spPr>
           <a:xfrm>
             <a:off x="3060000" y="2850480"/>
-            <a:ext cx="3060000" cy="3269520"/>
+            <a:ext cx="3057840" cy="3267360"/>
           </a:xfrm>
           <a:prstGeom prst="rect">
             <a:avLst/>
@@ -5021,6 +3596,35 @@
       </p:pic>
     </p:spTree>
   </p:cSld>
+  <p:timing>
+    <p:tnLst>
+      <p:par>
+        <p:cTn dur="indefinite" id="21" nodeType="tmRoot" restart="never">
+          <p:childTnLst>
+            <p:seq>
+              <p:cTn id="22" nodeType="mainSeq">
+                <p:childTnLst/>
+              </p:cTn>
+              <p:prevCondLst>
+                <p:cond delay="0" evt="onPrev">
+                  <p:tgtEl>
+                    <p:sldTgt/>
+                  </p:tgtEl>
+                </p:cond>
+              </p:prevCondLst>
+              <p:nextCondLst>
+                <p:cond delay="0" evt="onNext">
+                  <p:tgtEl>
+                    <p:sldTgt/>
+                  </p:tgtEl>
+                </p:cond>
+              </p:nextCondLst>
+            </p:seq>
+          </p:childTnLst>
+        </p:cTn>
+      </p:par>
+    </p:tnLst>
+  </p:timing>
 </p:sld>
 </file>
 
@@ -5043,7 +3647,7 @@
       </p:grpSpPr>
       <p:pic>
         <p:nvPicPr>
-          <p:cNvPr descr="" id="199" name=""/>
+          <p:cNvPr descr="" id="159" name=""/>
           <p:cNvPicPr/>
           <p:nvPr/>
         </p:nvPicPr>
@@ -5056,7 +3660,7 @@
         <p:spPr>
           <a:xfrm>
             <a:off x="6480" y="0"/>
-            <a:ext cx="9137520" cy="6857640"/>
+            <a:ext cx="9135360" cy="6855480"/>
           </a:xfrm>
           <a:prstGeom prst="rect">
             <a:avLst/>
@@ -5065,59 +3669,46 @@
       </p:pic>
       <p:sp>
         <p:nvSpPr>
-          <p:cNvPr id="200" name="TextShape 1"/>
-          <p:cNvSpPr txBox="1"/>
+          <p:cNvPr id="160" name="CustomShape 1"/>
+          <p:cNvSpPr/>
           <p:nvPr/>
         </p:nvSpPr>
         <p:spPr>
           <a:xfrm>
             <a:off x="0" y="0"/>
-            <a:ext cx="9143640" cy="1628280"/>
-          </a:xfrm>
-          <a:prstGeom prst="rect">
-            <a:avLst/>
-          </a:prstGeom>
-        </p:spPr>
-        <p:txBody>
-          <a:bodyPr anchor="ctr"/>
-          <a:p>
-            <a:endParaRPr/>
-          </a:p>
-        </p:txBody>
-      </p:sp>
-      <p:sp>
-        <p:nvSpPr>
-          <p:cNvPr id="201" name="TextShape 2"/>
-          <p:cNvSpPr txBox="1"/>
+            <a:ext cx="9141480" cy="1626120"/>
+          </a:xfrm>
+          <a:prstGeom prst="rect">
+            <a:avLst/>
+          </a:prstGeom>
+        </p:spPr>
+      </p:sp>
+      <p:sp>
+        <p:nvSpPr>
+          <p:cNvPr id="161" name="CustomShape 2"/>
+          <p:cNvSpPr/>
           <p:nvPr/>
         </p:nvSpPr>
         <p:spPr>
           <a:xfrm>
             <a:off x="1879560" y="2520000"/>
-            <a:ext cx="6400440" cy="2857680"/>
-          </a:xfrm>
-          <a:prstGeom prst="rect">
-            <a:avLst/>
-          </a:prstGeom>
-        </p:spPr>
-        <p:txBody>
-          <a:bodyPr anchor="ctr"/>
-          <a:p>
-            <a:pPr algn="ctr"/>
-            <a:endParaRPr/>
-          </a:p>
-        </p:txBody>
-      </p:sp>
-      <p:sp>
-        <p:nvSpPr>
-          <p:cNvPr id="202" name="CustomShape 3"/>
+            <a:ext cx="6398280" cy="2855520"/>
+          </a:xfrm>
+          <a:prstGeom prst="rect">
+            <a:avLst/>
+          </a:prstGeom>
+        </p:spPr>
+      </p:sp>
+      <p:sp>
+        <p:nvSpPr>
+          <p:cNvPr id="162" name="CustomShape 3"/>
           <p:cNvSpPr/>
           <p:nvPr/>
         </p:nvSpPr>
         <p:spPr>
           <a:xfrm>
             <a:off x="474840" y="188640"/>
-            <a:ext cx="8193600" cy="1233000"/>
+            <a:ext cx="8191440" cy="1230840"/>
           </a:xfrm>
           <a:prstGeom prst="rect">
             <a:avLst/>
@@ -5126,22 +3717,22 @@
       </p:sp>
       <p:graphicFrame>
         <p:nvGraphicFramePr>
-          <p:cNvPr id="203" name="Table 4"/>
+          <p:cNvPr id="163" name="Table 4"/>
           <p:cNvGraphicFramePr/>
           <p:nvPr/>
         </p:nvGraphicFramePr>
         <p:xfrm>
           <a:off x="-5040" y="2922840"/>
-          <a:ext cx="1984680" cy="365760"/>
+          <a:ext cx="1982520" cy="363600"/>
         </p:xfrm>
         <a:graphic>
           <a:graphicData uri="http://schemas.openxmlformats.org/drawingml/2006/table">
             <a:tbl>
               <a:tblPr/>
               <a:tblGrid>
-                <a:gridCol w="1985040"/>
+                <a:gridCol w="1982520"/>
               </a:tblGrid>
-              <a:tr h="365760">
+              <a:tr h="363600">
                 <a:tc>
                   <a:txBody>
                     <a:bodyPr wrap="none"/>
@@ -5172,20 +3763,20 @@
       </p:graphicFrame>
       <p:graphicFrame>
         <p:nvGraphicFramePr>
-          <p:cNvPr id="204" name="Table 5"/>
+          <p:cNvPr id="164" name="Table 5"/>
           <p:cNvGraphicFramePr/>
           <p:nvPr/>
         </p:nvGraphicFramePr>
         <p:xfrm>
           <a:off x="-9720" y="3460320"/>
-          <a:ext cx="1762920" cy="3103560"/>
+          <a:ext cx="1760760" cy="3101400"/>
         </p:xfrm>
         <a:graphic>
           <a:graphicData uri="http://schemas.openxmlformats.org/drawingml/2006/table">
             <a:tbl>
               <a:tblPr/>
               <a:tblGrid>
-                <a:gridCol w="1763280"/>
+                <a:gridCol w="1760760"/>
               </a:tblGrid>
               <a:tr h="497880">
                 <a:tc>
@@ -5287,7 +3878,7 @@
                   <a:tcPr/>
                 </a:tc>
               </a:tr>
-              <a:tr h="497160">
+              <a:tr h="494640">
                 <a:tc>
                   <a:txBody>
                     <a:bodyPr wrap="none"/>
@@ -5313,22 +3904,22 @@
       </p:graphicFrame>
       <p:graphicFrame>
         <p:nvGraphicFramePr>
-          <p:cNvPr id="205" name="Table 6"/>
+          <p:cNvPr id="165" name="Table 6"/>
           <p:cNvGraphicFramePr/>
           <p:nvPr/>
         </p:nvGraphicFramePr>
         <p:xfrm>
           <a:off x="1872360" y="1839600"/>
-          <a:ext cx="6441480" cy="365760"/>
+          <a:ext cx="6439320" cy="363600"/>
         </p:xfrm>
         <a:graphic>
           <a:graphicData uri="http://schemas.openxmlformats.org/drawingml/2006/table">
             <a:tbl>
               <a:tblPr/>
               <a:tblGrid>
-                <a:gridCol w="6441840"/>
+                <a:gridCol w="6439320"/>
               </a:tblGrid>
-              <a:tr h="365760">
+              <a:tr h="363600">
                 <a:tc>
                   <a:txBody>
                     <a:bodyPr wrap="none"/>
@@ -5359,22 +3950,22 @@
       </p:graphicFrame>
       <p:graphicFrame>
         <p:nvGraphicFramePr>
-          <p:cNvPr id="206" name="Table 7"/>
+          <p:cNvPr id="166" name="Table 7"/>
           <p:cNvGraphicFramePr/>
           <p:nvPr/>
         </p:nvGraphicFramePr>
         <p:xfrm>
           <a:off x="2002680" y="2754000"/>
-          <a:ext cx="6594840" cy="4797000"/>
+          <a:ext cx="6592680" cy="4794840"/>
         </p:xfrm>
         <a:graphic>
           <a:graphicData uri="http://schemas.openxmlformats.org/drawingml/2006/table">
             <a:tbl>
               <a:tblPr/>
               <a:tblGrid>
-                <a:gridCol w="6595200"/>
+                <a:gridCol w="6592680"/>
               </a:tblGrid>
-              <a:tr h="4797360">
+              <a:tr h="4794840">
                 <a:tc>
                   <a:txBody>
                     <a:bodyPr wrap="none"/>
@@ -5680,6 +4271,35 @@
       </p:graphicFrame>
     </p:spTree>
   </p:cSld>
+  <p:timing>
+    <p:tnLst>
+      <p:par>
+        <p:cTn dur="indefinite" id="23" nodeType="tmRoot" restart="never">
+          <p:childTnLst>
+            <p:seq>
+              <p:cTn id="24" nodeType="mainSeq">
+                <p:childTnLst/>
+              </p:cTn>
+              <p:prevCondLst>
+                <p:cond delay="0" evt="onPrev">
+                  <p:tgtEl>
+                    <p:sldTgt/>
+                  </p:tgtEl>
+                </p:cond>
+              </p:prevCondLst>
+              <p:nextCondLst>
+                <p:cond delay="0" evt="onNext">
+                  <p:tgtEl>
+                    <p:sldTgt/>
+                  </p:tgtEl>
+                </p:cond>
+              </p:nextCondLst>
+            </p:seq>
+          </p:childTnLst>
+        </p:cTn>
+      </p:par>
+    </p:tnLst>
+  </p:timing>
 </p:sld>
 </file>
 
@@ -5702,7 +4322,7 @@
       </p:grpSpPr>
       <p:pic>
         <p:nvPicPr>
-          <p:cNvPr descr="" id="84" name=""/>
+          <p:cNvPr descr="" id="44" name=""/>
           <p:cNvPicPr/>
           <p:nvPr/>
         </p:nvPicPr>
@@ -5715,7 +4335,7 @@
         <p:spPr>
           <a:xfrm>
             <a:off x="6480" y="0"/>
-            <a:ext cx="9137520" cy="6857640"/>
+            <a:ext cx="9135360" cy="6855480"/>
           </a:xfrm>
           <a:prstGeom prst="rect">
             <a:avLst/>
@@ -5724,43 +4344,37 @@
       </p:pic>
       <p:sp>
         <p:nvSpPr>
-          <p:cNvPr id="85" name="TextShape 1"/>
-          <p:cNvSpPr txBox="1"/>
+          <p:cNvPr id="45" name="CustomShape 1"/>
+          <p:cNvSpPr/>
           <p:nvPr/>
         </p:nvSpPr>
         <p:spPr>
           <a:xfrm>
             <a:off x="0" y="0"/>
-            <a:ext cx="9143640" cy="1628280"/>
+            <a:ext cx="9141480" cy="1626120"/>
+          </a:xfrm>
+          <a:prstGeom prst="rect">
+            <a:avLst/>
+          </a:prstGeom>
+        </p:spPr>
+      </p:sp>
+      <p:sp>
+        <p:nvSpPr>
+          <p:cNvPr id="46" name="CustomShape 2"/>
+          <p:cNvSpPr/>
+          <p:nvPr/>
+        </p:nvSpPr>
+        <p:spPr>
+          <a:xfrm>
+            <a:off x="1879560" y="2902320"/>
+            <a:ext cx="6398280" cy="2135520"/>
           </a:xfrm>
           <a:prstGeom prst="rect">
             <a:avLst/>
           </a:prstGeom>
         </p:spPr>
         <p:txBody>
-          <a:bodyPr anchor="ctr"/>
-          <a:p>
-            <a:endParaRPr/>
-          </a:p>
-        </p:txBody>
-      </p:sp>
-      <p:sp>
-        <p:nvSpPr>
-          <p:cNvPr id="86" name="TextShape 2"/>
-          <p:cNvSpPr txBox="1"/>
-          <p:nvPr/>
-        </p:nvSpPr>
-        <p:spPr>
-          <a:xfrm>
-            <a:off x="1879560" y="2902320"/>
-            <a:ext cx="6400440" cy="2137680"/>
-          </a:xfrm>
-          <a:prstGeom prst="rect">
-            <a:avLst/>
-          </a:prstGeom>
-        </p:spPr>
-        <p:txBody>
-          <a:bodyPr anchor="ctr"/>
+          <a:bodyPr anchor="ctr" bIns="45000" lIns="90000" rIns="90000" tIns="45000"/>
           <a:p>
             <a:pPr algn="just">
               <a:lnSpc>
@@ -5793,14 +4407,14 @@
       </p:sp>
       <p:sp>
         <p:nvSpPr>
-          <p:cNvPr id="87" name="CustomShape 3"/>
+          <p:cNvPr id="47" name="CustomShape 3"/>
           <p:cNvSpPr/>
           <p:nvPr/>
         </p:nvSpPr>
         <p:spPr>
           <a:xfrm>
             <a:off x="474840" y="188640"/>
-            <a:ext cx="8193600" cy="1233000"/>
+            <a:ext cx="8191440" cy="1230840"/>
           </a:xfrm>
           <a:prstGeom prst="rect">
             <a:avLst/>
@@ -5809,26 +4423,31 @@
       </p:sp>
       <p:graphicFrame>
         <p:nvGraphicFramePr>
-          <p:cNvPr id="88" name="Table 4"/>
+          <p:cNvPr id="48" name="Table 4"/>
           <p:cNvGraphicFramePr/>
           <p:nvPr/>
         </p:nvGraphicFramePr>
         <p:xfrm>
           <a:off x="-9720" y="3460320"/>
-          <a:ext cx="1762920" cy="3103560"/>
+          <a:ext cx="1760760" cy="3101400"/>
         </p:xfrm>
         <a:graphic>
           <a:graphicData uri="http://schemas.openxmlformats.org/drawingml/2006/table">
             <a:tbl>
               <a:tblPr/>
               <a:tblGrid>
-                <a:gridCol w="1763280"/>
+                <a:gridCol w="1760760"/>
               </a:tblGrid>
               <a:tr h="497880">
                 <a:tc>
                   <a:txBody>
                     <a:bodyPr wrap="none"/>
                     <a:p>
+                      <a:pPr algn="just">
+                        <a:lnSpc>
+                          <a:spcPct val="150000"/>
+                        </a:lnSpc>
+                      </a:pPr>
                       <a:r>
                         <a:rPr lang="pt-BR">
                           <a:solidFill>
@@ -5924,7 +4543,7 @@
                   <a:tcPr/>
                 </a:tc>
               </a:tr>
-              <a:tr h="497160">
+              <a:tr h="494640">
                 <a:tc>
                   <a:txBody>
                     <a:bodyPr wrap="none"/>
@@ -5950,22 +4569,22 @@
       </p:graphicFrame>
       <p:graphicFrame>
         <p:nvGraphicFramePr>
-          <p:cNvPr id="89" name="Table 5"/>
+          <p:cNvPr id="49" name="Table 5"/>
           <p:cNvGraphicFramePr/>
           <p:nvPr/>
         </p:nvGraphicFramePr>
         <p:xfrm>
           <a:off x="1872360" y="1839600"/>
-          <a:ext cx="6441480" cy="365760"/>
+          <a:ext cx="6439320" cy="363600"/>
         </p:xfrm>
         <a:graphic>
           <a:graphicData uri="http://schemas.openxmlformats.org/drawingml/2006/table">
             <a:tbl>
               <a:tblPr/>
               <a:tblGrid>
-                <a:gridCol w="6441840"/>
+                <a:gridCol w="6439320"/>
               </a:tblGrid>
-              <a:tr h="365760">
+              <a:tr h="363600">
                 <a:tc>
                   <a:txBody>
                     <a:bodyPr wrap="none"/>
@@ -5996,7 +4615,7 @@
       </p:graphicFrame>
       <p:pic>
         <p:nvPicPr>
-          <p:cNvPr descr="" id="90" name=""/>
+          <p:cNvPr descr="" id="50" name=""/>
           <p:cNvPicPr/>
           <p:nvPr/>
         </p:nvPicPr>
@@ -6009,7 +4628,7 @@
         <p:spPr>
           <a:xfrm>
             <a:off x="1746000" y="2880000"/>
-            <a:ext cx="774000" cy="698040"/>
+            <a:ext cx="771840" cy="695880"/>
           </a:xfrm>
           <a:prstGeom prst="rect">
             <a:avLst/>
@@ -6018,22 +4637,22 @@
       </p:pic>
       <p:graphicFrame>
         <p:nvGraphicFramePr>
-          <p:cNvPr id="91" name="Table 6"/>
+          <p:cNvPr id="51" name="Table 6"/>
           <p:cNvGraphicFramePr/>
           <p:nvPr/>
         </p:nvGraphicFramePr>
         <p:xfrm>
           <a:off x="-4680" y="2922840"/>
-          <a:ext cx="1804680" cy="359280"/>
+          <a:ext cx="1802520" cy="357120"/>
         </p:xfrm>
         <a:graphic>
           <a:graphicData uri="http://schemas.openxmlformats.org/drawingml/2006/table">
             <a:tbl>
               <a:tblPr/>
               <a:tblGrid>
-                <a:gridCol w="1805040"/>
+                <a:gridCol w="1802520"/>
               </a:tblGrid>
-              <a:tr h="359640">
+              <a:tr h="357120">
                 <a:tc>
                   <a:txBody>
                     <a:bodyPr wrap="none"/>
@@ -6064,22 +4683,22 @@
       </p:graphicFrame>
       <p:graphicFrame>
         <p:nvGraphicFramePr>
-          <p:cNvPr id="92" name="Table 7"/>
+          <p:cNvPr id="52" name="Table 7"/>
           <p:cNvGraphicFramePr/>
           <p:nvPr/>
         </p:nvGraphicFramePr>
         <p:xfrm>
           <a:off x="2949120" y="2548440"/>
-          <a:ext cx="4407120" cy="359280"/>
+          <a:ext cx="4404960" cy="357120"/>
         </p:xfrm>
         <a:graphic>
           <a:graphicData uri="http://schemas.openxmlformats.org/drawingml/2006/table">
             <a:tbl>
               <a:tblPr/>
               <a:tblGrid>
-                <a:gridCol w="4407480"/>
+                <a:gridCol w="4404960"/>
               </a:tblGrid>
-              <a:tr h="359640">
+              <a:tr h="357120">
                 <a:tc>
                   <a:txBody>
                     <a:bodyPr wrap="none"/>
@@ -6110,6 +4729,35 @@
       </p:graphicFrame>
     </p:spTree>
   </p:cSld>
+  <p:timing>
+    <p:tnLst>
+      <p:par>
+        <p:cTn dur="indefinite" id="3" nodeType="tmRoot" restart="never">
+          <p:childTnLst>
+            <p:seq>
+              <p:cTn id="4" nodeType="mainSeq">
+                <p:childTnLst/>
+              </p:cTn>
+              <p:prevCondLst>
+                <p:cond delay="0" evt="onPrev">
+                  <p:tgtEl>
+                    <p:sldTgt/>
+                  </p:tgtEl>
+                </p:cond>
+              </p:prevCondLst>
+              <p:nextCondLst>
+                <p:cond delay="0" evt="onNext">
+                  <p:tgtEl>
+                    <p:sldTgt/>
+                  </p:tgtEl>
+                </p:cond>
+              </p:nextCondLst>
+            </p:seq>
+          </p:childTnLst>
+        </p:cTn>
+      </p:par>
+    </p:tnLst>
+  </p:timing>
 </p:sld>
 </file>
 
@@ -6132,7 +4780,7 @@
       </p:grpSpPr>
       <p:pic>
         <p:nvPicPr>
-          <p:cNvPr descr="" id="93" name=""/>
+          <p:cNvPr descr="" id="53" name=""/>
           <p:cNvPicPr/>
           <p:nvPr/>
         </p:nvPicPr>
@@ -6145,7 +4793,7 @@
         <p:spPr>
           <a:xfrm>
             <a:off x="0" y="360"/>
-            <a:ext cx="9137520" cy="6857640"/>
+            <a:ext cx="9135360" cy="6855480"/>
           </a:xfrm>
           <a:prstGeom prst="rect">
             <a:avLst/>
@@ -6154,59 +4802,46 @@
       </p:pic>
       <p:sp>
         <p:nvSpPr>
-          <p:cNvPr id="94" name="TextShape 1"/>
-          <p:cNvSpPr txBox="1"/>
+          <p:cNvPr id="54" name="CustomShape 1"/>
+          <p:cNvSpPr/>
           <p:nvPr/>
         </p:nvSpPr>
         <p:spPr>
           <a:xfrm>
             <a:off x="0" y="0"/>
-            <a:ext cx="9143640" cy="1628280"/>
-          </a:xfrm>
-          <a:prstGeom prst="rect">
-            <a:avLst/>
-          </a:prstGeom>
-        </p:spPr>
-        <p:txBody>
-          <a:bodyPr anchor="ctr"/>
-          <a:p>
-            <a:endParaRPr/>
-          </a:p>
-        </p:txBody>
-      </p:sp>
-      <p:sp>
-        <p:nvSpPr>
-          <p:cNvPr id="95" name="TextShape 2"/>
-          <p:cNvSpPr txBox="1"/>
+            <a:ext cx="9141480" cy="1626120"/>
+          </a:xfrm>
+          <a:prstGeom prst="rect">
+            <a:avLst/>
+          </a:prstGeom>
+        </p:spPr>
+      </p:sp>
+      <p:sp>
+        <p:nvSpPr>
+          <p:cNvPr id="55" name="CustomShape 2"/>
+          <p:cNvSpPr/>
           <p:nvPr/>
         </p:nvSpPr>
         <p:spPr>
           <a:xfrm>
             <a:off x="1879560" y="2542320"/>
-            <a:ext cx="6400440" cy="2857680"/>
-          </a:xfrm>
-          <a:prstGeom prst="rect">
-            <a:avLst/>
-          </a:prstGeom>
-        </p:spPr>
-        <p:txBody>
-          <a:bodyPr anchor="ctr"/>
-          <a:p>
-            <a:pPr algn="ctr"/>
-            <a:endParaRPr/>
-          </a:p>
-        </p:txBody>
-      </p:sp>
-      <p:sp>
-        <p:nvSpPr>
-          <p:cNvPr id="96" name="CustomShape 3"/>
+            <a:ext cx="6398280" cy="2855520"/>
+          </a:xfrm>
+          <a:prstGeom prst="rect">
+            <a:avLst/>
+          </a:prstGeom>
+        </p:spPr>
+      </p:sp>
+      <p:sp>
+        <p:nvSpPr>
+          <p:cNvPr id="56" name="CustomShape 3"/>
           <p:cNvSpPr/>
           <p:nvPr/>
         </p:nvSpPr>
         <p:spPr>
           <a:xfrm>
             <a:off x="474840" y="188640"/>
-            <a:ext cx="8193600" cy="1233000"/>
+            <a:ext cx="8191440" cy="1230840"/>
           </a:xfrm>
           <a:prstGeom prst="rect">
             <a:avLst/>
@@ -6215,22 +4850,22 @@
       </p:sp>
       <p:graphicFrame>
         <p:nvGraphicFramePr>
-          <p:cNvPr id="97" name="Table 4"/>
+          <p:cNvPr id="57" name="Table 4"/>
           <p:cNvGraphicFramePr/>
           <p:nvPr/>
         </p:nvGraphicFramePr>
         <p:xfrm>
           <a:off x="-5040" y="2922840"/>
-          <a:ext cx="1804680" cy="365760"/>
+          <a:ext cx="1802520" cy="363600"/>
         </p:xfrm>
         <a:graphic>
           <a:graphicData uri="http://schemas.openxmlformats.org/drawingml/2006/table">
             <a:tbl>
               <a:tblPr/>
               <a:tblGrid>
-                <a:gridCol w="1805040"/>
+                <a:gridCol w="1802520"/>
               </a:tblGrid>
-              <a:tr h="365760">
+              <a:tr h="363600">
                 <a:tc>
                   <a:txBody>
                     <a:bodyPr wrap="none"/>
@@ -6261,20 +4896,20 @@
       </p:graphicFrame>
       <p:graphicFrame>
         <p:nvGraphicFramePr>
-          <p:cNvPr id="98" name="Table 5"/>
+          <p:cNvPr id="58" name="Table 5"/>
           <p:cNvGraphicFramePr/>
           <p:nvPr/>
         </p:nvGraphicFramePr>
         <p:xfrm>
           <a:off x="-9720" y="3460320"/>
-          <a:ext cx="1762920" cy="3103560"/>
+          <a:ext cx="1760760" cy="3101400"/>
         </p:xfrm>
         <a:graphic>
           <a:graphicData uri="http://schemas.openxmlformats.org/drawingml/2006/table">
             <a:tbl>
               <a:tblPr/>
               <a:tblGrid>
-                <a:gridCol w="1763280"/>
+                <a:gridCol w="1760760"/>
               </a:tblGrid>
               <a:tr h="497880">
                 <a:tc>
@@ -6376,7 +5011,7 @@
                   <a:tcPr/>
                 </a:tc>
               </a:tr>
-              <a:tr h="497160">
+              <a:tr h="494640">
                 <a:tc>
                   <a:txBody>
                     <a:bodyPr wrap="none"/>
@@ -6402,22 +5037,22 @@
       </p:graphicFrame>
       <p:graphicFrame>
         <p:nvGraphicFramePr>
-          <p:cNvPr id="99" name="Table 6"/>
+          <p:cNvPr id="59" name="Table 6"/>
           <p:cNvGraphicFramePr/>
           <p:nvPr/>
         </p:nvGraphicFramePr>
         <p:xfrm>
           <a:off x="1872360" y="1839600"/>
-          <a:ext cx="6441480" cy="365760"/>
+          <a:ext cx="6439320" cy="363600"/>
         </p:xfrm>
         <a:graphic>
           <a:graphicData uri="http://schemas.openxmlformats.org/drawingml/2006/table">
             <a:tbl>
               <a:tblPr/>
               <a:tblGrid>
-                <a:gridCol w="6441840"/>
+                <a:gridCol w="6439320"/>
               </a:tblGrid>
-              <a:tr h="365760">
+              <a:tr h="363600">
                 <a:tc>
                   <a:txBody>
                     <a:bodyPr wrap="none"/>
@@ -6448,22 +5083,22 @@
       </p:graphicFrame>
       <p:graphicFrame>
         <p:nvGraphicFramePr>
-          <p:cNvPr id="100" name="Table 7"/>
+          <p:cNvPr id="60" name="Table 7"/>
           <p:cNvGraphicFramePr/>
           <p:nvPr/>
         </p:nvGraphicFramePr>
         <p:xfrm>
           <a:off x="1800000" y="2547720"/>
-          <a:ext cx="7343640" cy="344520"/>
+          <a:ext cx="7341480" cy="342360"/>
         </p:xfrm>
         <a:graphic>
           <a:graphicData uri="http://schemas.openxmlformats.org/drawingml/2006/table">
             <a:tbl>
               <a:tblPr/>
               <a:tblGrid>
-                <a:gridCol w="7344000"/>
+                <a:gridCol w="7341480"/>
               </a:tblGrid>
-              <a:tr h="344880">
+              <a:tr h="342360">
                 <a:tc>
                   <a:txBody>
                     <a:bodyPr wrap="none"/>
@@ -6494,7 +5129,7 @@
       </p:graphicFrame>
       <p:pic>
         <p:nvPicPr>
-          <p:cNvPr descr="" id="101" name=""/>
+          <p:cNvPr descr="" id="61" name=""/>
           <p:cNvPicPr/>
           <p:nvPr/>
         </p:nvPicPr>
@@ -6507,7 +5142,7 @@
         <p:spPr>
           <a:xfrm>
             <a:off x="3612240" y="2928600"/>
-            <a:ext cx="2507760" cy="1031400"/>
+            <a:ext cx="2505600" cy="1029240"/>
           </a:xfrm>
           <a:prstGeom prst="rect">
             <a:avLst/>
@@ -6516,22 +5151,22 @@
       </p:pic>
       <p:graphicFrame>
         <p:nvGraphicFramePr>
-          <p:cNvPr id="102" name="Table 8"/>
+          <p:cNvPr id="62" name="Table 8"/>
           <p:cNvGraphicFramePr/>
           <p:nvPr/>
         </p:nvGraphicFramePr>
         <p:xfrm>
           <a:off x="2031840" y="3313080"/>
-          <a:ext cx="1804680" cy="640080"/>
+          <a:ext cx="1802520" cy="637920"/>
         </p:xfrm>
         <a:graphic>
           <a:graphicData uri="http://schemas.openxmlformats.org/drawingml/2006/table">
             <a:tbl>
               <a:tblPr/>
               <a:tblGrid>
-                <a:gridCol w="1805040"/>
+                <a:gridCol w="1802520"/>
               </a:tblGrid>
-              <a:tr h="640080">
+              <a:tr h="637920">
                 <a:tc>
                   <a:txBody>
                     <a:bodyPr wrap="none"/>
@@ -6579,22 +5214,22 @@
       </p:graphicFrame>
       <p:graphicFrame>
         <p:nvGraphicFramePr>
-          <p:cNvPr id="103" name="Table 9"/>
+          <p:cNvPr id="63" name="Table 9"/>
           <p:cNvGraphicFramePr/>
           <p:nvPr/>
         </p:nvGraphicFramePr>
         <p:xfrm>
           <a:off x="6550200" y="2940840"/>
-          <a:ext cx="2052360" cy="365760"/>
+          <a:ext cx="2050200" cy="363600"/>
         </p:xfrm>
         <a:graphic>
           <a:graphicData uri="http://schemas.openxmlformats.org/drawingml/2006/table">
             <a:tbl>
               <a:tblPr/>
               <a:tblGrid>
-                <a:gridCol w="2052720"/>
+                <a:gridCol w="2050200"/>
               </a:tblGrid>
-              <a:tr h="365760">
+              <a:tr h="363600">
                 <a:tc>
                   <a:txBody>
                     <a:bodyPr wrap="none"/>
@@ -6625,22 +5260,22 @@
       </p:graphicFrame>
       <p:graphicFrame>
         <p:nvGraphicFramePr>
-          <p:cNvPr id="104" name="Table 10"/>
+          <p:cNvPr id="64" name="Table 10"/>
           <p:cNvGraphicFramePr/>
           <p:nvPr/>
         </p:nvGraphicFramePr>
         <p:xfrm>
           <a:off x="1787400" y="2938320"/>
-          <a:ext cx="1804680" cy="365760"/>
+          <a:ext cx="1802520" cy="363600"/>
         </p:xfrm>
         <a:graphic>
           <a:graphicData uri="http://schemas.openxmlformats.org/drawingml/2006/table">
             <a:tbl>
               <a:tblPr/>
               <a:tblGrid>
-                <a:gridCol w="1805040"/>
+                <a:gridCol w="1802520"/>
               </a:tblGrid>
-              <a:tr h="365760">
+              <a:tr h="363600">
                 <a:tc>
                   <a:txBody>
                     <a:bodyPr wrap="none"/>
@@ -6671,22 +5306,22 @@
       </p:graphicFrame>
       <p:graphicFrame>
         <p:nvGraphicFramePr>
-          <p:cNvPr id="105" name="Table 11"/>
+          <p:cNvPr id="65" name="Table 11"/>
           <p:cNvGraphicFramePr/>
           <p:nvPr/>
         </p:nvGraphicFramePr>
         <p:xfrm>
           <a:off x="1940040" y="4184640"/>
-          <a:ext cx="4899600" cy="597600"/>
+          <a:ext cx="4897440" cy="595440"/>
         </p:xfrm>
         <a:graphic>
           <a:graphicData uri="http://schemas.openxmlformats.org/drawingml/2006/table">
             <a:tbl>
               <a:tblPr/>
               <a:tblGrid>
-                <a:gridCol w="4899960"/>
+                <a:gridCol w="4897440"/>
               </a:tblGrid>
-              <a:tr h="359640">
+              <a:tr h="597960">
                 <a:tc>
                   <a:txBody>
                     <a:bodyPr wrap="none"/>
@@ -6713,16 +5348,7 @@
                           <a:latin typeface="Times New Roman"/>
                           <a:ea typeface="WenQuanYi Micro Hei"/>
                         </a:rPr>
-                        <a:t>Milímetro de mercúrio</a:t>
-                      </a:r>
-                      <a:r>
-                        <a:rPr lang="pt-BR">
-                          <a:solidFill>
-                            <a:srgbClr val="000000"/>
-                          </a:solidFill>
-                          <a:latin typeface="Times New Roman"/>
-                        </a:rPr>
-                        <a:t>)</a:t>
+                        <a:t>Milímetro de mercúrio)</a:t>
                       </a:r>
                       <a:endParaRPr/>
                     </a:p>
@@ -6738,6 +5364,7 @@
                             <a:srgbClr val="000000"/>
                           </a:solidFill>
                           <a:latin typeface="Times New Roman"/>
+                          <a:ea typeface="WenQuanYi Micro Hei"/>
                         </a:rPr>
                         <a:t>Alta: &gt;= 140/90 mmHg</a:t>
                       </a:r>
@@ -6753,7 +5380,7 @@
       </p:graphicFrame>
       <p:pic>
         <p:nvPicPr>
-          <p:cNvPr descr="" id="106" name=""/>
+          <p:cNvPr descr="" id="66" name=""/>
           <p:cNvPicPr/>
           <p:nvPr/>
         </p:nvPicPr>
@@ -6766,7 +5393,7 @@
         <p:spPr>
           <a:xfrm>
             <a:off x="3600000" y="4787640"/>
-            <a:ext cx="2520000" cy="972360"/>
+            <a:ext cx="2517840" cy="970200"/>
           </a:xfrm>
           <a:prstGeom prst="rect">
             <a:avLst/>
@@ -6775,22 +5402,22 @@
       </p:pic>
       <p:graphicFrame>
         <p:nvGraphicFramePr>
-          <p:cNvPr id="107" name="Table 12"/>
+          <p:cNvPr id="67" name="Table 12"/>
           <p:cNvGraphicFramePr/>
           <p:nvPr/>
         </p:nvGraphicFramePr>
         <p:xfrm>
           <a:off x="1980000" y="5984640"/>
-          <a:ext cx="7163640" cy="365760"/>
+          <a:ext cx="7161480" cy="363600"/>
         </p:xfrm>
         <a:graphic>
           <a:graphicData uri="http://schemas.openxmlformats.org/drawingml/2006/table">
             <a:tbl>
               <a:tblPr/>
               <a:tblGrid>
-                <a:gridCol w="7164000"/>
+                <a:gridCol w="7161480"/>
               </a:tblGrid>
-              <a:tr h="365760">
+              <a:tr h="363600">
                 <a:tc>
                   <a:txBody>
                     <a:bodyPr wrap="none"/>
@@ -6821,7 +5448,7 @@
       </p:graphicFrame>
       <p:pic>
         <p:nvPicPr>
-          <p:cNvPr descr="" id="108" name=""/>
+          <p:cNvPr descr="" id="68" name=""/>
           <p:cNvPicPr/>
           <p:nvPr/>
         </p:nvPicPr>
@@ -6834,7 +5461,7 @@
         <p:spPr>
           <a:xfrm>
             <a:off x="7200000" y="3600000"/>
-            <a:ext cx="1369080" cy="1114920"/>
+            <a:ext cx="1366920" cy="1112760"/>
           </a:xfrm>
           <a:prstGeom prst="rect">
             <a:avLst/>
@@ -6843,14 +5470,14 @@
       </p:pic>
       <p:sp>
         <p:nvSpPr>
-          <p:cNvPr id="109" name="TextShape 13"/>
-          <p:cNvSpPr txBox="1"/>
+          <p:cNvPr id="69" name="CustomShape 13"/>
+          <p:cNvSpPr/>
           <p:nvPr/>
         </p:nvSpPr>
         <p:spPr>
           <a:xfrm>
             <a:off x="6660000" y="3420000"/>
-            <a:ext cx="2160000" cy="343800"/>
+            <a:ext cx="2157840" cy="341640"/>
           </a:xfrm>
           <a:prstGeom prst="rect">
             <a:avLst/>
@@ -6879,14 +5506,14 @@
       </p:sp>
       <p:sp>
         <p:nvSpPr>
-          <p:cNvPr id="110" name="TextShape 14"/>
-          <p:cNvSpPr txBox="1"/>
+          <p:cNvPr id="70" name="CustomShape 14"/>
+          <p:cNvSpPr/>
           <p:nvPr/>
         </p:nvSpPr>
         <p:spPr>
           <a:xfrm>
             <a:off x="6660000" y="4680000"/>
-            <a:ext cx="2160000" cy="343800"/>
+            <a:ext cx="2157840" cy="341640"/>
           </a:xfrm>
           <a:prstGeom prst="rect">
             <a:avLst/>
@@ -6915,7 +5542,7 @@
       </p:sp>
       <p:pic>
         <p:nvPicPr>
-          <p:cNvPr descr="" id="111" name=""/>
+          <p:cNvPr descr="" id="71" name=""/>
           <p:cNvPicPr/>
           <p:nvPr/>
         </p:nvPicPr>
@@ -6928,7 +5555,7 @@
         <p:spPr>
           <a:xfrm>
             <a:off x="7090920" y="5005080"/>
-            <a:ext cx="1189080" cy="934920"/>
+            <a:ext cx="1186920" cy="932760"/>
           </a:xfrm>
           <a:prstGeom prst="rect">
             <a:avLst/>
@@ -6937,6 +5564,35 @@
       </p:pic>
     </p:spTree>
   </p:cSld>
+  <p:timing>
+    <p:tnLst>
+      <p:par>
+        <p:cTn dur="indefinite" id="5" nodeType="tmRoot" restart="never">
+          <p:childTnLst>
+            <p:seq>
+              <p:cTn id="6" nodeType="mainSeq">
+                <p:childTnLst/>
+              </p:cTn>
+              <p:prevCondLst>
+                <p:cond delay="0" evt="onPrev">
+                  <p:tgtEl>
+                    <p:sldTgt/>
+                  </p:tgtEl>
+                </p:cond>
+              </p:prevCondLst>
+              <p:nextCondLst>
+                <p:cond delay="0" evt="onNext">
+                  <p:tgtEl>
+                    <p:sldTgt/>
+                  </p:tgtEl>
+                </p:cond>
+              </p:nextCondLst>
+            </p:seq>
+          </p:childTnLst>
+        </p:cTn>
+      </p:par>
+    </p:tnLst>
+  </p:timing>
 </p:sld>
 </file>
 
@@ -6959,7 +5615,7 @@
       </p:grpSpPr>
       <p:pic>
         <p:nvPicPr>
-          <p:cNvPr descr="" id="112" name=""/>
+          <p:cNvPr descr="" id="72" name=""/>
           <p:cNvPicPr/>
           <p:nvPr/>
         </p:nvPicPr>
@@ -6972,7 +5628,7 @@
         <p:spPr>
           <a:xfrm>
             <a:off x="6480" y="360"/>
-            <a:ext cx="9137520" cy="6857640"/>
+            <a:ext cx="9135360" cy="6855480"/>
           </a:xfrm>
           <a:prstGeom prst="rect">
             <a:avLst/>
@@ -6981,59 +5637,46 @@
       </p:pic>
       <p:sp>
         <p:nvSpPr>
-          <p:cNvPr id="113" name="TextShape 1"/>
-          <p:cNvSpPr txBox="1"/>
+          <p:cNvPr id="73" name="CustomShape 1"/>
+          <p:cNvSpPr/>
           <p:nvPr/>
         </p:nvSpPr>
         <p:spPr>
           <a:xfrm>
             <a:off x="0" y="0"/>
-            <a:ext cx="9143640" cy="1628280"/>
-          </a:xfrm>
-          <a:prstGeom prst="rect">
-            <a:avLst/>
-          </a:prstGeom>
-        </p:spPr>
-        <p:txBody>
-          <a:bodyPr anchor="ctr"/>
-          <a:p>
-            <a:endParaRPr/>
-          </a:p>
-        </p:txBody>
-      </p:sp>
-      <p:sp>
-        <p:nvSpPr>
-          <p:cNvPr id="114" name="TextShape 2"/>
-          <p:cNvSpPr txBox="1"/>
+            <a:ext cx="9141480" cy="1626120"/>
+          </a:xfrm>
+          <a:prstGeom prst="rect">
+            <a:avLst/>
+          </a:prstGeom>
+        </p:spPr>
+      </p:sp>
+      <p:sp>
+        <p:nvSpPr>
+          <p:cNvPr id="74" name="CustomShape 2"/>
+          <p:cNvSpPr/>
           <p:nvPr/>
         </p:nvSpPr>
         <p:spPr>
           <a:xfrm>
             <a:off x="1879560" y="2542320"/>
-            <a:ext cx="6400440" cy="2857680"/>
-          </a:xfrm>
-          <a:prstGeom prst="rect">
-            <a:avLst/>
-          </a:prstGeom>
-        </p:spPr>
-        <p:txBody>
-          <a:bodyPr anchor="ctr"/>
-          <a:p>
-            <a:pPr algn="ctr"/>
-            <a:endParaRPr/>
-          </a:p>
-        </p:txBody>
-      </p:sp>
-      <p:sp>
-        <p:nvSpPr>
-          <p:cNvPr id="115" name="CustomShape 3"/>
+            <a:ext cx="6398280" cy="2855520"/>
+          </a:xfrm>
+          <a:prstGeom prst="rect">
+            <a:avLst/>
+          </a:prstGeom>
+        </p:spPr>
+      </p:sp>
+      <p:sp>
+        <p:nvSpPr>
+          <p:cNvPr id="75" name="CustomShape 3"/>
           <p:cNvSpPr/>
           <p:nvPr/>
         </p:nvSpPr>
         <p:spPr>
           <a:xfrm>
             <a:off x="474840" y="188640"/>
-            <a:ext cx="8193600" cy="1233000"/>
+            <a:ext cx="8191440" cy="1230840"/>
           </a:xfrm>
           <a:prstGeom prst="rect">
             <a:avLst/>
@@ -7042,22 +5685,22 @@
       </p:sp>
       <p:graphicFrame>
         <p:nvGraphicFramePr>
-          <p:cNvPr id="116" name="Table 4"/>
+          <p:cNvPr id="76" name="Table 4"/>
           <p:cNvGraphicFramePr/>
           <p:nvPr/>
         </p:nvGraphicFramePr>
         <p:xfrm>
           <a:off x="-5040" y="2922840"/>
-          <a:ext cx="1560960" cy="359280"/>
+          <a:ext cx="1558800" cy="357120"/>
         </p:xfrm>
         <a:graphic>
           <a:graphicData uri="http://schemas.openxmlformats.org/drawingml/2006/table">
             <a:tbl>
               <a:tblPr/>
               <a:tblGrid>
-                <a:gridCol w="1561320"/>
+                <a:gridCol w="1558800"/>
               </a:tblGrid>
-              <a:tr h="359640">
+              <a:tr h="357120">
                 <a:tc>
                   <a:txBody>
                     <a:bodyPr wrap="none"/>
@@ -7088,20 +5731,20 @@
       </p:graphicFrame>
       <p:graphicFrame>
         <p:nvGraphicFramePr>
-          <p:cNvPr id="117" name="Table 5"/>
+          <p:cNvPr id="77" name="Table 5"/>
           <p:cNvGraphicFramePr/>
           <p:nvPr/>
         </p:nvGraphicFramePr>
         <p:xfrm>
           <a:off x="-9720" y="3460320"/>
-          <a:ext cx="1762920" cy="3103560"/>
+          <a:ext cx="1760760" cy="3101400"/>
         </p:xfrm>
         <a:graphic>
           <a:graphicData uri="http://schemas.openxmlformats.org/drawingml/2006/table">
             <a:tbl>
               <a:tblPr/>
               <a:tblGrid>
-                <a:gridCol w="1763280"/>
+                <a:gridCol w="1760760"/>
               </a:tblGrid>
               <a:tr h="497880">
                 <a:tc>
@@ -7203,7 +5846,7 @@
                   <a:tcPr/>
                 </a:tc>
               </a:tr>
-              <a:tr h="497160">
+              <a:tr h="494640">
                 <a:tc>
                   <a:txBody>
                     <a:bodyPr wrap="none"/>
@@ -7229,22 +5872,22 @@
       </p:graphicFrame>
       <p:graphicFrame>
         <p:nvGraphicFramePr>
-          <p:cNvPr id="118" name="Table 6"/>
+          <p:cNvPr id="78" name="Table 6"/>
           <p:cNvGraphicFramePr/>
           <p:nvPr/>
         </p:nvGraphicFramePr>
         <p:xfrm>
           <a:off x="1872360" y="1839600"/>
-          <a:ext cx="6441480" cy="358200"/>
+          <a:ext cx="6439320" cy="356040"/>
         </p:xfrm>
         <a:graphic>
           <a:graphicData uri="http://schemas.openxmlformats.org/drawingml/2006/table">
             <a:tbl>
               <a:tblPr/>
               <a:tblGrid>
-                <a:gridCol w="6441840"/>
+                <a:gridCol w="6439320"/>
               </a:tblGrid>
-              <a:tr h="358560">
+              <a:tr h="356040">
                 <a:tc>
                   <a:txBody>
                     <a:bodyPr wrap="none"/>
@@ -7275,22 +5918,22 @@
       </p:graphicFrame>
       <p:graphicFrame>
         <p:nvGraphicFramePr>
-          <p:cNvPr id="119" name="Table 7"/>
+          <p:cNvPr id="79" name="Table 7"/>
           <p:cNvGraphicFramePr/>
           <p:nvPr/>
         </p:nvGraphicFramePr>
         <p:xfrm>
           <a:off x="1919520" y="2942280"/>
-          <a:ext cx="6131880" cy="1609920"/>
+          <a:ext cx="6129720" cy="1607760"/>
         </p:xfrm>
         <a:graphic>
           <a:graphicData uri="http://schemas.openxmlformats.org/drawingml/2006/table">
             <a:tbl>
               <a:tblPr/>
               <a:tblGrid>
-                <a:gridCol w="6132240"/>
+                <a:gridCol w="6129720"/>
               </a:tblGrid>
-              <a:tr h="1337760">
+              <a:tr h="1610280">
                 <a:tc>
                   <a:txBody>
                     <a:bodyPr wrap="none"/>
@@ -7422,26 +6065,26 @@
       </p:graphicFrame>
       <p:graphicFrame>
         <p:nvGraphicFramePr>
-          <p:cNvPr id="120" name="Table 8"/>
+          <p:cNvPr id="80" name="Table 8"/>
           <p:cNvGraphicFramePr/>
           <p:nvPr/>
         </p:nvGraphicFramePr>
         <p:xfrm>
           <a:off x="1980360" y="4924440"/>
-          <a:ext cx="5895720" cy="1301400"/>
+          <a:ext cx="5893560" cy="1299240"/>
         </p:xfrm>
         <a:graphic>
           <a:graphicData uri="http://schemas.openxmlformats.org/drawingml/2006/table">
             <a:tbl>
               <a:tblPr/>
               <a:tblGrid>
-                <a:gridCol w="2948040"/>
-                <a:gridCol w="2948040"/>
+                <a:gridCol w="2947680"/>
+                <a:gridCol w="2945880"/>
               </a:tblGrid>
-              <a:tr h="325440">
-                <a:tc>
-                  <a:txBody>
-                    <a:bodyPr bIns="36000" lIns="36000" rIns="36000" tIns="36000" wrap="none"/>
+              <a:tr h="597960">
+                <a:tc>
+                  <a:txBody>
+                    <a:bodyPr wrap="none"/>
                     <a:p>
                       <a:r>
                         <a:rPr b="1" lang="pt-BR">
@@ -7458,11 +6101,14 @@
                   </a:txBody>
                   <a:tcPr/>
                 </a:tc>
-              </a:tr>
-              <a:tr h="325440">
-                <a:tc>
-                  <a:txBody>
-                    <a:bodyPr bIns="36000" lIns="36000" rIns="36000" tIns="36000" wrap="none"/>
+                <a:tc>
+                  <a:tcPr/>
+                </a:tc>
+              </a:tr>
+              <a:tr h="428760">
+                <a:tc>
+                  <a:txBody>
+                    <a:bodyPr wrap="none"/>
                     <a:p>
                       <a:pPr algn="ctr">
                         <a:lnSpc>
@@ -7484,13 +6130,20 @@
                   </a:txBody>
                   <a:tcPr/>
                 </a:tc>
-              </a:tr>
-              <a:tr h="325440">
-                <a:tc>
-                  <a:txBody>
-                    <a:bodyPr bIns="36000" lIns="36000" rIns="36000" tIns="36000" wrap="none"/>
-                    <a:p>
-                      <a:pPr algn="ctr"/>
+                <a:tc>
+                  <a:tcPr/>
+                </a:tc>
+              </a:tr>
+              <a:tr h="344880">
+                <a:tc>
+                  <a:txBody>
+                    <a:bodyPr wrap="none"/>
+                    <a:p>
+                      <a:pPr algn="ctr">
+                        <a:lnSpc>
+                          <a:spcPct val="100000"/>
+                        </a:lnSpc>
+                      </a:pPr>
                       <a:r>
                         <a:rPr lang="pt-BR">
                           <a:solidFill>
@@ -7508,9 +6161,13 @@
                 </a:tc>
                 <a:tc>
                   <a:txBody>
-                    <a:bodyPr bIns="36000" lIns="36000" rIns="36000" tIns="36000" wrap="none"/>
-                    <a:p>
-                      <a:pPr algn="ctr"/>
+                    <a:bodyPr wrap="none"/>
+                    <a:p>
+                      <a:pPr algn="ctr">
+                        <a:lnSpc>
+                          <a:spcPct val="100000"/>
+                        </a:lnSpc>
+                      </a:pPr>
                       <a:r>
                         <a:rPr lang="pt-BR">
                           <a:solidFill>
@@ -7527,12 +6184,16 @@
                   <a:tcPr/>
                 </a:tc>
               </a:tr>
-              <a:tr h="325440">
-                <a:tc>
-                  <a:txBody>
-                    <a:bodyPr bIns="36000" lIns="36000" rIns="36000" tIns="36000" wrap="none"/>
-                    <a:p>
-                      <a:pPr algn="ctr"/>
+              <a:tr h="344880">
+                <a:tc>
+                  <a:txBody>
+                    <a:bodyPr wrap="none"/>
+                    <a:p>
+                      <a:pPr algn="ctr">
+                        <a:lnSpc>
+                          <a:spcPct val="100000"/>
+                        </a:lnSpc>
+                      </a:pPr>
                       <a:r>
                         <a:rPr lang="pt-BR">
                           <a:solidFill>
@@ -7550,9 +6211,13 @@
                 </a:tc>
                 <a:tc>
                   <a:txBody>
-                    <a:bodyPr bIns="36000" lIns="36000" rIns="36000" tIns="36000" wrap="none"/>
-                    <a:p>
-                      <a:pPr algn="ctr"/>
+                    <a:bodyPr wrap="none"/>
+                    <a:p>
+                      <a:pPr algn="ctr">
+                        <a:lnSpc>
+                          <a:spcPct val="100000"/>
+                        </a:lnSpc>
+                      </a:pPr>
                       <a:r>
                         <a:rPr lang="pt-BR">
                           <a:solidFill>
@@ -7575,6 +6240,35 @@
       </p:graphicFrame>
     </p:spTree>
   </p:cSld>
+  <p:timing>
+    <p:tnLst>
+      <p:par>
+        <p:cTn dur="indefinite" id="7" nodeType="tmRoot" restart="never">
+          <p:childTnLst>
+            <p:seq>
+              <p:cTn id="8" nodeType="mainSeq">
+                <p:childTnLst/>
+              </p:cTn>
+              <p:prevCondLst>
+                <p:cond delay="0" evt="onPrev">
+                  <p:tgtEl>
+                    <p:sldTgt/>
+                  </p:tgtEl>
+                </p:cond>
+              </p:prevCondLst>
+              <p:nextCondLst>
+                <p:cond delay="0" evt="onNext">
+                  <p:tgtEl>
+                    <p:sldTgt/>
+                  </p:tgtEl>
+                </p:cond>
+              </p:nextCondLst>
+            </p:seq>
+          </p:childTnLst>
+        </p:cTn>
+      </p:par>
+    </p:tnLst>
+  </p:timing>
 </p:sld>
 </file>
 
@@ -7597,7 +6291,7 @@
       </p:grpSpPr>
       <p:pic>
         <p:nvPicPr>
-          <p:cNvPr descr="" id="121" name=""/>
+          <p:cNvPr descr="" id="81" name=""/>
           <p:cNvPicPr/>
           <p:nvPr/>
         </p:nvPicPr>
@@ -7610,7 +6304,7 @@
         <p:spPr>
           <a:xfrm>
             <a:off x="6480" y="0"/>
-            <a:ext cx="9137520" cy="6857640"/>
+            <a:ext cx="9135360" cy="6855480"/>
           </a:xfrm>
           <a:prstGeom prst="rect">
             <a:avLst/>
@@ -7619,59 +6313,46 @@
       </p:pic>
       <p:sp>
         <p:nvSpPr>
-          <p:cNvPr id="122" name="TextShape 1"/>
-          <p:cNvSpPr txBox="1"/>
+          <p:cNvPr id="82" name="CustomShape 1"/>
+          <p:cNvSpPr/>
           <p:nvPr/>
         </p:nvSpPr>
         <p:spPr>
           <a:xfrm>
             <a:off x="0" y="0"/>
-            <a:ext cx="9143640" cy="1628280"/>
-          </a:xfrm>
-          <a:prstGeom prst="rect">
-            <a:avLst/>
-          </a:prstGeom>
-        </p:spPr>
-        <p:txBody>
-          <a:bodyPr anchor="ctr"/>
-          <a:p>
-            <a:endParaRPr/>
-          </a:p>
-        </p:txBody>
-      </p:sp>
-      <p:sp>
-        <p:nvSpPr>
-          <p:cNvPr id="123" name="TextShape 2"/>
-          <p:cNvSpPr txBox="1"/>
+            <a:ext cx="9141480" cy="1626120"/>
+          </a:xfrm>
+          <a:prstGeom prst="rect">
+            <a:avLst/>
+          </a:prstGeom>
+        </p:spPr>
+      </p:sp>
+      <p:sp>
+        <p:nvSpPr>
+          <p:cNvPr id="83" name="CustomShape 2"/>
+          <p:cNvSpPr/>
           <p:nvPr/>
         </p:nvSpPr>
         <p:spPr>
           <a:xfrm>
             <a:off x="1879560" y="2520000"/>
-            <a:ext cx="6400440" cy="2857680"/>
-          </a:xfrm>
-          <a:prstGeom prst="rect">
-            <a:avLst/>
-          </a:prstGeom>
-        </p:spPr>
-        <p:txBody>
-          <a:bodyPr anchor="ctr"/>
-          <a:p>
-            <a:pPr algn="ctr"/>
-            <a:endParaRPr/>
-          </a:p>
-        </p:txBody>
-      </p:sp>
-      <p:sp>
-        <p:nvSpPr>
-          <p:cNvPr id="124" name="CustomShape 3"/>
+            <a:ext cx="6398280" cy="2855520"/>
+          </a:xfrm>
+          <a:prstGeom prst="rect">
+            <a:avLst/>
+          </a:prstGeom>
+        </p:spPr>
+      </p:sp>
+      <p:sp>
+        <p:nvSpPr>
+          <p:cNvPr id="84" name="CustomShape 3"/>
           <p:cNvSpPr/>
           <p:nvPr/>
         </p:nvSpPr>
         <p:spPr>
           <a:xfrm>
             <a:off x="474840" y="188640"/>
-            <a:ext cx="8193600" cy="1233000"/>
+            <a:ext cx="8191440" cy="1230840"/>
           </a:xfrm>
           <a:prstGeom prst="rect">
             <a:avLst/>
@@ -7680,22 +6361,22 @@
       </p:sp>
       <p:graphicFrame>
         <p:nvGraphicFramePr>
-          <p:cNvPr id="125" name="Table 4"/>
+          <p:cNvPr id="85" name="Table 4"/>
           <p:cNvGraphicFramePr/>
           <p:nvPr/>
         </p:nvGraphicFramePr>
         <p:xfrm>
           <a:off x="-5040" y="2922840"/>
-          <a:ext cx="4718880" cy="597600"/>
+          <a:ext cx="4716720" cy="595440"/>
         </p:xfrm>
         <a:graphic>
           <a:graphicData uri="http://schemas.openxmlformats.org/drawingml/2006/table">
             <a:tbl>
               <a:tblPr/>
               <a:tblGrid>
-                <a:gridCol w="4719240"/>
+                <a:gridCol w="4716720"/>
               </a:tblGrid>
-              <a:tr h="359640">
+              <a:tr h="597960">
                 <a:tc>
                   <a:txBody>
                     <a:bodyPr wrap="none"/>
@@ -7734,20 +6415,20 @@
       </p:graphicFrame>
       <p:graphicFrame>
         <p:nvGraphicFramePr>
-          <p:cNvPr id="126" name="Table 5"/>
+          <p:cNvPr id="86" name="Table 5"/>
           <p:cNvGraphicFramePr/>
           <p:nvPr/>
         </p:nvGraphicFramePr>
         <p:xfrm>
           <a:off x="-9720" y="3460320"/>
-          <a:ext cx="1762920" cy="3103560"/>
+          <a:ext cx="1760760" cy="3101400"/>
         </p:xfrm>
         <a:graphic>
           <a:graphicData uri="http://schemas.openxmlformats.org/drawingml/2006/table">
             <a:tbl>
               <a:tblPr/>
               <a:tblGrid>
-                <a:gridCol w="1763280"/>
+                <a:gridCol w="1760760"/>
               </a:tblGrid>
               <a:tr h="497880">
                 <a:tc>
@@ -7849,7 +6530,7 @@
                   <a:tcPr/>
                 </a:tc>
               </a:tr>
-              <a:tr h="497160">
+              <a:tr h="494640">
                 <a:tc>
                   <a:txBody>
                     <a:bodyPr wrap="none"/>
@@ -7875,22 +6556,22 @@
       </p:graphicFrame>
       <p:graphicFrame>
         <p:nvGraphicFramePr>
-          <p:cNvPr id="127" name="Table 6"/>
+          <p:cNvPr id="87" name="Table 6"/>
           <p:cNvGraphicFramePr/>
           <p:nvPr/>
         </p:nvGraphicFramePr>
         <p:xfrm>
           <a:off x="1872360" y="1839600"/>
-          <a:ext cx="6441480" cy="358200"/>
+          <a:ext cx="6439320" cy="356040"/>
         </p:xfrm>
         <a:graphic>
           <a:graphicData uri="http://schemas.openxmlformats.org/drawingml/2006/table">
             <a:tbl>
               <a:tblPr/>
               <a:tblGrid>
-                <a:gridCol w="6441840"/>
+                <a:gridCol w="6439320"/>
               </a:tblGrid>
-              <a:tr h="358560">
+              <a:tr h="356040">
                 <a:tc>
                   <a:txBody>
                     <a:bodyPr wrap="none"/>
@@ -7921,22 +6602,22 @@
       </p:graphicFrame>
       <p:graphicFrame>
         <p:nvGraphicFramePr>
-          <p:cNvPr id="128" name="Table 7"/>
+          <p:cNvPr id="88" name="Table 7"/>
           <p:cNvGraphicFramePr/>
           <p:nvPr/>
         </p:nvGraphicFramePr>
         <p:xfrm>
           <a:off x="1371240" y="3496680"/>
-          <a:ext cx="4150080" cy="431280"/>
+          <a:ext cx="4147920" cy="429120"/>
         </p:xfrm>
         <a:graphic>
           <a:graphicData uri="http://schemas.openxmlformats.org/drawingml/2006/table">
             <a:tbl>
               <a:tblPr/>
               <a:tblGrid>
-                <a:gridCol w="4150440"/>
+                <a:gridCol w="4147920"/>
               </a:tblGrid>
-              <a:tr h="431640">
+              <a:tr h="429120">
                 <a:tc>
                   <a:txBody>
                     <a:bodyPr wrap="none"/>
@@ -7967,7 +6648,7 @@
       </p:graphicFrame>
       <p:pic>
         <p:nvPicPr>
-          <p:cNvPr descr="" id="129" name=""/>
+          <p:cNvPr descr="" id="89" name=""/>
           <p:cNvPicPr/>
           <p:nvPr/>
         </p:nvPicPr>
@@ -7980,7 +6661,7 @@
         <p:spPr>
           <a:xfrm>
             <a:off x="3382560" y="3600000"/>
-            <a:ext cx="1837800" cy="1885680"/>
+            <a:ext cx="1835640" cy="1883520"/>
           </a:xfrm>
           <a:prstGeom prst="rect">
             <a:avLst/>
@@ -7989,6 +6670,35 @@
       </p:pic>
     </p:spTree>
   </p:cSld>
+  <p:timing>
+    <p:tnLst>
+      <p:par>
+        <p:cTn dur="indefinite" id="9" nodeType="tmRoot" restart="never">
+          <p:childTnLst>
+            <p:seq>
+              <p:cTn id="10" nodeType="mainSeq">
+                <p:childTnLst/>
+              </p:cTn>
+              <p:prevCondLst>
+                <p:cond delay="0" evt="onPrev">
+                  <p:tgtEl>
+                    <p:sldTgt/>
+                  </p:tgtEl>
+                </p:cond>
+              </p:prevCondLst>
+              <p:nextCondLst>
+                <p:cond delay="0" evt="onNext">
+                  <p:tgtEl>
+                    <p:sldTgt/>
+                  </p:tgtEl>
+                </p:cond>
+              </p:nextCondLst>
+            </p:seq>
+          </p:childTnLst>
+        </p:cTn>
+      </p:par>
+    </p:tnLst>
+  </p:timing>
 </p:sld>
 </file>
 
@@ -8011,7 +6721,7 @@
       </p:grpSpPr>
       <p:pic>
         <p:nvPicPr>
-          <p:cNvPr descr="" id="130" name=""/>
+          <p:cNvPr descr="" id="90" name=""/>
           <p:cNvPicPr/>
           <p:nvPr/>
         </p:nvPicPr>
@@ -8024,7 +6734,7 @@
         <p:spPr>
           <a:xfrm>
             <a:off x="6480" y="0"/>
-            <a:ext cx="9137520" cy="6857640"/>
+            <a:ext cx="9135360" cy="6855480"/>
           </a:xfrm>
           <a:prstGeom prst="rect">
             <a:avLst/>
@@ -8033,59 +6743,46 @@
       </p:pic>
       <p:sp>
         <p:nvSpPr>
-          <p:cNvPr id="131" name="TextShape 1"/>
-          <p:cNvSpPr txBox="1"/>
+          <p:cNvPr id="91" name="CustomShape 1"/>
+          <p:cNvSpPr/>
           <p:nvPr/>
         </p:nvSpPr>
         <p:spPr>
           <a:xfrm>
             <a:off x="0" y="0"/>
-            <a:ext cx="9143640" cy="1628280"/>
-          </a:xfrm>
-          <a:prstGeom prst="rect">
-            <a:avLst/>
-          </a:prstGeom>
-        </p:spPr>
-        <p:txBody>
-          <a:bodyPr anchor="ctr"/>
-          <a:p>
-            <a:endParaRPr/>
-          </a:p>
-        </p:txBody>
-      </p:sp>
-      <p:sp>
-        <p:nvSpPr>
-          <p:cNvPr id="132" name="TextShape 2"/>
-          <p:cNvSpPr txBox="1"/>
+            <a:ext cx="9141480" cy="1626120"/>
+          </a:xfrm>
+          <a:prstGeom prst="rect">
+            <a:avLst/>
+          </a:prstGeom>
+        </p:spPr>
+      </p:sp>
+      <p:sp>
+        <p:nvSpPr>
+          <p:cNvPr id="92" name="CustomShape 2"/>
+          <p:cNvSpPr/>
           <p:nvPr/>
         </p:nvSpPr>
         <p:spPr>
           <a:xfrm>
             <a:off x="1879560" y="2520000"/>
-            <a:ext cx="6400440" cy="2857680"/>
-          </a:xfrm>
-          <a:prstGeom prst="rect">
-            <a:avLst/>
-          </a:prstGeom>
-        </p:spPr>
-        <p:txBody>
-          <a:bodyPr anchor="ctr"/>
-          <a:p>
-            <a:pPr algn="ctr"/>
-            <a:endParaRPr/>
-          </a:p>
-        </p:txBody>
-      </p:sp>
-      <p:sp>
-        <p:nvSpPr>
-          <p:cNvPr id="133" name="CustomShape 3"/>
+            <a:ext cx="6398280" cy="2855520"/>
+          </a:xfrm>
+          <a:prstGeom prst="rect">
+            <a:avLst/>
+          </a:prstGeom>
+        </p:spPr>
+      </p:sp>
+      <p:sp>
+        <p:nvSpPr>
+          <p:cNvPr id="93" name="CustomShape 3"/>
           <p:cNvSpPr/>
           <p:nvPr/>
         </p:nvSpPr>
         <p:spPr>
           <a:xfrm>
             <a:off x="474840" y="188640"/>
-            <a:ext cx="8193600" cy="1233000"/>
+            <a:ext cx="8191440" cy="1230840"/>
           </a:xfrm>
           <a:prstGeom prst="rect">
             <a:avLst/>
@@ -8094,22 +6791,22 @@
       </p:sp>
       <p:graphicFrame>
         <p:nvGraphicFramePr>
-          <p:cNvPr id="134" name="Table 4"/>
+          <p:cNvPr id="94" name="Table 4"/>
           <p:cNvGraphicFramePr/>
           <p:nvPr/>
         </p:nvGraphicFramePr>
         <p:xfrm>
           <a:off x="-5040" y="2922840"/>
-          <a:ext cx="4718880" cy="359280"/>
+          <a:ext cx="4716720" cy="357120"/>
         </p:xfrm>
         <a:graphic>
           <a:graphicData uri="http://schemas.openxmlformats.org/drawingml/2006/table">
             <a:tbl>
               <a:tblPr/>
               <a:tblGrid>
-                <a:gridCol w="4719240"/>
+                <a:gridCol w="4716720"/>
               </a:tblGrid>
-              <a:tr h="359640">
+              <a:tr h="357120">
                 <a:tc>
                   <a:txBody>
                     <a:bodyPr wrap="none"/>
@@ -8140,20 +6837,20 @@
       </p:graphicFrame>
       <p:graphicFrame>
         <p:nvGraphicFramePr>
-          <p:cNvPr id="135" name="Table 5"/>
+          <p:cNvPr id="95" name="Table 5"/>
           <p:cNvGraphicFramePr/>
           <p:nvPr/>
         </p:nvGraphicFramePr>
         <p:xfrm>
           <a:off x="-9720" y="3460320"/>
-          <a:ext cx="1762920" cy="3103560"/>
+          <a:ext cx="1760760" cy="3101400"/>
         </p:xfrm>
         <a:graphic>
           <a:graphicData uri="http://schemas.openxmlformats.org/drawingml/2006/table">
             <a:tbl>
               <a:tblPr/>
               <a:tblGrid>
-                <a:gridCol w="1763280"/>
+                <a:gridCol w="1760760"/>
               </a:tblGrid>
               <a:tr h="497880">
                 <a:tc>
@@ -8255,7 +6952,7 @@
                   <a:tcPr/>
                 </a:tc>
               </a:tr>
-              <a:tr h="497160">
+              <a:tr h="494640">
                 <a:tc>
                   <a:txBody>
                     <a:bodyPr wrap="none"/>
@@ -8281,22 +6978,22 @@
       </p:graphicFrame>
       <p:graphicFrame>
         <p:nvGraphicFramePr>
-          <p:cNvPr id="136" name="Table 6"/>
+          <p:cNvPr id="96" name="Table 6"/>
           <p:cNvGraphicFramePr/>
           <p:nvPr/>
         </p:nvGraphicFramePr>
         <p:xfrm>
           <a:off x="1872360" y="1839600"/>
-          <a:ext cx="6441480" cy="358200"/>
+          <a:ext cx="6439320" cy="356040"/>
         </p:xfrm>
         <a:graphic>
           <a:graphicData uri="http://schemas.openxmlformats.org/drawingml/2006/table">
             <a:tbl>
               <a:tblPr/>
               <a:tblGrid>
-                <a:gridCol w="6441840"/>
+                <a:gridCol w="6439320"/>
               </a:tblGrid>
-              <a:tr h="358560">
+              <a:tr h="356040">
                 <a:tc>
                   <a:txBody>
                     <a:bodyPr wrap="none"/>
@@ -8327,22 +7024,22 @@
       </p:graphicFrame>
       <p:graphicFrame>
         <p:nvGraphicFramePr>
-          <p:cNvPr id="137" name="Table 7"/>
+          <p:cNvPr id="97" name="Table 7"/>
           <p:cNvGraphicFramePr/>
           <p:nvPr/>
         </p:nvGraphicFramePr>
         <p:xfrm>
           <a:off x="1299960" y="3276360"/>
-          <a:ext cx="4150080" cy="431280"/>
+          <a:ext cx="4147920" cy="429120"/>
         </p:xfrm>
         <a:graphic>
           <a:graphicData uri="http://schemas.openxmlformats.org/drawingml/2006/table">
             <a:tbl>
               <a:tblPr/>
               <a:tblGrid>
-                <a:gridCol w="4150440"/>
+                <a:gridCol w="4147920"/>
               </a:tblGrid>
-              <a:tr h="431640">
+              <a:tr h="429120">
                 <a:tc>
                   <a:txBody>
                     <a:bodyPr wrap="none"/>
@@ -8373,7 +7070,7 @@
       </p:graphicFrame>
       <p:pic>
         <p:nvPicPr>
-          <p:cNvPr descr="" id="138" name="Imagem 19"/>
+          <p:cNvPr descr="" id="98" name="Imagem 19"/>
           <p:cNvPicPr/>
           <p:nvPr/>
         </p:nvPicPr>
@@ -8386,7 +7083,7 @@
         <p:spPr>
           <a:xfrm>
             <a:off x="3599640" y="3780000"/>
-            <a:ext cx="3600000" cy="2490120"/>
+            <a:ext cx="3597840" cy="2487960"/>
           </a:xfrm>
           <a:prstGeom prst="rect">
             <a:avLst/>
@@ -8400,14 +7097,14 @@
       </p:pic>
       <p:sp>
         <p:nvSpPr>
-          <p:cNvPr id="139" name="CustomShape 8"/>
+          <p:cNvPr id="99" name="CustomShape 8"/>
           <p:cNvSpPr/>
           <p:nvPr/>
         </p:nvSpPr>
         <p:spPr>
           <a:xfrm>
             <a:off x="900000" y="3737880"/>
-            <a:ext cx="3851640" cy="3207240"/>
+            <a:ext cx="3849480" cy="3205080"/>
           </a:xfrm>
           <a:prstGeom prst="rect">
             <a:avLst/>
@@ -8638,6 +7335,35 @@
       </p:sp>
     </p:spTree>
   </p:cSld>
+  <p:timing>
+    <p:tnLst>
+      <p:par>
+        <p:cTn dur="indefinite" id="11" nodeType="tmRoot" restart="never">
+          <p:childTnLst>
+            <p:seq>
+              <p:cTn id="12" nodeType="mainSeq">
+                <p:childTnLst/>
+              </p:cTn>
+              <p:prevCondLst>
+                <p:cond delay="0" evt="onPrev">
+                  <p:tgtEl>
+                    <p:sldTgt/>
+                  </p:tgtEl>
+                </p:cond>
+              </p:prevCondLst>
+              <p:nextCondLst>
+                <p:cond delay="0" evt="onNext">
+                  <p:tgtEl>
+                    <p:sldTgt/>
+                  </p:tgtEl>
+                </p:cond>
+              </p:nextCondLst>
+            </p:seq>
+          </p:childTnLst>
+        </p:cTn>
+      </p:par>
+    </p:tnLst>
+  </p:timing>
 </p:sld>
 </file>
 
@@ -8660,7 +7386,7 @@
       </p:grpSpPr>
       <p:pic>
         <p:nvPicPr>
-          <p:cNvPr descr="" id="140" name=""/>
+          <p:cNvPr descr="" id="100" name=""/>
           <p:cNvPicPr/>
           <p:nvPr/>
         </p:nvPicPr>
@@ -8673,7 +7399,7 @@
         <p:spPr>
           <a:xfrm>
             <a:off x="6480" y="0"/>
-            <a:ext cx="9137520" cy="6857640"/>
+            <a:ext cx="9135360" cy="6855480"/>
           </a:xfrm>
           <a:prstGeom prst="rect">
             <a:avLst/>
@@ -8682,59 +7408,46 @@
       </p:pic>
       <p:sp>
         <p:nvSpPr>
-          <p:cNvPr id="141" name="TextShape 1"/>
-          <p:cNvSpPr txBox="1"/>
+          <p:cNvPr id="101" name="CustomShape 1"/>
+          <p:cNvSpPr/>
           <p:nvPr/>
         </p:nvSpPr>
         <p:spPr>
           <a:xfrm>
             <a:off x="0" y="0"/>
-            <a:ext cx="9143640" cy="1628280"/>
-          </a:xfrm>
-          <a:prstGeom prst="rect">
-            <a:avLst/>
-          </a:prstGeom>
-        </p:spPr>
-        <p:txBody>
-          <a:bodyPr anchor="ctr"/>
-          <a:p>
-            <a:endParaRPr/>
-          </a:p>
-        </p:txBody>
-      </p:sp>
-      <p:sp>
-        <p:nvSpPr>
-          <p:cNvPr id="142" name="TextShape 2"/>
-          <p:cNvSpPr txBox="1"/>
+            <a:ext cx="9141480" cy="1626120"/>
+          </a:xfrm>
+          <a:prstGeom prst="rect">
+            <a:avLst/>
+          </a:prstGeom>
+        </p:spPr>
+      </p:sp>
+      <p:sp>
+        <p:nvSpPr>
+          <p:cNvPr id="102" name="CustomShape 2"/>
+          <p:cNvSpPr/>
           <p:nvPr/>
         </p:nvSpPr>
         <p:spPr>
           <a:xfrm>
             <a:off x="1879560" y="2520000"/>
-            <a:ext cx="6400440" cy="2857680"/>
-          </a:xfrm>
-          <a:prstGeom prst="rect">
-            <a:avLst/>
-          </a:prstGeom>
-        </p:spPr>
-        <p:txBody>
-          <a:bodyPr anchor="ctr"/>
-          <a:p>
-            <a:pPr algn="ctr"/>
-            <a:endParaRPr/>
-          </a:p>
-        </p:txBody>
-      </p:sp>
-      <p:sp>
-        <p:nvSpPr>
-          <p:cNvPr id="143" name="CustomShape 3"/>
+            <a:ext cx="6398280" cy="2855520"/>
+          </a:xfrm>
+          <a:prstGeom prst="rect">
+            <a:avLst/>
+          </a:prstGeom>
+        </p:spPr>
+      </p:sp>
+      <p:sp>
+        <p:nvSpPr>
+          <p:cNvPr id="103" name="CustomShape 3"/>
           <p:cNvSpPr/>
           <p:nvPr/>
         </p:nvSpPr>
         <p:spPr>
           <a:xfrm>
             <a:off x="474840" y="188640"/>
-            <a:ext cx="8193600" cy="1233000"/>
+            <a:ext cx="8191440" cy="1230840"/>
           </a:xfrm>
           <a:prstGeom prst="rect">
             <a:avLst/>
@@ -8743,22 +7456,22 @@
       </p:sp>
       <p:graphicFrame>
         <p:nvGraphicFramePr>
-          <p:cNvPr id="144" name="Table 4"/>
+          <p:cNvPr id="104" name="Table 4"/>
           <p:cNvGraphicFramePr/>
           <p:nvPr/>
         </p:nvGraphicFramePr>
         <p:xfrm>
           <a:off x="-5040" y="2922840"/>
-          <a:ext cx="1984680" cy="365760"/>
+          <a:ext cx="1982520" cy="363600"/>
         </p:xfrm>
         <a:graphic>
           <a:graphicData uri="http://schemas.openxmlformats.org/drawingml/2006/table">
             <a:tbl>
               <a:tblPr/>
               <a:tblGrid>
-                <a:gridCol w="1985040"/>
+                <a:gridCol w="1982520"/>
               </a:tblGrid>
-              <a:tr h="365760">
+              <a:tr h="363600">
                 <a:tc>
                   <a:txBody>
                     <a:bodyPr wrap="none"/>
@@ -8775,7 +7488,7 @@
                           </a:solidFill>
                           <a:latin typeface="Times New Roman"/>
                         </a:rPr>
-                        <a:t>Documentação</a:t>
+                        <a:t>Escopo</a:t>
                       </a:r>
                       <a:endParaRPr/>
                     </a:p>
@@ -8789,20 +7502,20 @@
       </p:graphicFrame>
       <p:graphicFrame>
         <p:nvGraphicFramePr>
-          <p:cNvPr id="145" name="Table 5"/>
+          <p:cNvPr id="105" name="Table 5"/>
           <p:cNvGraphicFramePr/>
           <p:nvPr/>
         </p:nvGraphicFramePr>
         <p:xfrm>
           <a:off x="-9720" y="3460320"/>
-          <a:ext cx="1762920" cy="3103560"/>
+          <a:ext cx="1760760" cy="3101400"/>
         </p:xfrm>
         <a:graphic>
           <a:graphicData uri="http://schemas.openxmlformats.org/drawingml/2006/table">
             <a:tbl>
               <a:tblPr/>
               <a:tblGrid>
-                <a:gridCol w="1763280"/>
+                <a:gridCol w="1760760"/>
               </a:tblGrid>
               <a:tr h="497880">
                 <a:tc>
@@ -8904,7 +7617,7 @@
                   <a:tcPr/>
                 </a:tc>
               </a:tr>
-              <a:tr h="497160">
+              <a:tr h="494640">
                 <a:tc>
                   <a:txBody>
                     <a:bodyPr wrap="none"/>
@@ -8930,22 +7643,22 @@
       </p:graphicFrame>
       <p:graphicFrame>
         <p:nvGraphicFramePr>
-          <p:cNvPr id="146" name="Table 6"/>
+          <p:cNvPr id="106" name="Table 6"/>
           <p:cNvGraphicFramePr/>
           <p:nvPr/>
         </p:nvGraphicFramePr>
         <p:xfrm>
           <a:off x="1872360" y="1839600"/>
-          <a:ext cx="6441480" cy="365760"/>
+          <a:ext cx="6439320" cy="363600"/>
         </p:xfrm>
         <a:graphic>
           <a:graphicData uri="http://schemas.openxmlformats.org/drawingml/2006/table">
             <a:tbl>
               <a:tblPr/>
               <a:tblGrid>
-                <a:gridCol w="6441840"/>
+                <a:gridCol w="6439320"/>
               </a:tblGrid>
-              <a:tr h="365760">
+              <a:tr h="363600">
                 <a:tc>
                   <a:txBody>
                     <a:bodyPr wrap="none"/>
@@ -8963,6 +7676,336 @@
                           <a:latin typeface="Times New Roman"/>
                         </a:rPr>
                         <a:t>CINApp - Aplicativo para Controle de Ingestão de Sódio</a:t>
+                      </a:r>
+                      <a:endParaRPr/>
+                    </a:p>
+                  </a:txBody>
+                  <a:tcPr/>
+                </a:tc>
+              </a:tr>
+            </a:tbl>
+          </a:graphicData>
+        </a:graphic>
+      </p:graphicFrame>
+      <p:graphicFrame>
+        <p:nvGraphicFramePr>
+          <p:cNvPr id="107" name="Table 7"/>
+          <p:cNvGraphicFramePr/>
+          <p:nvPr/>
+        </p:nvGraphicFramePr>
+        <p:xfrm>
+          <a:off x="2923560" y="3059280"/>
+          <a:ext cx="5138280" cy="3389760"/>
+        </p:xfrm>
+        <a:graphic>
+          <a:graphicData uri="http://schemas.openxmlformats.org/drawingml/2006/table">
+            <a:tbl>
+              <a:tblPr/>
+              <a:tblGrid>
+                <a:gridCol w="5138280"/>
+              </a:tblGrid>
+              <a:tr h="347040">
+                <a:tc>
+                  <a:txBody>
+                    <a:bodyPr wrap="none"/>
+                    <a:p>
+                      <a:r>
+                        <a:rPr lang="pt-BR">
+                          <a:solidFill>
+                            <a:srgbClr val="000000"/>
+                          </a:solidFill>
+                          <a:latin typeface="Times New Roman"/>
+                          <a:ea typeface="WenQuanYi Micro Hei"/>
+                        </a:rPr>
+                        <a:t>Manter alimento</a:t>
+                      </a:r>
+                      <a:endParaRPr/>
+                    </a:p>
+                  </a:txBody>
+                  <a:tcPr/>
+                </a:tc>
+              </a:tr>
+              <a:tr h="302040">
+                <a:tc>
+                  <a:txBody>
+                    <a:bodyPr wrap="none"/>
+                    <a:p>
+                      <a:pPr>
+                        <a:lnSpc>
+                          <a:spcPct val="100000"/>
+                        </a:lnSpc>
+                      </a:pPr>
+                      <a:r>
+                        <a:rPr lang="pt-BR" sz="1500">
+                          <a:solidFill>
+                            <a:srgbClr val="000000"/>
+                          </a:solidFill>
+                          <a:latin typeface="Times New Roman"/>
+                        </a:rPr>
+                        <a:t> </a:t>
+                      </a:r>
+                      <a:r>
+                        <a:rPr lang="pt-BR" sz="1500">
+                          <a:solidFill>
+                            <a:srgbClr val="000000"/>
+                          </a:solidFill>
+                          <a:latin typeface="Times New Roman"/>
+                        </a:rPr>
+                        <a:t>- Incluir, alterar, consultar e excluir alimentos</a:t>
+                      </a:r>
+                      <a:endParaRPr/>
+                    </a:p>
+                  </a:txBody>
+                  <a:tcPr/>
+                </a:tc>
+              </a:tr>
+              <a:tr h="347040">
+                <a:tc>
+                  <a:txBody>
+                    <a:bodyPr wrap="none"/>
+                    <a:p>
+                      <a:pPr>
+                        <a:lnSpc>
+                          <a:spcPct val="100000"/>
+                        </a:lnSpc>
+                      </a:pPr>
+                      <a:r>
+                        <a:rPr lang="pt-BR">
+                          <a:solidFill>
+                            <a:srgbClr val="000000"/>
+                          </a:solidFill>
+                          <a:latin typeface="Times New Roman"/>
+                          <a:ea typeface="WenQuanYi Micro Hei"/>
+                        </a:rPr>
+                        <a:t>Manter ingestão de alimento</a:t>
+                      </a:r>
+                      <a:endParaRPr/>
+                    </a:p>
+                  </a:txBody>
+                  <a:tcPr/>
+                </a:tc>
+              </a:tr>
+              <a:tr h="302040">
+                <a:tc>
+                  <a:txBody>
+                    <a:bodyPr wrap="none"/>
+                    <a:p>
+                      <a:r>
+                        <a:rPr lang="pt-BR" sz="1500">
+                          <a:solidFill>
+                            <a:srgbClr val="000000"/>
+                          </a:solidFill>
+                          <a:latin typeface="Times New Roman"/>
+                          <a:ea typeface="WenQuanYi Micro Hei"/>
+                        </a:rPr>
+                        <a:t> </a:t>
+                      </a:r>
+                      <a:r>
+                        <a:rPr lang="pt-BR" sz="1500">
+                          <a:solidFill>
+                            <a:srgbClr val="000000"/>
+                          </a:solidFill>
+                          <a:latin typeface="Times New Roman"/>
+                          <a:ea typeface="WenQuanYi Micro Hei"/>
+                        </a:rPr>
+                        <a:t>- Incluir, consultar, alterar, excluir a ingestão de alimentos </a:t>
+                      </a:r>
+                      <a:endParaRPr/>
+                    </a:p>
+                  </a:txBody>
+                  <a:tcPr/>
+                </a:tc>
+              </a:tr>
+              <a:tr h="347040">
+                <a:tc>
+                  <a:txBody>
+                    <a:bodyPr wrap="none"/>
+                    <a:p>
+                      <a:pPr>
+                        <a:lnSpc>
+                          <a:spcPct val="100000"/>
+                        </a:lnSpc>
+                      </a:pPr>
+                      <a:r>
+                        <a:rPr lang="pt-BR">
+                          <a:solidFill>
+                            <a:srgbClr val="000000"/>
+                          </a:solidFill>
+                          <a:latin typeface="Times New Roman"/>
+                          <a:ea typeface="WenQuanYi Micro Hei"/>
+                        </a:rPr>
+                        <a:t>Manter perfil</a:t>
+                      </a:r>
+                      <a:endParaRPr/>
+                    </a:p>
+                  </a:txBody>
+                  <a:tcPr/>
+                </a:tc>
+              </a:tr>
+              <a:tr h="302040">
+                <a:tc>
+                  <a:txBody>
+                    <a:bodyPr wrap="none"/>
+                    <a:p>
+                      <a:pPr>
+                        <a:lnSpc>
+                          <a:spcPct val="100000"/>
+                        </a:lnSpc>
+                      </a:pPr>
+                      <a:r>
+                        <a:rPr lang="pt-BR" sz="1500">
+                          <a:solidFill>
+                            <a:srgbClr val="000000"/>
+                          </a:solidFill>
+                          <a:latin typeface="Times New Roman"/>
+                        </a:rPr>
+                        <a:t> </a:t>
+                      </a:r>
+                      <a:r>
+                        <a:rPr lang="pt-BR" sz="1500">
+                          <a:solidFill>
+                            <a:srgbClr val="000000"/>
+                          </a:solidFill>
+                          <a:latin typeface="Times New Roman"/>
+                        </a:rPr>
+                        <a:t>- Incluir, consultar e alterar  o perfil do usuário no aplicativo</a:t>
+                      </a:r>
+                      <a:endParaRPr/>
+                    </a:p>
+                  </a:txBody>
+                  <a:tcPr/>
+                </a:tc>
+              </a:tr>
+              <a:tr h="347040">
+                <a:tc>
+                  <a:txBody>
+                    <a:bodyPr wrap="none"/>
+                    <a:p>
+                      <a:pPr>
+                        <a:lnSpc>
+                          <a:spcPct val="100000"/>
+                        </a:lnSpc>
+                      </a:pPr>
+                      <a:r>
+                        <a:rPr lang="pt-BR">
+                          <a:solidFill>
+                            <a:srgbClr val="000000"/>
+                          </a:solidFill>
+                          <a:latin typeface="Times New Roman"/>
+                          <a:ea typeface="WenQuanYi Micro Hei"/>
+                        </a:rPr>
+                        <a:t>Alertar usuário</a:t>
+                      </a:r>
+                      <a:endParaRPr/>
+                    </a:p>
+                  </a:txBody>
+                  <a:tcPr/>
+                </a:tc>
+              </a:tr>
+              <a:tr h="525600">
+                <a:tc>
+                  <a:txBody>
+                    <a:bodyPr wrap="none"/>
+                    <a:p>
+                      <a:pPr>
+                        <a:lnSpc>
+                          <a:spcPct val="100000"/>
+                        </a:lnSpc>
+                      </a:pPr>
+                      <a:r>
+                        <a:rPr lang="pt-BR" sz="1500">
+                          <a:solidFill>
+                            <a:srgbClr val="000000"/>
+                          </a:solidFill>
+                          <a:latin typeface="Times New Roman"/>
+                        </a:rPr>
+                        <a:t> </a:t>
+                      </a:r>
+                      <a:r>
+                        <a:rPr lang="pt-BR" sz="1500">
+                          <a:solidFill>
+                            <a:srgbClr val="000000"/>
+                          </a:solidFill>
+                          <a:latin typeface="Times New Roman"/>
+                        </a:rPr>
+                        <a:t>- Proximidade de limite diário</a:t>
+                      </a:r>
+                      <a:endParaRPr/>
+                    </a:p>
+                    <a:p>
+                      <a:pPr>
+                        <a:lnSpc>
+                          <a:spcPct val="100000"/>
+                        </a:lnSpc>
+                      </a:pPr>
+                      <a:r>
+                        <a:rPr lang="pt-BR" sz="1500">
+                          <a:solidFill>
+                            <a:srgbClr val="000000"/>
+                          </a:solidFill>
+                          <a:latin typeface="Times New Roman"/>
+                        </a:rPr>
+                        <a:t> </a:t>
+                      </a:r>
+                      <a:r>
+                        <a:rPr lang="pt-BR" sz="1500">
+                          <a:solidFill>
+                            <a:srgbClr val="000000"/>
+                          </a:solidFill>
+                          <a:latin typeface="Times New Roman"/>
+                        </a:rPr>
+                        <a:t>- Limite diário ultrapassado</a:t>
+                      </a:r>
+                      <a:endParaRPr/>
+                    </a:p>
+                  </a:txBody>
+                  <a:tcPr/>
+                </a:tc>
+              </a:tr>
+              <a:tr h="569880">
+                <a:tc>
+                  <a:txBody>
+                    <a:bodyPr wrap="none"/>
+                    <a:p>
+                      <a:pPr>
+                        <a:lnSpc>
+                          <a:spcPct val="100000"/>
+                        </a:lnSpc>
+                      </a:pPr>
+                      <a:r>
+                        <a:rPr lang="pt-BR">
+                          <a:solidFill>
+                            <a:srgbClr val="000000"/>
+                          </a:solidFill>
+                          <a:latin typeface="Times New Roman"/>
+                        </a:rPr>
+                        <a:t>Gerar gráfico</a:t>
+                      </a:r>
+                      <a:endParaRPr/>
+                    </a:p>
+                    <a:p>
+                      <a:pPr>
+                        <a:lnSpc>
+                          <a:spcPct val="100000"/>
+                        </a:lnSpc>
+                      </a:pPr>
+                      <a:r>
+                        <a:rPr lang="pt-BR" sz="1500">
+                          <a:solidFill>
+                            <a:srgbClr val="000000"/>
+                          </a:solidFill>
+                          <a:latin typeface="Times New Roman"/>
+                        </a:rPr>
+                        <a:t> </a:t>
+                      </a:r>
+                      <a:r>
+                        <a:rPr lang="pt-BR" sz="1500">
+                          <a:solidFill>
+                            <a:srgbClr val="000000"/>
+                          </a:solidFill>
+                          <a:latin typeface="Times New Roman"/>
+                        </a:rPr>
+                        <a:t>- Gráficos em barra e pizza sobre consumo de sódio</a:t>
                       </a:r>
                       <a:endParaRPr/>
                     </a:p>
@@ -8976,7 +8019,7 @@
       </p:graphicFrame>
       <p:pic>
         <p:nvPicPr>
-          <p:cNvPr descr="" id="147" name=""/>
+          <p:cNvPr descr="" id="108" name=""/>
           <p:cNvPicPr/>
           <p:nvPr/>
         </p:nvPicPr>
@@ -8988,205 +8031,89 @@
         </p:blipFill>
         <p:spPr>
           <a:xfrm>
-            <a:off x="1800360" y="3517200"/>
-            <a:ext cx="3959640" cy="982800"/>
+            <a:off x="1800000" y="3240000"/>
+            <a:ext cx="897840" cy="717840"/>
           </a:xfrm>
           <a:prstGeom prst="rect">
             <a:avLst/>
           </a:prstGeom>
         </p:spPr>
       </p:pic>
-      <p:graphicFrame>
-        <p:nvGraphicFramePr>
-          <p:cNvPr id="148" name="Table 7"/>
-          <p:cNvGraphicFramePr/>
-          <p:nvPr/>
-        </p:nvGraphicFramePr>
-        <p:xfrm>
-          <a:off x="1299960" y="3276360"/>
-          <a:ext cx="4150080" cy="431280"/>
-        </p:xfrm>
-        <a:graphic>
-          <a:graphicData uri="http://schemas.openxmlformats.org/drawingml/2006/table">
-            <a:tbl>
-              <a:tblPr/>
-              <a:tblGrid>
-                <a:gridCol w="4150440"/>
-              </a:tblGrid>
-              <a:tr h="431640">
-                <a:tc>
-                  <a:txBody>
-                    <a:bodyPr wrap="none"/>
-                    <a:p>
-                      <a:pPr>
-                        <a:lnSpc>
-                          <a:spcPct val="100000"/>
-                        </a:lnSpc>
-                      </a:pPr>
-                      <a:r>
-                        <a:rPr b="1" lang="pt-BR">
-                          <a:solidFill>
-                            <a:srgbClr val="000000"/>
-                          </a:solidFill>
-                          <a:latin typeface="Times New Roman"/>
-                        </a:rPr>
-                        <a:t>- LibreOffice</a:t>
-                      </a:r>
-                      <a:endParaRPr/>
-                    </a:p>
-                  </a:txBody>
-                  <a:tcPr/>
-                </a:tc>
-              </a:tr>
-            </a:tbl>
-          </a:graphicData>
-        </a:graphic>
-      </p:graphicFrame>
-      <p:graphicFrame>
-        <p:nvGraphicFramePr>
-          <p:cNvPr id="149" name="Table 8"/>
-          <p:cNvGraphicFramePr/>
-          <p:nvPr/>
-        </p:nvGraphicFramePr>
-        <p:xfrm>
-          <a:off x="1330920" y="4564440"/>
-          <a:ext cx="4150080" cy="431280"/>
-        </p:xfrm>
-        <a:graphic>
-          <a:graphicData uri="http://schemas.openxmlformats.org/drawingml/2006/table">
-            <a:tbl>
-              <a:tblPr/>
-              <a:tblGrid>
-                <a:gridCol w="4150440"/>
-              </a:tblGrid>
-              <a:tr h="431640">
-                <a:tc>
-                  <a:txBody>
-                    <a:bodyPr wrap="none"/>
-                    <a:p>
-                      <a:pPr>
-                        <a:lnSpc>
-                          <a:spcPct val="100000"/>
-                        </a:lnSpc>
-                      </a:pPr>
-                      <a:r>
-                        <a:rPr b="1" lang="pt-BR">
-                          <a:solidFill>
-                            <a:srgbClr val="000000"/>
-                          </a:solidFill>
-                          <a:latin typeface="Times New Roman"/>
-                        </a:rPr>
-                        <a:t>- Documentação Técnica</a:t>
-                      </a:r>
-                      <a:endParaRPr/>
-                    </a:p>
-                  </a:txBody>
-                  <a:tcPr/>
-                </a:tc>
-              </a:tr>
-            </a:tbl>
-          </a:graphicData>
-        </a:graphic>
-      </p:graphicFrame>
-      <p:graphicFrame>
-        <p:nvGraphicFramePr>
-          <p:cNvPr id="150" name="Table 9"/>
-          <p:cNvGraphicFramePr/>
-          <p:nvPr/>
-        </p:nvGraphicFramePr>
-        <p:xfrm>
-          <a:off x="1832400" y="4929480"/>
-          <a:ext cx="4150080" cy="1190160"/>
-        </p:xfrm>
-        <a:graphic>
-          <a:graphicData uri="http://schemas.openxmlformats.org/drawingml/2006/table">
-            <a:tbl>
-              <a:tblPr/>
-              <a:tblGrid>
-                <a:gridCol w="4150440"/>
-              </a:tblGrid>
-              <a:tr h="1190520">
-                <a:tc>
-                  <a:txBody>
-                    <a:bodyPr wrap="none"/>
-                    <a:p>
-                      <a:pPr>
-                        <a:lnSpc>
-                          <a:spcPct val="100000"/>
-                        </a:lnSpc>
-                      </a:pPr>
-                      <a:r>
-                        <a:rPr lang="pt-BR">
-                          <a:solidFill>
-                            <a:srgbClr val="000000"/>
-                          </a:solidFill>
-                          <a:latin typeface="Times New Roman"/>
-                        </a:rPr>
-                        <a:t>- Documento de Visão</a:t>
-                      </a:r>
-                      <a:endParaRPr/>
-                    </a:p>
-                    <a:p>
-                      <a:pPr>
-                        <a:lnSpc>
-                          <a:spcPct val="100000"/>
-                        </a:lnSpc>
-                      </a:pPr>
-                      <a:r>
-                        <a:rPr lang="pt-BR">
-                          <a:solidFill>
-                            <a:srgbClr val="000000"/>
-                          </a:solidFill>
-                          <a:latin typeface="Times New Roman"/>
-                        </a:rPr>
-                        <a:t>- Especificação de Requisitos</a:t>
-                      </a:r>
-                      <a:endParaRPr/>
-                    </a:p>
-                    <a:p>
-                      <a:pPr>
-                        <a:lnSpc>
-                          <a:spcPct val="100000"/>
-                        </a:lnSpc>
-                      </a:pPr>
-                      <a:r>
-                        <a:rPr lang="pt-BR">
-                          <a:solidFill>
-                            <a:srgbClr val="000000"/>
-                          </a:solidFill>
-                          <a:latin typeface="Times New Roman"/>
-                        </a:rPr>
-                        <a:t>- Regras de Negócio</a:t>
-                      </a:r>
-                      <a:endParaRPr/>
-                    </a:p>
-                    <a:p>
-                      <a:pPr>
-                        <a:lnSpc>
-                          <a:spcPct val="100000"/>
-                        </a:lnSpc>
-                      </a:pPr>
-                      <a:r>
-                        <a:rPr lang="pt-BR">
-                          <a:solidFill>
-                            <a:srgbClr val="999999"/>
-                          </a:solidFill>
-                          <a:latin typeface="Times New Roman"/>
-                        </a:rPr>
-                        <a:t>- Especificação de Caso de Uso</a:t>
-                      </a:r>
-                      <a:endParaRPr/>
-                    </a:p>
-                  </a:txBody>
-                  <a:tcPr/>
-                </a:tc>
-              </a:tr>
-            </a:tbl>
-          </a:graphicData>
-        </a:graphic>
-      </p:graphicFrame>
+      <p:pic>
+        <p:nvPicPr>
+          <p:cNvPr descr="" id="109" name=""/>
+          <p:cNvPicPr/>
+          <p:nvPr/>
+        </p:nvPicPr>
+        <p:blipFill>
+          <a:blip r:embed="rId3"/>
+          <a:stretch>
+            <a:fillRect/>
+          </a:stretch>
+        </p:blipFill>
+        <p:spPr>
+          <a:xfrm>
+            <a:off x="1980000" y="4550040"/>
+            <a:ext cx="487800" cy="487800"/>
+          </a:xfrm>
+          <a:prstGeom prst="rect">
+            <a:avLst/>
+          </a:prstGeom>
+        </p:spPr>
+      </p:pic>
+      <p:pic>
+        <p:nvPicPr>
+          <p:cNvPr descr="" id="110" name=""/>
+          <p:cNvPicPr/>
+          <p:nvPr/>
+        </p:nvPicPr>
+        <p:blipFill>
+          <a:blip r:embed="rId4"/>
+          <a:stretch>
+            <a:fillRect/>
+          </a:stretch>
+        </p:blipFill>
+        <p:spPr>
+          <a:xfrm>
+            <a:off x="1980000" y="5635080"/>
+            <a:ext cx="552600" cy="482760"/>
+          </a:xfrm>
+          <a:prstGeom prst="rect">
+            <a:avLst/>
+          </a:prstGeom>
+        </p:spPr>
+      </p:pic>
     </p:spTree>
   </p:cSld>
+  <p:timing>
+    <p:tnLst>
+      <p:par>
+        <p:cTn dur="indefinite" id="13" nodeType="tmRoot" restart="never">
+          <p:childTnLst>
+            <p:seq>
+              <p:cTn id="14" nodeType="mainSeq">
+                <p:childTnLst/>
+              </p:cTn>
+              <p:prevCondLst>
+                <p:cond delay="0" evt="onPrev">
+                  <p:tgtEl>
+                    <p:sldTgt/>
+                  </p:tgtEl>
+                </p:cond>
+              </p:prevCondLst>
+              <p:nextCondLst>
+                <p:cond delay="0" evt="onNext">
+                  <p:tgtEl>
+                    <p:sldTgt/>
+                  </p:tgtEl>
+                </p:cond>
+              </p:nextCondLst>
+            </p:seq>
+          </p:childTnLst>
+        </p:cTn>
+      </p:par>
+    </p:tnLst>
+  </p:timing>
 </p:sld>
 </file>
 
@@ -9209,7 +8136,7 @@
       </p:grpSpPr>
       <p:pic>
         <p:nvPicPr>
-          <p:cNvPr descr="" id="151" name=""/>
+          <p:cNvPr descr="" id="111" name=""/>
           <p:cNvPicPr/>
           <p:nvPr/>
         </p:nvPicPr>
@@ -9222,7 +8149,7 @@
         <p:spPr>
           <a:xfrm>
             <a:off x="6480" y="0"/>
-            <a:ext cx="9137520" cy="6857640"/>
+            <a:ext cx="9135360" cy="6855480"/>
           </a:xfrm>
           <a:prstGeom prst="rect">
             <a:avLst/>
@@ -9231,59 +8158,46 @@
       </p:pic>
       <p:sp>
         <p:nvSpPr>
-          <p:cNvPr id="152" name="TextShape 1"/>
-          <p:cNvSpPr txBox="1"/>
+          <p:cNvPr id="112" name="CustomShape 1"/>
+          <p:cNvSpPr/>
           <p:nvPr/>
         </p:nvSpPr>
         <p:spPr>
           <a:xfrm>
             <a:off x="0" y="0"/>
-            <a:ext cx="9143640" cy="1628280"/>
-          </a:xfrm>
-          <a:prstGeom prst="rect">
-            <a:avLst/>
-          </a:prstGeom>
-        </p:spPr>
-        <p:txBody>
-          <a:bodyPr anchor="ctr"/>
-          <a:p>
-            <a:endParaRPr/>
-          </a:p>
-        </p:txBody>
-      </p:sp>
-      <p:sp>
-        <p:nvSpPr>
-          <p:cNvPr id="153" name="TextShape 2"/>
-          <p:cNvSpPr txBox="1"/>
+            <a:ext cx="9141480" cy="1626120"/>
+          </a:xfrm>
+          <a:prstGeom prst="rect">
+            <a:avLst/>
+          </a:prstGeom>
+        </p:spPr>
+      </p:sp>
+      <p:sp>
+        <p:nvSpPr>
+          <p:cNvPr id="113" name="CustomShape 2"/>
+          <p:cNvSpPr/>
           <p:nvPr/>
         </p:nvSpPr>
         <p:spPr>
           <a:xfrm>
             <a:off x="1879560" y="2520000"/>
-            <a:ext cx="6400440" cy="2857680"/>
-          </a:xfrm>
-          <a:prstGeom prst="rect">
-            <a:avLst/>
-          </a:prstGeom>
-        </p:spPr>
-        <p:txBody>
-          <a:bodyPr anchor="ctr"/>
-          <a:p>
-            <a:pPr algn="ctr"/>
-            <a:endParaRPr/>
-          </a:p>
-        </p:txBody>
-      </p:sp>
-      <p:sp>
-        <p:nvSpPr>
-          <p:cNvPr id="154" name="CustomShape 3"/>
+            <a:ext cx="6398280" cy="2855520"/>
+          </a:xfrm>
+          <a:prstGeom prst="rect">
+            <a:avLst/>
+          </a:prstGeom>
+        </p:spPr>
+      </p:sp>
+      <p:sp>
+        <p:nvSpPr>
+          <p:cNvPr id="114" name="CustomShape 3"/>
           <p:cNvSpPr/>
           <p:nvPr/>
         </p:nvSpPr>
         <p:spPr>
           <a:xfrm>
             <a:off x="474840" y="188640"/>
-            <a:ext cx="8193600" cy="1233000"/>
+            <a:ext cx="8191440" cy="1230840"/>
           </a:xfrm>
           <a:prstGeom prst="rect">
             <a:avLst/>
@@ -9292,22 +8206,22 @@
       </p:sp>
       <p:graphicFrame>
         <p:nvGraphicFramePr>
-          <p:cNvPr id="155" name="Table 4"/>
+          <p:cNvPr id="115" name="Table 4"/>
           <p:cNvGraphicFramePr/>
           <p:nvPr/>
         </p:nvGraphicFramePr>
         <p:xfrm>
           <a:off x="-5040" y="2922840"/>
-          <a:ext cx="1984680" cy="365760"/>
+          <a:ext cx="1982520" cy="363600"/>
         </p:xfrm>
         <a:graphic>
           <a:graphicData uri="http://schemas.openxmlformats.org/drawingml/2006/table">
             <a:tbl>
               <a:tblPr/>
               <a:tblGrid>
-                <a:gridCol w="1985040"/>
+                <a:gridCol w="1982520"/>
               </a:tblGrid>
-              <a:tr h="365760">
+              <a:tr h="363600">
                 <a:tc>
                   <a:txBody>
                     <a:bodyPr wrap="none"/>
@@ -9324,7 +8238,7 @@
                           </a:solidFill>
                           <a:latin typeface="Times New Roman"/>
                         </a:rPr>
-                        <a:t>Escopo</a:t>
+                        <a:t>Documentação</a:t>
                       </a:r>
                       <a:endParaRPr/>
                     </a:p>
@@ -9338,20 +8252,20 @@
       </p:graphicFrame>
       <p:graphicFrame>
         <p:nvGraphicFramePr>
-          <p:cNvPr id="156" name="Table 5"/>
+          <p:cNvPr id="116" name="Table 5"/>
           <p:cNvGraphicFramePr/>
           <p:nvPr/>
         </p:nvGraphicFramePr>
         <p:xfrm>
           <a:off x="-9720" y="3460320"/>
-          <a:ext cx="1762920" cy="3103560"/>
+          <a:ext cx="1760760" cy="3101400"/>
         </p:xfrm>
         <a:graphic>
           <a:graphicData uri="http://schemas.openxmlformats.org/drawingml/2006/table">
             <a:tbl>
               <a:tblPr/>
               <a:tblGrid>
-                <a:gridCol w="1763280"/>
+                <a:gridCol w="1760760"/>
               </a:tblGrid>
               <a:tr h="497880">
                 <a:tc>
@@ -9453,7 +8367,7 @@
                   <a:tcPr/>
                 </a:tc>
               </a:tr>
-              <a:tr h="497160">
+              <a:tr h="494640">
                 <a:tc>
                   <a:txBody>
                     <a:bodyPr wrap="none"/>
@@ -9479,22 +8393,22 @@
       </p:graphicFrame>
       <p:graphicFrame>
         <p:nvGraphicFramePr>
-          <p:cNvPr id="157" name="Table 6"/>
+          <p:cNvPr id="117" name="Table 6"/>
           <p:cNvGraphicFramePr/>
           <p:nvPr/>
         </p:nvGraphicFramePr>
         <p:xfrm>
           <a:off x="1872360" y="1839600"/>
-          <a:ext cx="6441480" cy="365760"/>
+          <a:ext cx="6439320" cy="363600"/>
         </p:xfrm>
         <a:graphic>
           <a:graphicData uri="http://schemas.openxmlformats.org/drawingml/2006/table">
             <a:tbl>
               <a:tblPr/>
               <a:tblGrid>
-                <a:gridCol w="6441840"/>
+                <a:gridCol w="6439320"/>
               </a:tblGrid>
-              <a:tr h="365760">
+              <a:tr h="363600">
                 <a:tc>
                   <a:txBody>
                     <a:bodyPr wrap="none"/>
@@ -9512,336 +8426,6 @@
                           <a:latin typeface="Times New Roman"/>
                         </a:rPr>
                         <a:t>CINApp - Aplicativo para Controle de Ingestão de Sódio</a:t>
-                      </a:r>
-                      <a:endParaRPr/>
-                    </a:p>
-                  </a:txBody>
-                  <a:tcPr/>
-                </a:tc>
-              </a:tr>
-            </a:tbl>
-          </a:graphicData>
-        </a:graphic>
-      </p:graphicFrame>
-      <p:graphicFrame>
-        <p:nvGraphicFramePr>
-          <p:cNvPr id="158" name="Table 7"/>
-          <p:cNvGraphicFramePr/>
-          <p:nvPr/>
-        </p:nvGraphicFramePr>
-        <p:xfrm>
-          <a:off x="2923560" y="3059280"/>
-          <a:ext cx="5140440" cy="3391920"/>
-        </p:xfrm>
-        <a:graphic>
-          <a:graphicData uri="http://schemas.openxmlformats.org/drawingml/2006/table">
-            <a:tbl>
-              <a:tblPr/>
-              <a:tblGrid>
-                <a:gridCol w="5140800"/>
-              </a:tblGrid>
-              <a:tr h="347040">
-                <a:tc>
-                  <a:txBody>
-                    <a:bodyPr bIns="36000" lIns="36000" rIns="36000" tIns="36000" wrap="none"/>
-                    <a:p>
-                      <a:r>
-                        <a:rPr lang="pt-BR">
-                          <a:solidFill>
-                            <a:srgbClr val="000000"/>
-                          </a:solidFill>
-                          <a:latin typeface="Times New Roman"/>
-                          <a:ea typeface="WenQuanYi Micro Hei"/>
-                        </a:rPr>
-                        <a:t>Manter alimento</a:t>
-                      </a:r>
-                      <a:endParaRPr/>
-                    </a:p>
-                  </a:txBody>
-                  <a:tcPr/>
-                </a:tc>
-              </a:tr>
-              <a:tr h="301320">
-                <a:tc>
-                  <a:txBody>
-                    <a:bodyPr bIns="36000" lIns="36000" rIns="36000" tIns="36000" wrap="none"/>
-                    <a:p>
-                      <a:pPr>
-                        <a:lnSpc>
-                          <a:spcPct val="100000"/>
-                        </a:lnSpc>
-                      </a:pPr>
-                      <a:r>
-                        <a:rPr lang="pt-BR" sz="1500">
-                          <a:solidFill>
-                            <a:srgbClr val="000000"/>
-                          </a:solidFill>
-                          <a:latin typeface="Times New Roman"/>
-                        </a:rPr>
-                        <a:t> </a:t>
-                      </a:r>
-                      <a:r>
-                        <a:rPr lang="pt-BR" sz="1500">
-                          <a:solidFill>
-                            <a:srgbClr val="000000"/>
-                          </a:solidFill>
-                          <a:latin typeface="Times New Roman"/>
-                        </a:rPr>
-                        <a:t>- Incluir, alterar, consultar e excluir alimentos</a:t>
-                      </a:r>
-                      <a:endParaRPr/>
-                    </a:p>
-                  </a:txBody>
-                  <a:tcPr/>
-                </a:tc>
-              </a:tr>
-              <a:tr h="347040">
-                <a:tc>
-                  <a:txBody>
-                    <a:bodyPr bIns="36000" lIns="36000" rIns="36000" tIns="36000" wrap="none"/>
-                    <a:p>
-                      <a:pPr>
-                        <a:lnSpc>
-                          <a:spcPct val="100000"/>
-                        </a:lnSpc>
-                      </a:pPr>
-                      <a:r>
-                        <a:rPr lang="pt-BR">
-                          <a:solidFill>
-                            <a:srgbClr val="000000"/>
-                          </a:solidFill>
-                          <a:latin typeface="Times New Roman"/>
-                          <a:ea typeface="WenQuanYi Micro Hei"/>
-                        </a:rPr>
-                        <a:t>Manter ingestão de alimento</a:t>
-                      </a:r>
-                      <a:endParaRPr/>
-                    </a:p>
-                  </a:txBody>
-                  <a:tcPr/>
-                </a:tc>
-              </a:tr>
-              <a:tr h="301320">
-                <a:tc>
-                  <a:txBody>
-                    <a:bodyPr bIns="36000" lIns="36000" rIns="36000" tIns="36000" wrap="none"/>
-                    <a:p>
-                      <a:r>
-                        <a:rPr lang="pt-BR" sz="1500">
-                          <a:solidFill>
-                            <a:srgbClr val="000000"/>
-                          </a:solidFill>
-                          <a:latin typeface="Times New Roman"/>
-                          <a:ea typeface="WenQuanYi Micro Hei"/>
-                        </a:rPr>
-                        <a:t> </a:t>
-                      </a:r>
-                      <a:r>
-                        <a:rPr lang="pt-BR" sz="1500">
-                          <a:solidFill>
-                            <a:srgbClr val="000000"/>
-                          </a:solidFill>
-                          <a:latin typeface="Times New Roman"/>
-                          <a:ea typeface="WenQuanYi Micro Hei"/>
-                        </a:rPr>
-                        <a:t>- Incluir, consultar, alterar, excluir a ingestão de alimentos </a:t>
-                      </a:r>
-                      <a:endParaRPr/>
-                    </a:p>
-                  </a:txBody>
-                  <a:tcPr/>
-                </a:tc>
-              </a:tr>
-              <a:tr h="347040">
-                <a:tc>
-                  <a:txBody>
-                    <a:bodyPr bIns="36000" lIns="36000" rIns="36000" tIns="36000" wrap="none"/>
-                    <a:p>
-                      <a:pPr>
-                        <a:lnSpc>
-                          <a:spcPct val="100000"/>
-                        </a:lnSpc>
-                      </a:pPr>
-                      <a:r>
-                        <a:rPr lang="pt-BR">
-                          <a:solidFill>
-                            <a:srgbClr val="000000"/>
-                          </a:solidFill>
-                          <a:latin typeface="Times New Roman"/>
-                          <a:ea typeface="WenQuanYi Micro Hei"/>
-                        </a:rPr>
-                        <a:t>Manter perfil</a:t>
-                      </a:r>
-                      <a:endParaRPr/>
-                    </a:p>
-                  </a:txBody>
-                  <a:tcPr/>
-                </a:tc>
-              </a:tr>
-              <a:tr h="301320">
-                <a:tc>
-                  <a:txBody>
-                    <a:bodyPr bIns="36000" lIns="36000" rIns="36000" tIns="36000" wrap="none"/>
-                    <a:p>
-                      <a:pPr>
-                        <a:lnSpc>
-                          <a:spcPct val="100000"/>
-                        </a:lnSpc>
-                      </a:pPr>
-                      <a:r>
-                        <a:rPr lang="pt-BR" sz="1500">
-                          <a:solidFill>
-                            <a:srgbClr val="000000"/>
-                          </a:solidFill>
-                          <a:latin typeface="Times New Roman"/>
-                        </a:rPr>
-                        <a:t> </a:t>
-                      </a:r>
-                      <a:r>
-                        <a:rPr lang="pt-BR" sz="1500">
-                          <a:solidFill>
-                            <a:srgbClr val="000000"/>
-                          </a:solidFill>
-                          <a:latin typeface="Times New Roman"/>
-                        </a:rPr>
-                        <a:t>- Incluir, consultar e alterar  o perfil do usuário no aplicativo</a:t>
-                      </a:r>
-                      <a:endParaRPr/>
-                    </a:p>
-                  </a:txBody>
-                  <a:tcPr/>
-                </a:tc>
-              </a:tr>
-              <a:tr h="347040">
-                <a:tc>
-                  <a:txBody>
-                    <a:bodyPr bIns="36000" lIns="36000" rIns="36000" tIns="36000" wrap="none"/>
-                    <a:p>
-                      <a:pPr>
-                        <a:lnSpc>
-                          <a:spcPct val="100000"/>
-                        </a:lnSpc>
-                      </a:pPr>
-                      <a:r>
-                        <a:rPr lang="pt-BR">
-                          <a:solidFill>
-                            <a:srgbClr val="000000"/>
-                          </a:solidFill>
-                          <a:latin typeface="Times New Roman"/>
-                          <a:ea typeface="WenQuanYi Micro Hei"/>
-                        </a:rPr>
-                        <a:t>Alertar usuário</a:t>
-                      </a:r>
-                      <a:endParaRPr/>
-                    </a:p>
-                  </a:txBody>
-                  <a:tcPr/>
-                </a:tc>
-              </a:tr>
-              <a:tr h="525960">
-                <a:tc>
-                  <a:txBody>
-                    <a:bodyPr bIns="36000" lIns="36000" rIns="36000" tIns="36000" wrap="none"/>
-                    <a:p>
-                      <a:pPr>
-                        <a:lnSpc>
-                          <a:spcPct val="100000"/>
-                        </a:lnSpc>
-                      </a:pPr>
-                      <a:r>
-                        <a:rPr lang="pt-BR" sz="1500">
-                          <a:solidFill>
-                            <a:srgbClr val="000000"/>
-                          </a:solidFill>
-                          <a:latin typeface="Times New Roman"/>
-                        </a:rPr>
-                        <a:t> </a:t>
-                      </a:r>
-                      <a:r>
-                        <a:rPr lang="pt-BR" sz="1500">
-                          <a:solidFill>
-                            <a:srgbClr val="000000"/>
-                          </a:solidFill>
-                          <a:latin typeface="Times New Roman"/>
-                        </a:rPr>
-                        <a:t>- Proximidade de limite diário</a:t>
-                      </a:r>
-                      <a:endParaRPr/>
-                    </a:p>
-                    <a:p>
-                      <a:pPr>
-                        <a:lnSpc>
-                          <a:spcPct val="100000"/>
-                        </a:lnSpc>
-                      </a:pPr>
-                      <a:r>
-                        <a:rPr lang="pt-BR" sz="1500">
-                          <a:solidFill>
-                            <a:srgbClr val="000000"/>
-                          </a:solidFill>
-                          <a:latin typeface="Times New Roman"/>
-                        </a:rPr>
-                        <a:t> </a:t>
-                      </a:r>
-                      <a:r>
-                        <a:rPr lang="pt-BR" sz="1500">
-                          <a:solidFill>
-                            <a:srgbClr val="000000"/>
-                          </a:solidFill>
-                          <a:latin typeface="Times New Roman"/>
-                        </a:rPr>
-                        <a:t>- Limite diário ultrapassado</a:t>
-                      </a:r>
-                      <a:endParaRPr/>
-                    </a:p>
-                  </a:txBody>
-                  <a:tcPr/>
-                </a:tc>
-              </a:tr>
-              <a:tr h="573840">
-                <a:tc>
-                  <a:txBody>
-                    <a:bodyPr bIns="36000" lIns="36000" rIns="36000" tIns="36000" wrap="none"/>
-                    <a:p>
-                      <a:pPr>
-                        <a:lnSpc>
-                          <a:spcPct val="100000"/>
-                        </a:lnSpc>
-                      </a:pPr>
-                      <a:r>
-                        <a:rPr lang="pt-BR">
-                          <a:solidFill>
-                            <a:srgbClr val="000000"/>
-                          </a:solidFill>
-                          <a:latin typeface="Times New Roman"/>
-                        </a:rPr>
-                        <a:t>Gerar gráfico</a:t>
-                      </a:r>
-                      <a:endParaRPr/>
-                    </a:p>
-                    <a:p>
-                      <a:pPr>
-                        <a:lnSpc>
-                          <a:spcPct val="100000"/>
-                        </a:lnSpc>
-                      </a:pPr>
-                      <a:r>
-                        <a:rPr lang="pt-BR" sz="1500">
-                          <a:solidFill>
-                            <a:srgbClr val="000000"/>
-                          </a:solidFill>
-                          <a:latin typeface="Times New Roman"/>
-                        </a:rPr>
-                        <a:t> </a:t>
-                      </a:r>
-                      <a:r>
-                        <a:rPr lang="pt-BR" sz="1500">
-                          <a:solidFill>
-                            <a:srgbClr val="000000"/>
-                          </a:solidFill>
-                          <a:latin typeface="Times New Roman"/>
-                        </a:rPr>
-                        <a:t>- Gráficos em barra e pizza sobre consumo de sódio</a:t>
                       </a:r>
                       <a:endParaRPr/>
                     </a:p>
@@ -9855,7 +8439,7 @@
       </p:graphicFrame>
       <p:pic>
         <p:nvPicPr>
-          <p:cNvPr descr="" id="159" name=""/>
+          <p:cNvPr descr="" id="118" name=""/>
           <p:cNvPicPr/>
           <p:nvPr/>
         </p:nvPicPr>
@@ -9867,60 +8451,234 @@
         </p:blipFill>
         <p:spPr>
           <a:xfrm>
-            <a:off x="1800000" y="3240000"/>
-            <a:ext cx="900000" cy="720000"/>
+            <a:off x="1800360" y="3517200"/>
+            <a:ext cx="3957480" cy="980640"/>
           </a:xfrm>
           <a:prstGeom prst="rect">
             <a:avLst/>
           </a:prstGeom>
         </p:spPr>
       </p:pic>
-      <p:pic>
-        <p:nvPicPr>
-          <p:cNvPr descr="" id="160" name=""/>
-          <p:cNvPicPr/>
-          <p:nvPr/>
-        </p:nvPicPr>
-        <p:blipFill>
-          <a:blip r:embed="rId3"/>
-          <a:stretch>
-            <a:fillRect/>
-          </a:stretch>
-        </p:blipFill>
-        <p:spPr>
-          <a:xfrm>
-            <a:off x="1980000" y="4550040"/>
-            <a:ext cx="489960" cy="489960"/>
-          </a:xfrm>
-          <a:prstGeom prst="rect">
-            <a:avLst/>
-          </a:prstGeom>
-        </p:spPr>
-      </p:pic>
-      <p:pic>
-        <p:nvPicPr>
-          <p:cNvPr descr="" id="161" name=""/>
-          <p:cNvPicPr/>
-          <p:nvPr/>
-        </p:nvPicPr>
-        <p:blipFill>
-          <a:blip r:embed="rId4"/>
-          <a:stretch>
-            <a:fillRect/>
-          </a:stretch>
-        </p:blipFill>
-        <p:spPr>
-          <a:xfrm>
-            <a:off x="1980000" y="5635080"/>
-            <a:ext cx="554760" cy="484920"/>
-          </a:xfrm>
-          <a:prstGeom prst="rect">
-            <a:avLst/>
-          </a:prstGeom>
-        </p:spPr>
-      </p:pic>
+      <p:graphicFrame>
+        <p:nvGraphicFramePr>
+          <p:cNvPr id="119" name="Table 7"/>
+          <p:cNvGraphicFramePr/>
+          <p:nvPr/>
+        </p:nvGraphicFramePr>
+        <p:xfrm>
+          <a:off x="1879560" y="3276360"/>
+          <a:ext cx="3567600" cy="428760"/>
+        </p:xfrm>
+        <a:graphic>
+          <a:graphicData uri="http://schemas.openxmlformats.org/drawingml/2006/table">
+            <a:tbl>
+              <a:tblPr/>
+              <a:tblGrid>
+                <a:gridCol w="3567600"/>
+              </a:tblGrid>
+              <a:tr h="428760">
+                <a:tc>
+                  <a:txBody>
+                    <a:bodyPr wrap="none"/>
+                    <a:p>
+                      <a:pPr>
+                        <a:lnSpc>
+                          <a:spcPct val="100000"/>
+                        </a:lnSpc>
+                      </a:pPr>
+                      <a:r>
+                        <a:rPr b="1" lang="pt-BR">
+                          <a:solidFill>
+                            <a:srgbClr val="000000"/>
+                          </a:solidFill>
+                          <a:latin typeface="Times New Roman"/>
+                        </a:rPr>
+                        <a:t>- LibreOffice</a:t>
+                      </a:r>
+                      <a:endParaRPr/>
+                    </a:p>
+                  </a:txBody>
+                  <a:tcPr/>
+                </a:tc>
+              </a:tr>
+            </a:tbl>
+          </a:graphicData>
+        </a:graphic>
+      </p:graphicFrame>
+      <p:graphicFrame>
+        <p:nvGraphicFramePr>
+          <p:cNvPr id="120" name="Table 8"/>
+          <p:cNvGraphicFramePr/>
+          <p:nvPr/>
+        </p:nvGraphicFramePr>
+        <p:xfrm>
+          <a:off x="1879560" y="4564440"/>
+          <a:ext cx="3598920" cy="428760"/>
+        </p:xfrm>
+        <a:graphic>
+          <a:graphicData uri="http://schemas.openxmlformats.org/drawingml/2006/table">
+            <a:tbl>
+              <a:tblPr/>
+              <a:tblGrid>
+                <a:gridCol w="3598920"/>
+              </a:tblGrid>
+              <a:tr h="428760">
+                <a:tc>
+                  <a:txBody>
+                    <a:bodyPr wrap="none"/>
+                    <a:p>
+                      <a:pPr>
+                        <a:lnSpc>
+                          <a:spcPct val="100000"/>
+                        </a:lnSpc>
+                      </a:pPr>
+                      <a:r>
+                        <a:rPr b="1" lang="pt-BR">
+                          <a:solidFill>
+                            <a:srgbClr val="000000"/>
+                          </a:solidFill>
+                          <a:latin typeface="Times New Roman"/>
+                        </a:rPr>
+                        <a:t>- Documentação Técnica</a:t>
+                      </a:r>
+                      <a:endParaRPr/>
+                    </a:p>
+                  </a:txBody>
+                  <a:tcPr/>
+                </a:tc>
+              </a:tr>
+            </a:tbl>
+          </a:graphicData>
+        </a:graphic>
+      </p:graphicFrame>
+      <p:graphicFrame>
+        <p:nvGraphicFramePr>
+          <p:cNvPr id="121" name="Table 9"/>
+          <p:cNvGraphicFramePr/>
+          <p:nvPr/>
+        </p:nvGraphicFramePr>
+        <p:xfrm>
+          <a:off x="1832400" y="4929480"/>
+          <a:ext cx="4147920" cy="1188000"/>
+        </p:xfrm>
+        <a:graphic>
+          <a:graphicData uri="http://schemas.openxmlformats.org/drawingml/2006/table">
+            <a:tbl>
+              <a:tblPr/>
+              <a:tblGrid>
+                <a:gridCol w="4147920"/>
+              </a:tblGrid>
+              <a:tr h="1188000">
+                <a:tc>
+                  <a:txBody>
+                    <a:bodyPr wrap="none"/>
+                    <a:p>
+                      <a:pPr>
+                        <a:lnSpc>
+                          <a:spcPct val="100000"/>
+                        </a:lnSpc>
+                      </a:pPr>
+                      <a:r>
+                        <a:rPr lang="pt-BR">
+                          <a:solidFill>
+                            <a:srgbClr val="000000"/>
+                          </a:solidFill>
+                          <a:latin typeface="Times New Roman"/>
+                        </a:rPr>
+                        <a:t>- Documento de Visão</a:t>
+                      </a:r>
+                      <a:endParaRPr/>
+                    </a:p>
+                    <a:p>
+                      <a:pPr>
+                        <a:lnSpc>
+                          <a:spcPct val="100000"/>
+                        </a:lnSpc>
+                      </a:pPr>
+                      <a:r>
+                        <a:rPr lang="pt-BR">
+                          <a:solidFill>
+                            <a:srgbClr val="000000"/>
+                          </a:solidFill>
+                          <a:latin typeface="Times New Roman"/>
+                        </a:rPr>
+                        <a:t>- Especificação de Requisitos</a:t>
+                      </a:r>
+                      <a:endParaRPr/>
+                    </a:p>
+                    <a:p>
+                      <a:pPr>
+                        <a:lnSpc>
+                          <a:spcPct val="100000"/>
+                        </a:lnSpc>
+                      </a:pPr>
+                      <a:r>
+                        <a:rPr lang="pt-BR">
+                          <a:solidFill>
+                            <a:srgbClr val="000000"/>
+                          </a:solidFill>
+                          <a:latin typeface="Times New Roman"/>
+                        </a:rPr>
+                        <a:t>- Regras de Negócio</a:t>
+                      </a:r>
+                      <a:endParaRPr/>
+                    </a:p>
+                    <a:p>
+                      <a:pPr>
+                        <a:lnSpc>
+                          <a:spcPct val="100000"/>
+                        </a:lnSpc>
+                      </a:pPr>
+                      <a:r>
+                        <a:rPr lang="pt-BR">
+                          <a:solidFill>
+                            <a:srgbClr val="999999"/>
+                          </a:solidFill>
+                          <a:latin typeface="Times New Roman"/>
+                        </a:rPr>
+                        <a:t>- Especificação de Caso de Uso</a:t>
+                      </a:r>
+                      <a:endParaRPr/>
+                    </a:p>
+                  </a:txBody>
+                  <a:tcPr/>
+                </a:tc>
+              </a:tr>
+            </a:tbl>
+          </a:graphicData>
+        </a:graphic>
+      </p:graphicFrame>
     </p:spTree>
   </p:cSld>
+  <p:timing>
+    <p:tnLst>
+      <p:par>
+        <p:cTn dur="indefinite" id="15" nodeType="tmRoot" restart="never">
+          <p:childTnLst>
+            <p:seq>
+              <p:cTn id="16" nodeType="mainSeq">
+                <p:childTnLst/>
+              </p:cTn>
+              <p:prevCondLst>
+                <p:cond delay="0" evt="onPrev">
+                  <p:tgtEl>
+                    <p:sldTgt/>
+                  </p:tgtEl>
+                </p:cond>
+              </p:prevCondLst>
+              <p:nextCondLst>
+                <p:cond delay="0" evt="onNext">
+                  <p:tgtEl>
+                    <p:sldTgt/>
+                  </p:tgtEl>
+                </p:cond>
+              </p:nextCondLst>
+            </p:seq>
+          </p:childTnLst>
+        </p:cTn>
+      </p:par>
+    </p:tnLst>
+  </p:timing>
 </p:sld>
 </file>
 
@@ -9943,7 +8701,7 @@
       </p:grpSpPr>
       <p:pic>
         <p:nvPicPr>
-          <p:cNvPr descr="" id="162" name=""/>
+          <p:cNvPr descr="" id="122" name=""/>
           <p:cNvPicPr/>
           <p:nvPr/>
         </p:nvPicPr>
@@ -9956,7 +8714,7 @@
         <p:spPr>
           <a:xfrm>
             <a:off x="6480" y="0"/>
-            <a:ext cx="9137520" cy="6857640"/>
+            <a:ext cx="9135360" cy="6855480"/>
           </a:xfrm>
           <a:prstGeom prst="rect">
             <a:avLst/>
@@ -9965,59 +8723,46 @@
       </p:pic>
       <p:sp>
         <p:nvSpPr>
-          <p:cNvPr id="163" name="TextShape 1"/>
-          <p:cNvSpPr txBox="1"/>
+          <p:cNvPr id="123" name="CustomShape 1"/>
+          <p:cNvSpPr/>
           <p:nvPr/>
         </p:nvSpPr>
         <p:spPr>
           <a:xfrm>
             <a:off x="0" y="0"/>
-            <a:ext cx="9143640" cy="1628280"/>
-          </a:xfrm>
-          <a:prstGeom prst="rect">
-            <a:avLst/>
-          </a:prstGeom>
-        </p:spPr>
-        <p:txBody>
-          <a:bodyPr anchor="ctr"/>
-          <a:p>
-            <a:endParaRPr/>
-          </a:p>
-        </p:txBody>
-      </p:sp>
-      <p:sp>
-        <p:nvSpPr>
-          <p:cNvPr id="164" name="TextShape 2"/>
-          <p:cNvSpPr txBox="1"/>
+            <a:ext cx="9141480" cy="1626120"/>
+          </a:xfrm>
+          <a:prstGeom prst="rect">
+            <a:avLst/>
+          </a:prstGeom>
+        </p:spPr>
+      </p:sp>
+      <p:sp>
+        <p:nvSpPr>
+          <p:cNvPr id="124" name="CustomShape 2"/>
+          <p:cNvSpPr/>
           <p:nvPr/>
         </p:nvSpPr>
         <p:spPr>
           <a:xfrm>
             <a:off x="1879560" y="2520000"/>
-            <a:ext cx="6400440" cy="2857680"/>
-          </a:xfrm>
-          <a:prstGeom prst="rect">
-            <a:avLst/>
-          </a:prstGeom>
-        </p:spPr>
-        <p:txBody>
-          <a:bodyPr anchor="ctr"/>
-          <a:p>
-            <a:pPr algn="ctr"/>
-            <a:endParaRPr/>
-          </a:p>
-        </p:txBody>
-      </p:sp>
-      <p:sp>
-        <p:nvSpPr>
-          <p:cNvPr id="165" name="CustomShape 3"/>
+            <a:ext cx="6398280" cy="2855520"/>
+          </a:xfrm>
+          <a:prstGeom prst="rect">
+            <a:avLst/>
+          </a:prstGeom>
+        </p:spPr>
+      </p:sp>
+      <p:sp>
+        <p:nvSpPr>
+          <p:cNvPr id="125" name="CustomShape 3"/>
           <p:cNvSpPr/>
           <p:nvPr/>
         </p:nvSpPr>
         <p:spPr>
           <a:xfrm>
             <a:off x="474840" y="188640"/>
-            <a:ext cx="8193600" cy="1233000"/>
+            <a:ext cx="8191440" cy="1230840"/>
           </a:xfrm>
           <a:prstGeom prst="rect">
             <a:avLst/>
@@ -10026,20 +8771,20 @@
       </p:sp>
       <p:graphicFrame>
         <p:nvGraphicFramePr>
-          <p:cNvPr id="166" name="Table 4"/>
+          <p:cNvPr id="126" name="Table 4"/>
           <p:cNvGraphicFramePr/>
           <p:nvPr/>
         </p:nvGraphicFramePr>
         <p:xfrm>
           <a:off x="-9720" y="3460320"/>
-          <a:ext cx="1762920" cy="3103560"/>
+          <a:ext cx="1760760" cy="3101400"/>
         </p:xfrm>
         <a:graphic>
           <a:graphicData uri="http://schemas.openxmlformats.org/drawingml/2006/table">
             <a:tbl>
               <a:tblPr/>
               <a:tblGrid>
-                <a:gridCol w="1763280"/>
+                <a:gridCol w="1760760"/>
               </a:tblGrid>
               <a:tr h="497880">
                 <a:tc>
@@ -10141,7 +8886,7 @@
                   <a:tcPr/>
                 </a:tc>
               </a:tr>
-              <a:tr h="497160">
+              <a:tr h="494640">
                 <a:tc>
                   <a:txBody>
                     <a:bodyPr wrap="none"/>
@@ -10167,22 +8912,22 @@
       </p:graphicFrame>
       <p:graphicFrame>
         <p:nvGraphicFramePr>
-          <p:cNvPr id="167" name="Table 5"/>
+          <p:cNvPr id="127" name="Table 5"/>
           <p:cNvGraphicFramePr/>
           <p:nvPr/>
         </p:nvGraphicFramePr>
         <p:xfrm>
           <a:off x="1872360" y="1839600"/>
-          <a:ext cx="6441480" cy="365760"/>
+          <a:ext cx="6439320" cy="363600"/>
         </p:xfrm>
         <a:graphic>
           <a:graphicData uri="http://schemas.openxmlformats.org/drawingml/2006/table">
             <a:tbl>
               <a:tblPr/>
               <a:tblGrid>
-                <a:gridCol w="6441840"/>
+                <a:gridCol w="6439320"/>
               </a:tblGrid>
-              <a:tr h="365760">
+              <a:tr h="363600">
                 <a:tc>
                   <a:txBody>
                     <a:bodyPr wrap="none"/>
@@ -10213,22 +8958,22 @@
       </p:graphicFrame>
       <p:graphicFrame>
         <p:nvGraphicFramePr>
-          <p:cNvPr id="168" name="Table 6"/>
+          <p:cNvPr id="128" name="Table 6"/>
           <p:cNvGraphicFramePr/>
           <p:nvPr/>
         </p:nvGraphicFramePr>
         <p:xfrm>
           <a:off x="-4680" y="2922840"/>
-          <a:ext cx="3244680" cy="365760"/>
+          <a:ext cx="3242520" cy="363600"/>
         </p:xfrm>
         <a:graphic>
           <a:graphicData uri="http://schemas.openxmlformats.org/drawingml/2006/table">
             <a:tbl>
               <a:tblPr/>
               <a:tblGrid>
-                <a:gridCol w="3245040"/>
+                <a:gridCol w="3242520"/>
               </a:tblGrid>
-              <a:tr h="365760">
+              <a:tr h="363600">
                 <a:tc>
                   <a:txBody>
                     <a:bodyPr wrap="none"/>
@@ -10259,7 +9004,7 @@
       </p:graphicFrame>
       <p:pic>
         <p:nvPicPr>
-          <p:cNvPr descr="" id="169" name=""/>
+          <p:cNvPr descr="" id="129" name=""/>
           <p:cNvPicPr/>
           <p:nvPr/>
         </p:nvPicPr>
@@ -10272,7 +9017,7 @@
         <p:spPr>
           <a:xfrm>
             <a:off x="1980000" y="5220000"/>
-            <a:ext cx="1980000" cy="1440000"/>
+            <a:ext cx="1977840" cy="1437840"/>
           </a:xfrm>
           <a:prstGeom prst="rect">
             <a:avLst/>
@@ -10281,22 +9026,22 @@
       </p:pic>
       <p:graphicFrame>
         <p:nvGraphicFramePr>
-          <p:cNvPr id="170" name="Table 7"/>
+          <p:cNvPr id="130" name="Table 7"/>
           <p:cNvGraphicFramePr/>
           <p:nvPr/>
         </p:nvGraphicFramePr>
         <p:xfrm>
           <a:off x="1782360" y="5270760"/>
-          <a:ext cx="1173960" cy="431280"/>
+          <a:ext cx="1171800" cy="429120"/>
         </p:xfrm>
         <a:graphic>
           <a:graphicData uri="http://schemas.openxmlformats.org/drawingml/2006/table">
             <a:tbl>
               <a:tblPr/>
               <a:tblGrid>
-                <a:gridCol w="1174320"/>
+                <a:gridCol w="1171800"/>
               </a:tblGrid>
-              <a:tr h="431640">
+              <a:tr h="429120">
                 <a:tc>
                   <a:txBody>
                     <a:bodyPr wrap="none"/>
@@ -10327,22 +9072,22 @@
       </p:graphicFrame>
       <p:graphicFrame>
         <p:nvGraphicFramePr>
-          <p:cNvPr id="171" name="Table 8"/>
+          <p:cNvPr id="131" name="Table 8"/>
           <p:cNvGraphicFramePr/>
           <p:nvPr/>
         </p:nvGraphicFramePr>
         <p:xfrm>
           <a:off x="4370400" y="3457800"/>
-          <a:ext cx="2094840" cy="431280"/>
+          <a:ext cx="2092680" cy="429120"/>
         </p:xfrm>
         <a:graphic>
           <a:graphicData uri="http://schemas.openxmlformats.org/drawingml/2006/table">
             <a:tbl>
               <a:tblPr/>
               <a:tblGrid>
-                <a:gridCol w="2095200"/>
+                <a:gridCol w="2092680"/>
               </a:tblGrid>
-              <a:tr h="431640">
+              <a:tr h="429120">
                 <a:tc>
                   <a:txBody>
                     <a:bodyPr wrap="none"/>
@@ -10373,7 +9118,7 @@
       </p:graphicFrame>
       <p:pic>
         <p:nvPicPr>
-          <p:cNvPr descr="" id="172" name=""/>
+          <p:cNvPr descr="" id="132" name=""/>
           <p:cNvPicPr/>
           <p:nvPr/>
         </p:nvPicPr>
@@ -10386,7 +9131,7 @@
         <p:spPr>
           <a:xfrm>
             <a:off x="5353560" y="3780000"/>
-            <a:ext cx="1486440" cy="1440000"/>
+            <a:ext cx="1484280" cy="1437840"/>
           </a:xfrm>
           <a:prstGeom prst="rect">
             <a:avLst/>
@@ -10395,22 +9140,22 @@
       </p:pic>
       <p:graphicFrame>
         <p:nvGraphicFramePr>
-          <p:cNvPr id="173" name="Table 9"/>
+          <p:cNvPr id="133" name="Table 9"/>
           <p:cNvGraphicFramePr/>
           <p:nvPr/>
         </p:nvGraphicFramePr>
         <p:xfrm>
           <a:off x="1668960" y="3485520"/>
-          <a:ext cx="1747800" cy="431280"/>
+          <a:ext cx="1745640" cy="429120"/>
         </p:xfrm>
         <a:graphic>
           <a:graphicData uri="http://schemas.openxmlformats.org/drawingml/2006/table">
             <a:tbl>
               <a:tblPr/>
               <a:tblGrid>
-                <a:gridCol w="1748160"/>
+                <a:gridCol w="1745640"/>
               </a:tblGrid>
-              <a:tr h="431640">
+              <a:tr h="429120">
                 <a:tc>
                   <a:txBody>
                     <a:bodyPr wrap="none"/>
@@ -10441,7 +9186,7 @@
       </p:graphicFrame>
       <p:pic>
         <p:nvPicPr>
-          <p:cNvPr descr="" id="174" name=""/>
+          <p:cNvPr descr="" id="134" name=""/>
           <p:cNvPicPr/>
           <p:nvPr/>
         </p:nvPicPr>
@@ -10454,7 +9199,7 @@
         <p:spPr>
           <a:xfrm>
             <a:off x="2160000" y="3960000"/>
-            <a:ext cx="1440000" cy="900000"/>
+            <a:ext cx="1437840" cy="897840"/>
           </a:xfrm>
           <a:prstGeom prst="rect">
             <a:avLst/>
@@ -10463,22 +9208,22 @@
       </p:pic>
       <p:graphicFrame>
         <p:nvGraphicFramePr>
-          <p:cNvPr id="175" name="Table 10"/>
+          <p:cNvPr id="135" name="Table 10"/>
           <p:cNvGraphicFramePr/>
           <p:nvPr/>
         </p:nvGraphicFramePr>
         <p:xfrm>
           <a:off x="4541040" y="5090040"/>
-          <a:ext cx="4411800" cy="640080"/>
+          <a:ext cx="4409640" cy="637920"/>
         </p:xfrm>
         <a:graphic>
           <a:graphicData uri="http://schemas.openxmlformats.org/drawingml/2006/table">
             <a:tbl>
               <a:tblPr/>
               <a:tblGrid>
-                <a:gridCol w="4412160"/>
+                <a:gridCol w="4409640"/>
               </a:tblGrid>
-              <a:tr h="640080">
+              <a:tr h="637920">
                 <a:tc>
                   <a:txBody>
                     <a:bodyPr wrap="none"/>
@@ -10527,7 +9272,7 @@
       </p:graphicFrame>
       <p:pic>
         <p:nvPicPr>
-          <p:cNvPr descr="" id="176" name=""/>
+          <p:cNvPr descr="" id="136" name=""/>
           <p:cNvPicPr/>
           <p:nvPr/>
         </p:nvPicPr>
@@ -10540,7 +9285,7 @@
         <p:spPr>
           <a:xfrm>
             <a:off x="5220000" y="5598000"/>
-            <a:ext cx="1620000" cy="1260000"/>
+            <a:ext cx="1617840" cy="1257840"/>
           </a:xfrm>
           <a:prstGeom prst="rect">
             <a:avLst/>
@@ -10549,6 +9294,35 @@
       </p:pic>
     </p:spTree>
   </p:cSld>
+  <p:timing>
+    <p:tnLst>
+      <p:par>
+        <p:cTn dur="indefinite" id="17" nodeType="tmRoot" restart="never">
+          <p:childTnLst>
+            <p:seq>
+              <p:cTn id="18" nodeType="mainSeq">
+                <p:childTnLst/>
+              </p:cTn>
+              <p:prevCondLst>
+                <p:cond delay="0" evt="onPrev">
+                  <p:tgtEl>
+                    <p:sldTgt/>
+                  </p:tgtEl>
+                </p:cond>
+              </p:prevCondLst>
+              <p:nextCondLst>
+                <p:cond delay="0" evt="onNext">
+                  <p:tgtEl>
+                    <p:sldTgt/>
+                  </p:tgtEl>
+                </p:cond>
+              </p:nextCondLst>
+            </p:seq>
+          </p:childTnLst>
+        </p:cTn>
+      </p:par>
+    </p:tnLst>
+  </p:timing>
 </p:sld>
 </file>
 
@@ -10996,227 +9770,4 @@
     </a:fmtScheme>
   </a:themeElements>
 </a:theme>
-</file>
-
-<file path=ppt/theme/theme3.xml><?xml version="1.0" encoding="utf-8"?>
-<a:theme xmlns:a="http://schemas.openxmlformats.org/drawingml/2006/main" name="Office Theme">
-  <a:themeElements>
-    <a:clrScheme name="Office">
-      <a:dk1>
-        <a:sysClr val="windowText" lastClr="000000"/>
-      </a:dk1>
-      <a:lt1>
-        <a:sysClr val="window" lastClr="FFFFFF"/>
-      </a:lt1>
-      <a:dk2>
-        <a:srgbClr val="1F497D"/>
-      </a:dk2>
-      <a:lt2>
-        <a:srgbClr val="EEECE1"/>
-      </a:lt2>
-      <a:accent1>
-        <a:srgbClr val="4F81BD"/>
-      </a:accent1>
-      <a:accent2>
-        <a:srgbClr val="C0504D"/>
-      </a:accent2>
-      <a:accent3>
-        <a:srgbClr val="9BBB59"/>
-      </a:accent3>
-      <a:accent4>
-        <a:srgbClr val="8064A2"/>
-      </a:accent4>
-      <a:accent5>
-        <a:srgbClr val="4BACC6"/>
-      </a:accent5>
-      <a:accent6>
-        <a:srgbClr val="F79646"/>
-      </a:accent6>
-      <a:hlink>
-        <a:srgbClr val="0000FF"/>
-      </a:hlink>
-      <a:folHlink>
-        <a:srgbClr val="800080"/>
-      </a:folHlink>
-    </a:clrScheme>
-    <a:fontScheme name="Office">
-      <a:majorFont>
-        <a:latin typeface="Arial"/>
-        <a:ea typeface="DejaVu Sans"/>
-        <a:cs typeface="DejaVu Sans"/>
-      </a:majorFont>
-      <a:minorFont>
-        <a:latin typeface="Arial"/>
-        <a:ea typeface="DejaVu Sans"/>
-        <a:cs typeface="DejaVu Sans"/>
-      </a:minorFont>
-    </a:fontScheme>
-    <a:fmtScheme name="Office">
-      <a:fillStyleLst>
-        <a:solidFill>
-          <a:schemeClr val="phClr"/>
-        </a:solidFill>
-        <a:gradFill rotWithShape="1">
-          <a:gsLst>
-            <a:gs pos="0">
-              <a:schemeClr val="phClr">
-                <a:tint val="50000"/>
-                <a:satMod val="300000"/>
-              </a:schemeClr>
-            </a:gs>
-            <a:gs pos="35000">
-              <a:schemeClr val="phClr">
-                <a:tint val="37000"/>
-                <a:satMod val="300000"/>
-              </a:schemeClr>
-            </a:gs>
-            <a:gs pos="100000">
-              <a:schemeClr val="phClr">
-                <a:tint val="15000"/>
-                <a:satMod val="350000"/>
-              </a:schemeClr>
-            </a:gs>
-          </a:gsLst>
-          <a:lin ang="16200000" scaled="1"/>
-        </a:gradFill>
-        <a:gradFill rotWithShape="1">
-          <a:gsLst>
-            <a:gs pos="0">
-              <a:schemeClr val="phClr">
-                <a:shade val="51000"/>
-                <a:satMod val="130000"/>
-              </a:schemeClr>
-            </a:gs>
-            <a:gs pos="80000">
-              <a:schemeClr val="phClr">
-                <a:shade val="93000"/>
-                <a:satMod val="130000"/>
-              </a:schemeClr>
-            </a:gs>
-            <a:gs pos="100000">
-              <a:schemeClr val="phClr">
-                <a:shade val="94000"/>
-                <a:satMod val="135000"/>
-              </a:schemeClr>
-            </a:gs>
-          </a:gsLst>
-          <a:lin ang="16200000" scaled="0"/>
-        </a:gradFill>
-      </a:fillStyleLst>
-      <a:lnStyleLst>
-        <a:ln w="9525" cap="flat" cmpd="sng" algn="ctr">
-          <a:solidFill>
-            <a:schemeClr val="phClr">
-              <a:shade val="95000"/>
-              <a:satMod val="105000"/>
-            </a:schemeClr>
-          </a:solidFill>
-          <a:prstDash val="solid"/>
-        </a:ln>
-        <a:ln w="25400" cap="flat" cmpd="sng" algn="ctr">
-          <a:solidFill>
-            <a:schemeClr val="phClr"/>
-          </a:solidFill>
-          <a:prstDash val="solid"/>
-        </a:ln>
-        <a:ln w="38100" cap="flat" cmpd="sng" algn="ctr">
-          <a:solidFill>
-            <a:schemeClr val="phClr"/>
-          </a:solidFill>
-          <a:prstDash val="solid"/>
-        </a:ln>
-      </a:lnStyleLst>
-      <a:effectStyleLst>
-        <a:effectStyle>
-          <a:effectLst>
-            <a:outerShdw blurRad="40000" dist="20000" dir="5400000" rotWithShape="0">
-              <a:srgbClr val="000000">
-                <a:alpha val="38000"/>
-              </a:srgbClr>
-            </a:outerShdw>
-          </a:effectLst>
-        </a:effectStyle>
-        <a:effectStyle>
-          <a:effectLst>
-            <a:outerShdw blurRad="40000" dist="23000" dir="5400000" rotWithShape="0">
-              <a:srgbClr val="000000">
-                <a:alpha val="35000"/>
-              </a:srgbClr>
-            </a:outerShdw>
-          </a:effectLst>
-        </a:effectStyle>
-        <a:effectStyle>
-          <a:effectLst>
-            <a:outerShdw blurRad="40000" dist="23000" dir="5400000" rotWithShape="0">
-              <a:srgbClr val="000000">
-                <a:alpha val="35000"/>
-              </a:srgbClr>
-            </a:outerShdw>
-          </a:effectLst>
-          <a:scene3d>
-            <a:camera prst="orthographicFront">
-              <a:rot lat="0" lon="0" rev="0"/>
-            </a:camera>
-            <a:lightRig rig="threePt" dir="t">
-              <a:rot lat="0" lon="0" rev="1200000"/>
-            </a:lightRig>
-          </a:scene3d>
-          <a:sp3d>
-            <a:bevelT w="63500" h="25400"/>
-          </a:sp3d>
-        </a:effectStyle>
-      </a:effectStyleLst>
-      <a:bgFillStyleLst>
-        <a:solidFill>
-          <a:schemeClr val="phClr"/>
-        </a:solidFill>
-        <a:gradFill rotWithShape="1">
-          <a:gsLst>
-            <a:gs pos="0">
-              <a:schemeClr val="phClr">
-                <a:tint val="40000"/>
-                <a:satMod val="350000"/>
-              </a:schemeClr>
-            </a:gs>
-            <a:gs pos="40000">
-              <a:schemeClr val="phClr">
-                <a:tint val="45000"/>
-                <a:shade val="99000"/>
-                <a:satMod val="350000"/>
-              </a:schemeClr>
-            </a:gs>
-            <a:gs pos="100000">
-              <a:schemeClr val="phClr">
-                <a:shade val="20000"/>
-                <a:satMod val="255000"/>
-              </a:schemeClr>
-            </a:gs>
-          </a:gsLst>
-          <a:path path="circle">
-            <a:fillToRect l="50000" t="-80000" r="50000" b="180000"/>
-          </a:path>
-        </a:gradFill>
-        <a:gradFill rotWithShape="1">
-          <a:gsLst>
-            <a:gs pos="0">
-              <a:schemeClr val="phClr">
-                <a:tint val="80000"/>
-                <a:satMod val="300000"/>
-              </a:schemeClr>
-            </a:gs>
-            <a:gs pos="100000">
-              <a:schemeClr val="phClr">
-                <a:shade val="30000"/>
-                <a:satMod val="200000"/>
-              </a:schemeClr>
-            </a:gs>
-          </a:gsLst>
-          <a:path path="circle">
-            <a:fillToRect l="50000" t="50000" r="50000" b="50000"/>
-          </a:path>
-        </a:gradFill>
-      </a:bgFillStyleLst>
-    </a:fmtScheme>
-  </a:themeElements>
-</a:theme>
 </file>